--- a/3rd/LI4/Entregas Intermédias/Checkpoint1.pptx
+++ b/3rd/LI4/Entregas Intermédias/Checkpoint1.pptx
@@ -7,16 +7,9 @@
   </p:sldMasterIdLst>
   <p:sldIdLst>
     <p:sldId id="256" r:id="rId3"/>
-    <p:sldId id="257" r:id="rId4"/>
-    <p:sldId id="258" r:id="rId5"/>
-    <p:sldId id="259" r:id="rId6"/>
-    <p:sldId id="260" r:id="rId7"/>
-    <p:sldId id="261" r:id="rId8"/>
-    <p:sldId id="262" r:id="rId9"/>
-    <p:sldId id="263" r:id="rId10"/>
-    <p:sldId id="264" r:id="rId11"/>
-    <p:sldId id="265" r:id="rId12"/>
-    <p:sldId id="266" r:id="rId13"/>
+    <p:sldId id="267" r:id="rId4"/>
+    <p:sldId id="268" r:id="rId5"/>
+    <p:sldId id="269" r:id="rId6"/>
   </p:sldIdLst>
   <p:sldSz cx="12192000" cy="6858000"/>
   <p:notesSz cx="7559675" cy="10691813"/>
@@ -7233,19 +7226,28 @@
               <a:buNone/>
             </a:pPr>
             <a:r>
-              <a:rPr lang="pt-PT" sz="8000" b="0" i="1" strike="noStrike" spc="-52">
+              <a:rPr lang="pt-PT" sz="8000" b="0" i="1" strike="noStrike" spc="-52" dirty="0" err="1">
                 <a:solidFill>
                   <a:srgbClr val="262626"/>
                 </a:solidFill>
                 <a:latin typeface="Calibri Light"/>
               </a:rPr>
-              <a:t>AliFeirex </a:t>
+              <a:t>AliFeirex</a:t>
+            </a:r>
+            <a:r>
+              <a:rPr lang="pt-PT" sz="8000" b="0" i="1" strike="noStrike" spc="-52" dirty="0">
+                <a:solidFill>
+                  <a:srgbClr val="262626"/>
+                </a:solidFill>
+                <a:latin typeface="Calibri Light"/>
+              </a:rPr>
+              <a:t> </a:t>
             </a:r>
             <a:br>
-              <a:rPr sz="8000"/>
+              <a:rPr sz="8000" dirty="0"/>
             </a:br>
             <a:r>
-              <a:rPr lang="pt-PT" sz="4000" b="0" i="1" strike="noStrike" spc="-52">
+              <a:rPr lang="pt-PT" sz="4000" b="0" i="1" strike="noStrike" spc="-52" dirty="0">
                 <a:solidFill>
                   <a:srgbClr val="262626"/>
                 </a:solidFill>
@@ -7253,7 +7255,7 @@
               </a:rPr>
               <a:t>(Aplicação para Feiras Online)</a:t>
             </a:r>
-            <a:endParaRPr lang="en-US" sz="4000" b="0" strike="noStrike" spc="-1">
+            <a:endParaRPr lang="en-US" sz="4000" b="0" strike="noStrike" spc="-1" dirty="0">
               <a:solidFill>
                 <a:srgbClr val="000000"/>
               </a:solidFill>
@@ -7475,1751 +7477,6 @@
 </p:sld>
 </file>
 
-<file path=ppt/slides/slide10.xml><?xml version="1.0" encoding="utf-8"?>
-<p:sld xmlns:a="http://schemas.openxmlformats.org/drawingml/2006/main" xmlns:r="http://schemas.openxmlformats.org/officeDocument/2006/relationships" xmlns:p="http://schemas.openxmlformats.org/presentationml/2006/main">
-  <p:cSld>
-    <p:spTree>
-      <p:nvGrpSpPr>
-        <p:cNvPr id="1" name=""/>
-        <p:cNvGrpSpPr/>
-        <p:nvPr/>
-      </p:nvGrpSpPr>
-      <p:grpSpPr>
-        <a:xfrm>
-          <a:off x="0" y="0"/>
-          <a:ext cx="0" cy="0"/>
-          <a:chOff x="0" y="0"/>
-          <a:chExt cx="0" cy="0"/>
-        </a:xfrm>
-      </p:grpSpPr>
-      <p:sp>
-        <p:nvSpPr>
-          <p:cNvPr id="127" name="PlaceHolder 1"/>
-          <p:cNvSpPr>
-            <a:spLocks noGrp="1"/>
-          </p:cNvSpPr>
-          <p:nvPr>
-            <p:ph type="title"/>
-          </p:nvPr>
-        </p:nvSpPr>
-        <p:spPr>
-          <a:xfrm>
-            <a:off x="1097280" y="286560"/>
-            <a:ext cx="10058040" cy="1450440"/>
-          </a:xfrm>
-          <a:prstGeom prst="rect">
-            <a:avLst/>
-          </a:prstGeom>
-          <a:noFill/>
-          <a:ln w="0">
-            <a:noFill/>
-          </a:ln>
-        </p:spPr>
-        <p:txBody>
-          <a:bodyPr anchor="b">
-            <a:noAutofit/>
-          </a:bodyPr>
-          <a:lstStyle/>
-          <a:p>
-            <a:pPr algn="ctr">
-              <a:lnSpc>
-                <a:spcPct val="85000"/>
-              </a:lnSpc>
-              <a:buNone/>
-            </a:pPr>
-            <a:r>
-              <a:rPr lang="pt-PT" sz="4800" b="0" strike="noStrike" spc="-52" dirty="0">
-                <a:solidFill>
-                  <a:srgbClr val="404040"/>
-                </a:solidFill>
-                <a:latin typeface="Calibri Light"/>
-              </a:rPr>
-              <a:t>Plano de execução do trabalho</a:t>
-            </a:r>
-            <a:endParaRPr lang="en-US" sz="4800" b="0" strike="noStrike" spc="-1" dirty="0">
-              <a:solidFill>
-                <a:srgbClr val="000000"/>
-              </a:solidFill>
-              <a:latin typeface="Calibri"/>
-            </a:endParaRPr>
-          </a:p>
-        </p:txBody>
-      </p:sp>
-      <p:pic>
-        <p:nvPicPr>
-          <p:cNvPr id="3" name="Marcador de Posição de Conteúdo 2">
-            <a:extLst>
-              <a:ext uri="{FF2B5EF4-FFF2-40B4-BE49-F238E27FC236}">
-                <a16:creationId xmlns:a16="http://schemas.microsoft.com/office/drawing/2014/main" id="{24D4C937-E117-E0CE-0541-2CCEF6AB5A2D}"/>
-              </a:ext>
-            </a:extLst>
-          </p:cNvPr>
-          <p:cNvPicPr>
-            <a:picLocks noGrp="1" noChangeAspect="1"/>
-          </p:cNvPicPr>
-          <p:nvPr>
-            <p:ph/>
-          </p:nvPr>
-        </p:nvPicPr>
-        <p:blipFill>
-          <a:blip r:embed="rId2"/>
-          <a:stretch>
-            <a:fillRect/>
-          </a:stretch>
-        </p:blipFill>
-        <p:spPr>
-          <a:xfrm>
-            <a:off x="1097280" y="1845720"/>
-            <a:ext cx="10058040" cy="4023000"/>
-          </a:xfrm>
-          <a:prstGeom prst="rect">
-            <a:avLst/>
-          </a:prstGeom>
-          <a:noFill/>
-          <a:ln w="0">
-            <a:noFill/>
-          </a:ln>
-        </p:spPr>
-      </p:pic>
-      <p:pic>
-        <p:nvPicPr>
-          <p:cNvPr id="129" name="Picture 4"/>
-          <p:cNvPicPr/>
-          <p:nvPr/>
-        </p:nvPicPr>
-        <p:blipFill>
-          <a:blip r:embed="rId3"/>
-          <a:stretch/>
-        </p:blipFill>
-        <p:spPr>
-          <a:xfrm>
-            <a:off x="163440" y="140400"/>
-            <a:ext cx="1247760" cy="621720"/>
-          </a:xfrm>
-          <a:prstGeom prst="rect">
-            <a:avLst/>
-          </a:prstGeom>
-          <a:ln w="0">
-            <a:noFill/>
-          </a:ln>
-        </p:spPr>
-      </p:pic>
-      <p:sp>
-        <p:nvSpPr>
-          <p:cNvPr id="130" name="TextBox 5"/>
-          <p:cNvSpPr/>
-          <p:nvPr/>
-        </p:nvSpPr>
-        <p:spPr>
-          <a:xfrm>
-            <a:off x="1411560" y="177480"/>
-            <a:ext cx="3071160" cy="521766"/>
-          </a:xfrm>
-          <a:prstGeom prst="rect">
-            <a:avLst/>
-          </a:prstGeom>
-          <a:noFill/>
-          <a:ln w="0">
-            <a:noFill/>
-          </a:ln>
-        </p:spPr>
-        <p:style>
-          <a:lnRef idx="0">
-            <a:scrgbClr r="0" g="0" b="0"/>
-          </a:lnRef>
-          <a:fillRef idx="0">
-            <a:scrgbClr r="0" g="0" b="0"/>
-          </a:fillRef>
-          <a:effectRef idx="0">
-            <a:scrgbClr r="0" g="0" b="0"/>
-          </a:effectRef>
-          <a:fontRef idx="minor"/>
-        </p:style>
-        <p:txBody>
-          <a:bodyPr lIns="90000" tIns="45000" rIns="90000" bIns="45000" anchor="t">
-            <a:spAutoFit/>
-          </a:bodyPr>
-          <a:lstStyle/>
-          <a:p>
-            <a:pPr>
-              <a:lnSpc>
-                <a:spcPct val="100000"/>
-              </a:lnSpc>
-              <a:buNone/>
-            </a:pPr>
-            <a:r>
-              <a:rPr lang="pt-PT" sz="1400" b="0" strike="noStrike" spc="-1" dirty="0">
-                <a:solidFill>
-                  <a:srgbClr val="000000"/>
-                </a:solidFill>
-                <a:latin typeface="Calibri Light"/>
-              </a:rPr>
-              <a:t>Laboratórios de Informática IV </a:t>
-            </a:r>
-            <a:endParaRPr lang="pt-PT" sz="1400" b="0" strike="noStrike" spc="-1" dirty="0">
-              <a:latin typeface="Arial"/>
-            </a:endParaRPr>
-          </a:p>
-          <a:p>
-            <a:pPr>
-              <a:lnSpc>
-                <a:spcPct val="100000"/>
-              </a:lnSpc>
-              <a:buNone/>
-            </a:pPr>
-            <a:r>
-              <a:rPr lang="pt-PT" sz="1400" b="0" strike="noStrike" spc="-1" dirty="0">
-                <a:solidFill>
-                  <a:srgbClr val="000000"/>
-                </a:solidFill>
-                <a:latin typeface="Calibri Light"/>
-              </a:rPr>
-              <a:t>Ano letivo 2022/2023</a:t>
-            </a:r>
-            <a:endParaRPr lang="pt-PT" sz="1400" b="0" strike="noStrike" spc="-1" dirty="0">
-              <a:latin typeface="Arial"/>
-            </a:endParaRPr>
-          </a:p>
-        </p:txBody>
-      </p:sp>
-      <p:sp>
-        <p:nvSpPr>
-          <p:cNvPr id="4" name="PlaceHolder 3"/>
-          <p:cNvSpPr>
-            <a:spLocks noGrp="1"/>
-          </p:cNvSpPr>
-          <p:nvPr>
-            <p:ph type="sldNum" idx="6"/>
-          </p:nvPr>
-        </p:nvSpPr>
-        <p:spPr/>
-        <p:txBody>
-          <a:bodyPr/>
-          <a:lstStyle/>
-          <a:p>
-            <a:fld id="{AB960D05-4DC7-4A74-91B3-F08DF1D5CD88}" type="slidenum">
-              <a:rPr/>
-              <a:t>10</a:t>
-            </a:fld>
-            <a:endParaRPr/>
-          </a:p>
-        </p:txBody>
-      </p:sp>
-    </p:spTree>
-  </p:cSld>
-  <p:clrMapOvr>
-    <a:masterClrMapping/>
-  </p:clrMapOvr>
-  <mc:AlternateContent xmlns:mc="http://schemas.openxmlformats.org/markup-compatibility/2006" xmlns:p14="http://schemas.microsoft.com/office/powerpoint/2010/main">
-    <mc:Choice Requires="p14">
-      <p:transition spd="med" p14:dur="700">
-        <p:fade/>
-      </p:transition>
-    </mc:Choice>
-    <mc:Fallback xmlns="" xmlns:p15="http://schemas.microsoft.com/office/powerpoint/2012/main">
-      <p:transition spd="med">
-        <p:fade/>
-      </p:transition>
-    </mc:Fallback>
-  </mc:AlternateContent>
-</p:sld>
-</file>
-
-<file path=ppt/slides/slide11.xml><?xml version="1.0" encoding="utf-8"?>
-<p:sld xmlns:a="http://schemas.openxmlformats.org/drawingml/2006/main" xmlns:r="http://schemas.openxmlformats.org/officeDocument/2006/relationships" xmlns:p="http://schemas.openxmlformats.org/presentationml/2006/main">
-  <p:cSld>
-    <p:spTree>
-      <p:nvGrpSpPr>
-        <p:cNvPr id="1" name=""/>
-        <p:cNvGrpSpPr/>
-        <p:nvPr/>
-      </p:nvGrpSpPr>
-      <p:grpSpPr>
-        <a:xfrm>
-          <a:off x="0" y="0"/>
-          <a:ext cx="0" cy="0"/>
-          <a:chOff x="0" y="0"/>
-          <a:chExt cx="0" cy="0"/>
-        </a:xfrm>
-      </p:grpSpPr>
-      <p:sp>
-        <p:nvSpPr>
-          <p:cNvPr id="131" name="PlaceHolder 1"/>
-          <p:cNvSpPr>
-            <a:spLocks noGrp="1"/>
-          </p:cNvSpPr>
-          <p:nvPr>
-            <p:ph type="title"/>
-          </p:nvPr>
-        </p:nvSpPr>
-        <p:spPr>
-          <a:xfrm>
-            <a:off x="1097280" y="286560"/>
-            <a:ext cx="10058040" cy="1450440"/>
-          </a:xfrm>
-          <a:prstGeom prst="rect">
-            <a:avLst/>
-          </a:prstGeom>
-          <a:noFill/>
-          <a:ln w="0">
-            <a:noFill/>
-          </a:ln>
-        </p:spPr>
-        <p:txBody>
-          <a:bodyPr anchor="b">
-            <a:noAutofit/>
-          </a:bodyPr>
-          <a:lstStyle/>
-          <a:p>
-            <a:pPr algn="ctr">
-              <a:lnSpc>
-                <a:spcPct val="85000"/>
-              </a:lnSpc>
-              <a:buNone/>
-            </a:pPr>
-            <a:r>
-              <a:rPr lang="pt-PT" sz="4800" b="0" strike="noStrike" spc="-52">
-                <a:solidFill>
-                  <a:srgbClr val="404040"/>
-                </a:solidFill>
-                <a:latin typeface="Calibri Light"/>
-              </a:rPr>
-              <a:t>Comentário final</a:t>
-            </a:r>
-            <a:endParaRPr lang="en-US" sz="4800" b="0" strike="noStrike" spc="-1">
-              <a:solidFill>
-                <a:srgbClr val="000000"/>
-              </a:solidFill>
-              <a:latin typeface="Calibri"/>
-            </a:endParaRPr>
-          </a:p>
-        </p:txBody>
-      </p:sp>
-      <p:sp>
-        <p:nvSpPr>
-          <p:cNvPr id="132" name="PlaceHolder 2"/>
-          <p:cNvSpPr>
-            <a:spLocks noGrp="1"/>
-          </p:cNvSpPr>
-          <p:nvPr>
-            <p:ph/>
-          </p:nvPr>
-        </p:nvSpPr>
-        <p:spPr>
-          <a:xfrm>
-            <a:off x="1097280" y="1845720"/>
-            <a:ext cx="10058040" cy="4023000"/>
-          </a:xfrm>
-          <a:prstGeom prst="rect">
-            <a:avLst/>
-          </a:prstGeom>
-          <a:noFill/>
-          <a:ln w="0">
-            <a:noFill/>
-          </a:ln>
-        </p:spPr>
-        <p:txBody>
-          <a:bodyPr lIns="0" rIns="0" anchor="t">
-            <a:noAutofit/>
-          </a:bodyPr>
-          <a:lstStyle/>
-          <a:p>
-            <a:pPr marL="384120" indent="-182880">
-              <a:lnSpc>
-                <a:spcPct val="90000"/>
-              </a:lnSpc>
-              <a:spcBef>
-                <a:spcPts val="201"/>
-              </a:spcBef>
-              <a:spcAft>
-                <a:spcPts val="400"/>
-              </a:spcAft>
-              <a:buClr>
-                <a:srgbClr val="E48312"/>
-              </a:buClr>
-              <a:buFont typeface="Calibri"/>
-              <a:buChar char="◦"/>
-            </a:pPr>
-            <a:r>
-              <a:rPr lang="en-US" sz="1800" b="0" strike="noStrike" spc="-1" dirty="0">
-                <a:solidFill>
-                  <a:srgbClr val="404040"/>
-                </a:solidFill>
-                <a:latin typeface="Calibri"/>
-              </a:rPr>
-              <a:t>Neste </a:t>
-            </a:r>
-            <a:r>
-              <a:rPr lang="en-US" sz="1800" b="0" strike="noStrike" spc="-1" dirty="0" err="1">
-                <a:solidFill>
-                  <a:srgbClr val="404040"/>
-                </a:solidFill>
-                <a:latin typeface="Calibri"/>
-              </a:rPr>
-              <a:t>primeiro</a:t>
-            </a:r>
-            <a:r>
-              <a:rPr lang="en-US" sz="1800" b="0" strike="noStrike" spc="-1" dirty="0">
-                <a:solidFill>
-                  <a:srgbClr val="404040"/>
-                </a:solidFill>
-                <a:latin typeface="Calibri"/>
-              </a:rPr>
-              <a:t> checkpoint do </a:t>
-            </a:r>
-            <a:r>
-              <a:rPr lang="en-US" sz="1800" b="0" strike="noStrike" spc="-1" dirty="0" err="1">
-                <a:solidFill>
-                  <a:srgbClr val="404040"/>
-                </a:solidFill>
-                <a:latin typeface="Calibri"/>
-              </a:rPr>
-              <a:t>projeto</a:t>
-            </a:r>
-            <a:r>
-              <a:rPr lang="en-US" sz="1800" b="0" strike="noStrike" spc="-1" dirty="0">
-                <a:solidFill>
-                  <a:srgbClr val="404040"/>
-                </a:solidFill>
-                <a:latin typeface="Calibri"/>
-              </a:rPr>
-              <a:t>, </a:t>
-            </a:r>
-            <a:r>
-              <a:rPr lang="en-US" sz="1800" b="0" strike="noStrike" spc="-1" dirty="0" err="1">
-                <a:solidFill>
-                  <a:srgbClr val="404040"/>
-                </a:solidFill>
-                <a:latin typeface="Calibri"/>
-              </a:rPr>
-              <a:t>focado</a:t>
-            </a:r>
-            <a:r>
-              <a:rPr lang="en-US" sz="1800" b="0" strike="noStrike" spc="-1" dirty="0">
-                <a:solidFill>
-                  <a:srgbClr val="404040"/>
-                </a:solidFill>
-                <a:latin typeface="Calibri"/>
-              </a:rPr>
-              <a:t> </a:t>
-            </a:r>
-            <a:r>
-              <a:rPr lang="en-US" sz="1800" b="0" strike="noStrike" spc="-1" dirty="0" err="1">
-                <a:solidFill>
-                  <a:srgbClr val="404040"/>
-                </a:solidFill>
-                <a:latin typeface="Calibri"/>
-              </a:rPr>
-              <a:t>na</a:t>
-            </a:r>
-            <a:r>
-              <a:rPr lang="en-US" sz="1800" b="0" strike="noStrike" spc="-1" dirty="0">
-                <a:solidFill>
-                  <a:srgbClr val="404040"/>
-                </a:solidFill>
-                <a:latin typeface="Calibri"/>
-              </a:rPr>
-              <a:t> "</a:t>
-            </a:r>
-            <a:r>
-              <a:rPr lang="en-US" sz="1800" b="0" strike="noStrike" spc="-1" dirty="0" err="1">
-                <a:solidFill>
-                  <a:srgbClr val="404040"/>
-                </a:solidFill>
-                <a:latin typeface="Calibri"/>
-              </a:rPr>
-              <a:t>Definição</a:t>
-            </a:r>
-            <a:r>
-              <a:rPr lang="en-US" sz="1800" b="0" strike="noStrike" spc="-1" dirty="0">
-                <a:solidFill>
-                  <a:srgbClr val="404040"/>
-                </a:solidFill>
-                <a:latin typeface="Calibri"/>
-              </a:rPr>
-              <a:t> e </a:t>
-            </a:r>
-            <a:r>
-              <a:rPr lang="en-US" sz="1800" b="0" strike="noStrike" spc="-1" dirty="0" err="1">
-                <a:solidFill>
-                  <a:srgbClr val="404040"/>
-                </a:solidFill>
-                <a:latin typeface="Calibri"/>
-              </a:rPr>
-              <a:t>Fundamentação</a:t>
-            </a:r>
-            <a:r>
-              <a:rPr lang="en-US" sz="1800" b="0" strike="noStrike" spc="-1" dirty="0">
-                <a:solidFill>
-                  <a:srgbClr val="404040"/>
-                </a:solidFill>
-                <a:latin typeface="Calibri"/>
-              </a:rPr>
-              <a:t>", </a:t>
-            </a:r>
-            <a:r>
-              <a:rPr lang="en-US" sz="1800" b="0" strike="noStrike" spc="-1" dirty="0" err="1">
-                <a:solidFill>
-                  <a:srgbClr val="404040"/>
-                </a:solidFill>
-                <a:latin typeface="Calibri"/>
-              </a:rPr>
-              <a:t>conceptualizamos</a:t>
-            </a:r>
-            <a:r>
-              <a:rPr lang="en-US" sz="1800" b="0" strike="noStrike" spc="-1" dirty="0">
-                <a:solidFill>
-                  <a:srgbClr val="404040"/>
-                </a:solidFill>
-                <a:latin typeface="Calibri"/>
-              </a:rPr>
-              <a:t>, </a:t>
-            </a:r>
-            <a:r>
-              <a:rPr lang="en-US" sz="1800" b="0" strike="noStrike" spc="-1" dirty="0" err="1">
-                <a:solidFill>
-                  <a:srgbClr val="404040"/>
-                </a:solidFill>
-                <a:latin typeface="Calibri"/>
-              </a:rPr>
-              <a:t>através</a:t>
-            </a:r>
-            <a:r>
-              <a:rPr lang="en-US" sz="1800" b="0" strike="noStrike" spc="-1" dirty="0">
-                <a:solidFill>
-                  <a:srgbClr val="404040"/>
-                </a:solidFill>
-                <a:latin typeface="Calibri"/>
-              </a:rPr>
-              <a:t> de </a:t>
-            </a:r>
-            <a:r>
-              <a:rPr lang="en-US" sz="1800" b="0" strike="noStrike" spc="-1" dirty="0" err="1">
-                <a:solidFill>
-                  <a:srgbClr val="404040"/>
-                </a:solidFill>
-                <a:latin typeface="Calibri"/>
-              </a:rPr>
-              <a:t>partilha</a:t>
-            </a:r>
-            <a:r>
-              <a:rPr lang="en-US" sz="1800" b="0" strike="noStrike" spc="-1" dirty="0">
-                <a:solidFill>
-                  <a:srgbClr val="404040"/>
-                </a:solidFill>
-                <a:latin typeface="Calibri"/>
-              </a:rPr>
-              <a:t> e </a:t>
-            </a:r>
-            <a:r>
-              <a:rPr lang="en-US" sz="1800" b="0" strike="noStrike" spc="-1" dirty="0" err="1">
-                <a:solidFill>
-                  <a:srgbClr val="404040"/>
-                </a:solidFill>
-                <a:latin typeface="Calibri"/>
-              </a:rPr>
-              <a:t>discussão</a:t>
-            </a:r>
-            <a:r>
-              <a:rPr lang="en-US" sz="1800" b="0" strike="noStrike" spc="-1" dirty="0">
-                <a:solidFill>
-                  <a:srgbClr val="404040"/>
-                </a:solidFill>
-                <a:latin typeface="Calibri"/>
-              </a:rPr>
-              <a:t> de </a:t>
-            </a:r>
-            <a:r>
-              <a:rPr lang="en-US" sz="1800" b="0" strike="noStrike" spc="-1" dirty="0" err="1">
-                <a:solidFill>
-                  <a:srgbClr val="404040"/>
-                </a:solidFill>
-                <a:latin typeface="Calibri"/>
-              </a:rPr>
-              <a:t>ideias</a:t>
-            </a:r>
-            <a:r>
-              <a:rPr lang="en-US" sz="1800" b="0" strike="noStrike" spc="-1" dirty="0">
-                <a:solidFill>
-                  <a:srgbClr val="404040"/>
-                </a:solidFill>
-                <a:latin typeface="Calibri"/>
-              </a:rPr>
-              <a:t> </a:t>
-            </a:r>
-            <a:r>
-              <a:rPr lang="en-US" sz="1800" b="0" strike="noStrike" spc="-1" dirty="0" err="1">
-                <a:solidFill>
-                  <a:srgbClr val="404040"/>
-                </a:solidFill>
-                <a:latin typeface="Calibri"/>
-              </a:rPr>
-              <a:t>por</a:t>
-            </a:r>
-            <a:r>
-              <a:rPr lang="en-US" sz="1800" b="0" strike="noStrike" spc="-1" dirty="0">
-                <a:solidFill>
-                  <a:srgbClr val="404040"/>
-                </a:solidFill>
-                <a:latin typeface="Calibri"/>
-              </a:rPr>
-              <a:t> </a:t>
-            </a:r>
-            <a:r>
-              <a:rPr lang="en-US" sz="1800" b="0" strike="noStrike" spc="-1" dirty="0" err="1">
-                <a:solidFill>
-                  <a:srgbClr val="404040"/>
-                </a:solidFill>
-                <a:latin typeface="Calibri"/>
-              </a:rPr>
-              <a:t>parte</a:t>
-            </a:r>
-            <a:r>
-              <a:rPr lang="en-US" sz="1800" b="0" strike="noStrike" spc="-1" dirty="0">
-                <a:solidFill>
-                  <a:srgbClr val="404040"/>
-                </a:solidFill>
-                <a:latin typeface="Calibri"/>
-              </a:rPr>
-              <a:t> dos </a:t>
-            </a:r>
-            <a:r>
-              <a:rPr lang="en-US" sz="1800" b="0" strike="noStrike" spc="-1" dirty="0" err="1">
-                <a:solidFill>
-                  <a:srgbClr val="404040"/>
-                </a:solidFill>
-                <a:latin typeface="Calibri"/>
-              </a:rPr>
-              <a:t>membros</a:t>
-            </a:r>
-            <a:r>
-              <a:rPr lang="en-US" sz="1800" b="0" strike="noStrike" spc="-1" dirty="0">
-                <a:solidFill>
-                  <a:srgbClr val="404040"/>
-                </a:solidFill>
-                <a:latin typeface="Calibri"/>
-              </a:rPr>
-              <a:t> do </a:t>
-            </a:r>
-            <a:r>
-              <a:rPr lang="en-US" sz="1800" b="0" strike="noStrike" spc="-1" dirty="0" err="1">
-                <a:solidFill>
-                  <a:srgbClr val="404040"/>
-                </a:solidFill>
-                <a:latin typeface="Calibri"/>
-              </a:rPr>
-              <a:t>grupo</a:t>
-            </a:r>
-            <a:r>
-              <a:rPr lang="en-US" sz="1800" b="0" strike="noStrike" spc="-1" dirty="0">
-                <a:solidFill>
-                  <a:srgbClr val="404040"/>
-                </a:solidFill>
-                <a:latin typeface="Calibri"/>
-              </a:rPr>
-              <a:t>, </a:t>
-            </a:r>
-            <a:r>
-              <a:rPr lang="en-US" sz="1800" b="0" strike="noStrike" spc="-1" dirty="0" err="1">
-                <a:solidFill>
-                  <a:srgbClr val="404040"/>
-                </a:solidFill>
-                <a:latin typeface="Calibri"/>
-              </a:rPr>
-              <a:t>uma</a:t>
-            </a:r>
-            <a:r>
-              <a:rPr lang="en-US" sz="1800" b="0" strike="noStrike" spc="-1" dirty="0">
-                <a:solidFill>
-                  <a:srgbClr val="404040"/>
-                </a:solidFill>
-                <a:latin typeface="Calibri"/>
-              </a:rPr>
-              <a:t> </a:t>
-            </a:r>
-            <a:r>
-              <a:rPr lang="en-US" sz="1800" b="0" strike="noStrike" spc="-1" dirty="0" err="1">
-                <a:solidFill>
-                  <a:srgbClr val="404040"/>
-                </a:solidFill>
-                <a:latin typeface="Calibri"/>
-              </a:rPr>
-              <a:t>aplicação</a:t>
-            </a:r>
-            <a:r>
-              <a:rPr lang="en-US" sz="1800" b="0" strike="noStrike" spc="-1" dirty="0">
-                <a:solidFill>
-                  <a:srgbClr val="404040"/>
-                </a:solidFill>
-                <a:latin typeface="Calibri"/>
-              </a:rPr>
-              <a:t> que, a </a:t>
-            </a:r>
-            <a:r>
-              <a:rPr lang="en-US" sz="1800" b="0" strike="noStrike" spc="-1" dirty="0" err="1">
-                <a:solidFill>
-                  <a:srgbClr val="404040"/>
-                </a:solidFill>
-                <a:latin typeface="Calibri"/>
-              </a:rPr>
-              <a:t>nosso</a:t>
-            </a:r>
-            <a:r>
-              <a:rPr lang="en-US" sz="1800" b="0" strike="noStrike" spc="-1" dirty="0">
-                <a:solidFill>
-                  <a:srgbClr val="404040"/>
-                </a:solidFill>
-                <a:latin typeface="Calibri"/>
-              </a:rPr>
-              <a:t> </a:t>
-            </a:r>
-            <a:r>
-              <a:rPr lang="en-US" sz="1800" b="0" strike="noStrike" spc="-1" dirty="0" err="1">
-                <a:solidFill>
-                  <a:srgbClr val="404040"/>
-                </a:solidFill>
-                <a:latin typeface="Calibri"/>
-              </a:rPr>
-              <a:t>ver</a:t>
-            </a:r>
-            <a:r>
-              <a:rPr lang="en-US" sz="1800" b="0" strike="noStrike" spc="-1" dirty="0">
-                <a:solidFill>
-                  <a:srgbClr val="404040"/>
-                </a:solidFill>
-                <a:latin typeface="Calibri"/>
-              </a:rPr>
-              <a:t>, </a:t>
-            </a:r>
-            <a:r>
-              <a:rPr lang="en-US" sz="1800" b="0" strike="noStrike" spc="-1" dirty="0" err="1">
-                <a:solidFill>
-                  <a:srgbClr val="404040"/>
-                </a:solidFill>
-                <a:latin typeface="Calibri"/>
-              </a:rPr>
-              <a:t>será</a:t>
-            </a:r>
-            <a:r>
-              <a:rPr lang="en-US" sz="1800" b="0" strike="noStrike" spc="-1" dirty="0">
-                <a:solidFill>
-                  <a:srgbClr val="404040"/>
-                </a:solidFill>
-                <a:latin typeface="Calibri"/>
-              </a:rPr>
-              <a:t> </a:t>
-            </a:r>
-            <a:r>
-              <a:rPr lang="en-US" sz="1800" b="0" strike="noStrike" spc="-1" dirty="0" err="1">
-                <a:solidFill>
-                  <a:srgbClr val="404040"/>
-                </a:solidFill>
-                <a:latin typeface="Calibri"/>
-              </a:rPr>
-              <a:t>capaz</a:t>
-            </a:r>
-            <a:r>
-              <a:rPr lang="en-US" sz="1800" b="0" strike="noStrike" spc="-1" dirty="0">
-                <a:solidFill>
-                  <a:srgbClr val="404040"/>
-                </a:solidFill>
-                <a:latin typeface="Calibri"/>
-              </a:rPr>
-              <a:t> de </a:t>
-            </a:r>
-            <a:r>
-              <a:rPr lang="en-US" sz="1800" b="0" strike="noStrike" spc="-1" dirty="0" err="1">
-                <a:solidFill>
-                  <a:srgbClr val="404040"/>
-                </a:solidFill>
-                <a:latin typeface="Calibri"/>
-              </a:rPr>
-              <a:t>satisfazer</a:t>
-            </a:r>
-            <a:r>
-              <a:rPr lang="en-US" sz="1800" b="0" strike="noStrike" spc="-1" dirty="0">
-                <a:solidFill>
-                  <a:srgbClr val="404040"/>
-                </a:solidFill>
-                <a:latin typeface="Calibri"/>
-              </a:rPr>
-              <a:t> </a:t>
-            </a:r>
-            <a:r>
-              <a:rPr lang="en-US" sz="1800" b="0" strike="noStrike" spc="-1" dirty="0" err="1">
-                <a:solidFill>
-                  <a:srgbClr val="404040"/>
-                </a:solidFill>
-                <a:latin typeface="Calibri"/>
-              </a:rPr>
-              <a:t>os</a:t>
-            </a:r>
-            <a:r>
-              <a:rPr lang="en-US" sz="1800" b="0" strike="noStrike" spc="-1" dirty="0">
-                <a:solidFill>
-                  <a:srgbClr val="404040"/>
-                </a:solidFill>
-                <a:latin typeface="Calibri"/>
-              </a:rPr>
-              <a:t> </a:t>
-            </a:r>
-            <a:r>
-              <a:rPr lang="en-US" sz="1800" b="0" strike="noStrike" spc="-1" dirty="0" err="1">
-                <a:solidFill>
-                  <a:srgbClr val="404040"/>
-                </a:solidFill>
-                <a:latin typeface="Calibri"/>
-              </a:rPr>
-              <a:t>critérios</a:t>
-            </a:r>
-            <a:r>
-              <a:rPr lang="en-US" sz="1800" b="0" strike="noStrike" spc="-1" dirty="0">
-                <a:solidFill>
-                  <a:srgbClr val="404040"/>
-                </a:solidFill>
-                <a:latin typeface="Calibri"/>
-              </a:rPr>
-              <a:t> </a:t>
-            </a:r>
-            <a:r>
-              <a:rPr lang="en-US" sz="1800" b="0" strike="noStrike" spc="-1" dirty="0" err="1">
-                <a:solidFill>
-                  <a:srgbClr val="404040"/>
-                </a:solidFill>
-                <a:latin typeface="Calibri"/>
-              </a:rPr>
-              <a:t>demarcados</a:t>
-            </a:r>
-            <a:r>
-              <a:rPr lang="en-US" sz="1800" b="0" strike="noStrike" spc="-1" dirty="0">
-                <a:solidFill>
-                  <a:srgbClr val="404040"/>
-                </a:solidFill>
-                <a:latin typeface="Calibri"/>
-              </a:rPr>
-              <a:t>.</a:t>
-            </a:r>
-          </a:p>
-          <a:p>
-            <a:pPr marL="384120" indent="-182880">
-              <a:lnSpc>
-                <a:spcPct val="90000"/>
-              </a:lnSpc>
-              <a:spcBef>
-                <a:spcPts val="201"/>
-              </a:spcBef>
-              <a:spcAft>
-                <a:spcPts val="400"/>
-              </a:spcAft>
-              <a:buClr>
-                <a:srgbClr val="E48312"/>
-              </a:buClr>
-              <a:buFont typeface="Calibri"/>
-              <a:buChar char="◦"/>
-            </a:pPr>
-            <a:r>
-              <a:rPr lang="en-US" sz="1800" b="0" strike="noStrike" spc="-1" dirty="0" err="1">
-                <a:solidFill>
-                  <a:srgbClr val="404040"/>
-                </a:solidFill>
-                <a:latin typeface="Calibri"/>
-              </a:rPr>
-              <a:t>Concluída</a:t>
-            </a:r>
-            <a:r>
-              <a:rPr lang="en-US" sz="1800" b="0" strike="noStrike" spc="-1" dirty="0">
-                <a:solidFill>
-                  <a:srgbClr val="404040"/>
-                </a:solidFill>
-                <a:latin typeface="Calibri"/>
-              </a:rPr>
-              <a:t> </a:t>
-            </a:r>
-            <a:r>
-              <a:rPr lang="en-US" sz="1800" b="0" strike="noStrike" spc="-1" dirty="0" err="1">
-                <a:solidFill>
-                  <a:srgbClr val="404040"/>
-                </a:solidFill>
-                <a:latin typeface="Calibri"/>
-              </a:rPr>
-              <a:t>esta</a:t>
-            </a:r>
-            <a:r>
-              <a:rPr lang="en-US" sz="1800" b="0" strike="noStrike" spc="-1" dirty="0">
-                <a:solidFill>
-                  <a:srgbClr val="404040"/>
-                </a:solidFill>
-                <a:latin typeface="Calibri"/>
-              </a:rPr>
-              <a:t> </a:t>
-            </a:r>
-            <a:r>
-              <a:rPr lang="en-US" sz="1800" b="0" strike="noStrike" spc="-1" dirty="0" err="1">
-                <a:solidFill>
-                  <a:srgbClr val="404040"/>
-                </a:solidFill>
-                <a:latin typeface="Calibri"/>
-              </a:rPr>
-              <a:t>etapa</a:t>
-            </a:r>
-            <a:r>
-              <a:rPr lang="en-US" sz="1800" b="0" strike="noStrike" spc="-1" dirty="0">
-                <a:solidFill>
-                  <a:srgbClr val="404040"/>
-                </a:solidFill>
-                <a:latin typeface="Calibri"/>
-              </a:rPr>
-              <a:t>, e com </a:t>
-            </a:r>
-            <a:r>
-              <a:rPr lang="en-US" sz="1800" b="0" strike="noStrike" spc="-1" dirty="0" err="1">
-                <a:solidFill>
-                  <a:srgbClr val="404040"/>
-                </a:solidFill>
-                <a:latin typeface="Calibri"/>
-              </a:rPr>
-              <a:t>uma</a:t>
-            </a:r>
-            <a:r>
-              <a:rPr lang="en-US" sz="1800" b="0" strike="noStrike" spc="-1" dirty="0">
-                <a:solidFill>
-                  <a:srgbClr val="404040"/>
-                </a:solidFill>
-                <a:latin typeface="Calibri"/>
-              </a:rPr>
-              <a:t> </a:t>
-            </a:r>
-            <a:r>
-              <a:rPr lang="en-US" sz="1800" b="0" strike="noStrike" spc="-1" dirty="0" err="1">
-                <a:solidFill>
-                  <a:srgbClr val="404040"/>
-                </a:solidFill>
-                <a:latin typeface="Calibri"/>
-              </a:rPr>
-              <a:t>ideia</a:t>
-            </a:r>
-            <a:r>
-              <a:rPr lang="en-US" sz="1800" b="0" strike="noStrike" spc="-1" dirty="0">
-                <a:solidFill>
-                  <a:srgbClr val="404040"/>
-                </a:solidFill>
-                <a:latin typeface="Calibri"/>
-              </a:rPr>
-              <a:t> do </a:t>
-            </a:r>
-            <a:r>
-              <a:rPr lang="en-US" sz="1800" b="0" strike="noStrike" spc="-1" dirty="0" err="1">
-                <a:solidFill>
-                  <a:srgbClr val="404040"/>
-                </a:solidFill>
-                <a:latin typeface="Calibri"/>
-              </a:rPr>
-              <a:t>produto</a:t>
-            </a:r>
-            <a:r>
-              <a:rPr lang="en-US" sz="1800" b="0" strike="noStrike" spc="-1" dirty="0">
-                <a:solidFill>
-                  <a:srgbClr val="404040"/>
-                </a:solidFill>
-                <a:latin typeface="Calibri"/>
-              </a:rPr>
-              <a:t> </a:t>
-            </a:r>
-            <a:r>
-              <a:rPr lang="en-US" sz="1800" b="0" strike="noStrike" spc="-1" dirty="0" err="1">
-                <a:solidFill>
-                  <a:srgbClr val="404040"/>
-                </a:solidFill>
-                <a:latin typeface="Calibri"/>
-              </a:rPr>
-              <a:t>desejado</a:t>
-            </a:r>
-            <a:r>
-              <a:rPr lang="en-US" sz="1800" b="0" strike="noStrike" spc="-1" dirty="0">
-                <a:solidFill>
-                  <a:srgbClr val="404040"/>
-                </a:solidFill>
-                <a:latin typeface="Calibri"/>
-              </a:rPr>
-              <a:t>, sentimo-</a:t>
-            </a:r>
-            <a:r>
-              <a:rPr lang="en-US" sz="1800" b="0" strike="noStrike" spc="-1" dirty="0" err="1">
-                <a:solidFill>
-                  <a:srgbClr val="404040"/>
-                </a:solidFill>
-                <a:latin typeface="Calibri"/>
-              </a:rPr>
-              <a:t>nos</a:t>
-            </a:r>
-            <a:r>
-              <a:rPr lang="en-US" sz="1800" b="0" strike="noStrike" spc="-1" dirty="0">
-                <a:solidFill>
-                  <a:srgbClr val="404040"/>
-                </a:solidFill>
-                <a:latin typeface="Calibri"/>
-              </a:rPr>
-              <a:t> </a:t>
-            </a:r>
-            <a:r>
-              <a:rPr lang="en-US" sz="1800" b="0" strike="noStrike" spc="-1" dirty="0" err="1">
-                <a:solidFill>
-                  <a:srgbClr val="404040"/>
-                </a:solidFill>
-                <a:latin typeface="Calibri"/>
-              </a:rPr>
-              <a:t>confiantes</a:t>
-            </a:r>
-            <a:r>
-              <a:rPr lang="en-US" sz="1800" b="0" strike="noStrike" spc="-1" dirty="0">
-                <a:solidFill>
-                  <a:srgbClr val="404040"/>
-                </a:solidFill>
-                <a:latin typeface="Calibri"/>
-              </a:rPr>
-              <a:t> </a:t>
-            </a:r>
-            <a:r>
-              <a:rPr lang="en-US" sz="1800" b="0" strike="noStrike" spc="-1" dirty="0" err="1">
-                <a:solidFill>
-                  <a:srgbClr val="404040"/>
-                </a:solidFill>
-                <a:latin typeface="Calibri"/>
-              </a:rPr>
-              <a:t>na</a:t>
-            </a:r>
-            <a:r>
-              <a:rPr lang="en-US" sz="1800" b="0" strike="noStrike" spc="-1" dirty="0">
-                <a:solidFill>
-                  <a:srgbClr val="404040"/>
-                </a:solidFill>
-                <a:latin typeface="Calibri"/>
-              </a:rPr>
-              <a:t> </a:t>
-            </a:r>
-            <a:r>
-              <a:rPr lang="en-US" sz="1800" b="0" strike="noStrike" spc="-1" dirty="0" err="1">
-                <a:solidFill>
-                  <a:srgbClr val="404040"/>
-                </a:solidFill>
-                <a:latin typeface="Calibri"/>
-              </a:rPr>
-              <a:t>nossa</a:t>
-            </a:r>
-            <a:r>
-              <a:rPr lang="en-US" sz="1800" b="0" strike="noStrike" spc="-1" dirty="0">
-                <a:solidFill>
-                  <a:srgbClr val="404040"/>
-                </a:solidFill>
-                <a:latin typeface="Calibri"/>
-              </a:rPr>
-              <a:t> </a:t>
-            </a:r>
-            <a:r>
-              <a:rPr lang="en-US" sz="1800" b="0" strike="noStrike" spc="-1" dirty="0" err="1">
-                <a:solidFill>
-                  <a:srgbClr val="404040"/>
-                </a:solidFill>
-                <a:latin typeface="Calibri"/>
-              </a:rPr>
-              <a:t>capacidade</a:t>
-            </a:r>
-            <a:r>
-              <a:rPr lang="en-US" sz="1800" b="0" strike="noStrike" spc="-1" dirty="0">
-                <a:solidFill>
-                  <a:srgbClr val="404040"/>
-                </a:solidFill>
-                <a:latin typeface="Calibri"/>
-              </a:rPr>
-              <a:t> de </a:t>
-            </a:r>
-            <a:r>
-              <a:rPr lang="en-US" sz="1800" b="0" strike="noStrike" spc="-1" dirty="0" err="1">
-                <a:solidFill>
-                  <a:srgbClr val="404040"/>
-                </a:solidFill>
-                <a:latin typeface="Calibri"/>
-              </a:rPr>
-              <a:t>completarmos</a:t>
-            </a:r>
-            <a:r>
-              <a:rPr lang="en-US" sz="1800" b="0" strike="noStrike" spc="-1" dirty="0">
-                <a:solidFill>
-                  <a:srgbClr val="404040"/>
-                </a:solidFill>
-                <a:latin typeface="Calibri"/>
-              </a:rPr>
-              <a:t> o </a:t>
-            </a:r>
-            <a:r>
-              <a:rPr lang="en-US" sz="1800" b="0" strike="noStrike" spc="-1" dirty="0" err="1">
-                <a:solidFill>
-                  <a:srgbClr val="404040"/>
-                </a:solidFill>
-                <a:latin typeface="Calibri"/>
-              </a:rPr>
-              <a:t>próximo</a:t>
-            </a:r>
-            <a:r>
-              <a:rPr lang="en-US" sz="1800" b="0" strike="noStrike" spc="-1" dirty="0">
-                <a:solidFill>
-                  <a:srgbClr val="404040"/>
-                </a:solidFill>
-                <a:latin typeface="Calibri"/>
-              </a:rPr>
-              <a:t> </a:t>
-            </a:r>
-            <a:r>
-              <a:rPr lang="en-US" sz="1800" b="0" strike="noStrike" spc="-1" dirty="0" err="1">
-                <a:solidFill>
-                  <a:srgbClr val="404040"/>
-                </a:solidFill>
-                <a:latin typeface="Calibri"/>
-              </a:rPr>
-              <a:t>passo</a:t>
-            </a:r>
-            <a:r>
-              <a:rPr lang="en-US" sz="1800" b="0" strike="noStrike" spc="-1" dirty="0">
-                <a:solidFill>
-                  <a:srgbClr val="404040"/>
-                </a:solidFill>
-                <a:latin typeface="Calibri"/>
-              </a:rPr>
-              <a:t> </a:t>
-            </a:r>
-            <a:r>
-              <a:rPr lang="en-US" sz="1800" b="0" strike="noStrike" spc="-1" dirty="0" err="1">
-                <a:solidFill>
-                  <a:srgbClr val="404040"/>
-                </a:solidFill>
-                <a:latin typeface="Calibri"/>
-              </a:rPr>
-              <a:t>neste</a:t>
-            </a:r>
-            <a:r>
-              <a:rPr lang="en-US" sz="1800" b="0" strike="noStrike" spc="-1" dirty="0">
-                <a:solidFill>
-                  <a:srgbClr val="404040"/>
-                </a:solidFill>
-                <a:latin typeface="Calibri"/>
-              </a:rPr>
-              <a:t> </a:t>
-            </a:r>
-            <a:r>
-              <a:rPr lang="en-US" sz="1800" b="0" strike="noStrike" spc="-1" dirty="0" err="1">
-                <a:solidFill>
-                  <a:srgbClr val="404040"/>
-                </a:solidFill>
-                <a:latin typeface="Calibri"/>
-              </a:rPr>
-              <a:t>projeto</a:t>
-            </a:r>
-            <a:r>
-              <a:rPr lang="en-US" sz="1800" b="0" strike="noStrike" spc="-1" dirty="0">
-                <a:solidFill>
-                  <a:srgbClr val="404040"/>
-                </a:solidFill>
-                <a:latin typeface="Calibri"/>
-              </a:rPr>
-              <a:t>, "</a:t>
-            </a:r>
-            <a:r>
-              <a:rPr lang="en-US" sz="1800" b="0" strike="noStrike" spc="-1" dirty="0" err="1">
-                <a:solidFill>
-                  <a:srgbClr val="404040"/>
-                </a:solidFill>
-                <a:latin typeface="Calibri"/>
-              </a:rPr>
-              <a:t>Requisitos</a:t>
-            </a:r>
-            <a:r>
-              <a:rPr lang="en-US" sz="1800" b="0" strike="noStrike" spc="-1" dirty="0">
-                <a:solidFill>
-                  <a:srgbClr val="404040"/>
-                </a:solidFill>
-                <a:latin typeface="Calibri"/>
-              </a:rPr>
-              <a:t> e </a:t>
-            </a:r>
-            <a:r>
-              <a:rPr lang="en-US" sz="1800" b="0" strike="noStrike" spc="-1" dirty="0" err="1">
-                <a:solidFill>
-                  <a:srgbClr val="404040"/>
-                </a:solidFill>
-                <a:latin typeface="Calibri"/>
-              </a:rPr>
-              <a:t>Especificação</a:t>
-            </a:r>
-            <a:r>
-              <a:rPr lang="en-US" sz="1800" b="0" strike="noStrike" spc="-1" dirty="0">
-                <a:solidFill>
-                  <a:srgbClr val="404040"/>
-                </a:solidFill>
-                <a:latin typeface="Calibri"/>
-              </a:rPr>
-              <a:t>", </a:t>
-            </a:r>
-            <a:r>
-              <a:rPr lang="en-US" sz="1800" b="0" strike="noStrike" spc="-1" dirty="0" err="1">
-                <a:solidFill>
-                  <a:srgbClr val="404040"/>
-                </a:solidFill>
-                <a:latin typeface="Calibri"/>
-              </a:rPr>
-              <a:t>na</a:t>
-            </a:r>
-            <a:r>
-              <a:rPr lang="en-US" sz="1800" b="0" strike="noStrike" spc="-1" dirty="0">
-                <a:solidFill>
-                  <a:srgbClr val="404040"/>
-                </a:solidFill>
-                <a:latin typeface="Calibri"/>
-              </a:rPr>
-              <a:t> qual </a:t>
-            </a:r>
-            <a:r>
-              <a:rPr lang="en-US" sz="1800" b="0" strike="noStrike" spc="-1" dirty="0" err="1">
-                <a:solidFill>
-                  <a:srgbClr val="404040"/>
-                </a:solidFill>
-                <a:latin typeface="Calibri"/>
-              </a:rPr>
-              <a:t>será</a:t>
-            </a:r>
-            <a:r>
-              <a:rPr lang="en-US" sz="1800" b="0" strike="noStrike" spc="-1" dirty="0">
-                <a:solidFill>
-                  <a:srgbClr val="404040"/>
-                </a:solidFill>
-                <a:latin typeface="Calibri"/>
-              </a:rPr>
-              <a:t> </a:t>
-            </a:r>
-            <a:r>
-              <a:rPr lang="en-US" sz="1800" b="0" strike="noStrike" spc="-1" dirty="0" err="1">
-                <a:solidFill>
-                  <a:srgbClr val="404040"/>
-                </a:solidFill>
-                <a:latin typeface="Calibri"/>
-              </a:rPr>
-              <a:t>essencial</a:t>
-            </a:r>
-            <a:r>
-              <a:rPr lang="en-US" sz="1800" b="0" strike="noStrike" spc="-1" dirty="0">
-                <a:solidFill>
-                  <a:srgbClr val="404040"/>
-                </a:solidFill>
-                <a:latin typeface="Calibri"/>
-              </a:rPr>
-              <a:t> que a </a:t>
-            </a:r>
-            <a:r>
-              <a:rPr lang="en-US" sz="1800" b="0" strike="noStrike" spc="-1" dirty="0" err="1">
-                <a:solidFill>
-                  <a:srgbClr val="404040"/>
-                </a:solidFill>
-                <a:latin typeface="Calibri"/>
-              </a:rPr>
-              <a:t>parte</a:t>
-            </a:r>
-            <a:r>
-              <a:rPr lang="en-US" sz="1800" b="0" strike="noStrike" spc="-1" dirty="0">
-                <a:solidFill>
-                  <a:srgbClr val="404040"/>
-                </a:solidFill>
-                <a:latin typeface="Calibri"/>
-              </a:rPr>
-              <a:t> conceptual do </a:t>
-            </a:r>
-            <a:r>
-              <a:rPr lang="en-US" sz="1800" b="0" strike="noStrike" spc="-1" dirty="0" err="1">
-                <a:solidFill>
-                  <a:srgbClr val="404040"/>
-                </a:solidFill>
-                <a:latin typeface="Calibri"/>
-              </a:rPr>
-              <a:t>projeto</a:t>
-            </a:r>
-            <a:r>
-              <a:rPr lang="en-US" sz="1800" b="0" strike="noStrike" spc="-1" dirty="0">
-                <a:solidFill>
-                  <a:srgbClr val="404040"/>
-                </a:solidFill>
-                <a:latin typeface="Calibri"/>
-              </a:rPr>
-              <a:t> </a:t>
-            </a:r>
-            <a:r>
-              <a:rPr lang="en-US" sz="1800" b="0" strike="noStrike" spc="-1" dirty="0" err="1">
-                <a:solidFill>
-                  <a:srgbClr val="404040"/>
-                </a:solidFill>
-                <a:latin typeface="Calibri"/>
-              </a:rPr>
-              <a:t>esteja</a:t>
-            </a:r>
-            <a:r>
-              <a:rPr lang="en-US" sz="1800" b="0" strike="noStrike" spc="-1" dirty="0">
-                <a:solidFill>
-                  <a:srgbClr val="404040"/>
-                </a:solidFill>
-                <a:latin typeface="Calibri"/>
-              </a:rPr>
-              <a:t> </a:t>
-            </a:r>
-            <a:r>
-              <a:rPr lang="en-US" sz="1800" b="0" strike="noStrike" spc="-1" dirty="0" err="1">
-                <a:solidFill>
-                  <a:srgbClr val="404040"/>
-                </a:solidFill>
-                <a:latin typeface="Calibri"/>
-              </a:rPr>
-              <a:t>completa</a:t>
-            </a:r>
-            <a:r>
-              <a:rPr lang="en-US" sz="1800" b="0" strike="noStrike" spc="-1" dirty="0">
-                <a:solidFill>
-                  <a:srgbClr val="404040"/>
-                </a:solidFill>
-                <a:latin typeface="Calibri"/>
-              </a:rPr>
-              <a:t>, </a:t>
-            </a:r>
-            <a:r>
-              <a:rPr lang="en-US" sz="1800" b="0" strike="noStrike" spc="-1" dirty="0" err="1">
-                <a:solidFill>
-                  <a:srgbClr val="404040"/>
-                </a:solidFill>
-                <a:latin typeface="Calibri"/>
-              </a:rPr>
-              <a:t>uma</a:t>
-            </a:r>
-            <a:r>
-              <a:rPr lang="en-US" sz="1800" b="0" strike="noStrike" spc="-1" dirty="0">
-                <a:solidFill>
-                  <a:srgbClr val="404040"/>
-                </a:solidFill>
-                <a:latin typeface="Calibri"/>
-              </a:rPr>
-              <a:t> </a:t>
-            </a:r>
-            <a:r>
-              <a:rPr lang="en-US" sz="1800" b="0" strike="noStrike" spc="-1" dirty="0" err="1">
-                <a:solidFill>
-                  <a:srgbClr val="404040"/>
-                </a:solidFill>
-                <a:latin typeface="Calibri"/>
-              </a:rPr>
-              <a:t>vez</a:t>
-            </a:r>
-            <a:r>
-              <a:rPr lang="en-US" sz="1800" b="0" strike="noStrike" spc="-1" dirty="0">
-                <a:solidFill>
-                  <a:srgbClr val="404040"/>
-                </a:solidFill>
-                <a:latin typeface="Calibri"/>
-              </a:rPr>
-              <a:t> que, com </a:t>
-            </a:r>
-            <a:r>
-              <a:rPr lang="en-US" sz="1800" b="0" strike="noStrike" spc="-1" dirty="0" err="1">
-                <a:solidFill>
-                  <a:srgbClr val="404040"/>
-                </a:solidFill>
-                <a:latin typeface="Calibri"/>
-              </a:rPr>
-              <a:t>uma</a:t>
-            </a:r>
-            <a:r>
-              <a:rPr lang="en-US" sz="1800" b="0" strike="noStrike" spc="-1" dirty="0">
-                <a:solidFill>
-                  <a:srgbClr val="404040"/>
-                </a:solidFill>
-                <a:latin typeface="Calibri"/>
-              </a:rPr>
-              <a:t> posterior </a:t>
-            </a:r>
-            <a:r>
-              <a:rPr lang="en-US" sz="1800" b="0" strike="noStrike" spc="-1" dirty="0" err="1">
-                <a:solidFill>
-                  <a:srgbClr val="404040"/>
-                </a:solidFill>
-                <a:latin typeface="Calibri"/>
-              </a:rPr>
-              <a:t>alteração</a:t>
-            </a:r>
-            <a:r>
-              <a:rPr lang="en-US" sz="1800" b="0" strike="noStrike" spc="-1" dirty="0">
-                <a:solidFill>
-                  <a:srgbClr val="404040"/>
-                </a:solidFill>
-                <a:latin typeface="Calibri"/>
-              </a:rPr>
-              <a:t> do </a:t>
-            </a:r>
-            <a:r>
-              <a:rPr lang="en-US" sz="1800" b="0" strike="noStrike" spc="-1" dirty="0" err="1">
-                <a:solidFill>
-                  <a:srgbClr val="404040"/>
-                </a:solidFill>
-                <a:latin typeface="Calibri"/>
-              </a:rPr>
-              <a:t>rumo</a:t>
-            </a:r>
-            <a:r>
-              <a:rPr lang="en-US" sz="1800" b="0" strike="noStrike" spc="-1" dirty="0">
-                <a:solidFill>
-                  <a:srgbClr val="404040"/>
-                </a:solidFill>
-                <a:latin typeface="Calibri"/>
-              </a:rPr>
-              <a:t> que </a:t>
-            </a:r>
-            <a:r>
-              <a:rPr lang="en-US" sz="1800" b="0" strike="noStrike" spc="-1" dirty="0" err="1">
-                <a:solidFill>
-                  <a:srgbClr val="404040"/>
-                </a:solidFill>
-                <a:latin typeface="Calibri"/>
-              </a:rPr>
-              <a:t>definimos</a:t>
-            </a:r>
-            <a:r>
-              <a:rPr lang="en-US" sz="1800" b="0" strike="noStrike" spc="-1" dirty="0">
-                <a:solidFill>
-                  <a:srgbClr val="404040"/>
-                </a:solidFill>
-                <a:latin typeface="Calibri"/>
-              </a:rPr>
-              <a:t> </a:t>
-            </a:r>
-            <a:r>
-              <a:rPr lang="en-US" sz="1800" b="0" strike="noStrike" spc="-1" dirty="0" err="1">
-                <a:solidFill>
-                  <a:srgbClr val="404040"/>
-                </a:solidFill>
-                <a:latin typeface="Calibri"/>
-              </a:rPr>
-              <a:t>neste</a:t>
-            </a:r>
-            <a:r>
-              <a:rPr lang="en-US" sz="1800" b="0" strike="noStrike" spc="-1" dirty="0">
-                <a:solidFill>
-                  <a:srgbClr val="404040"/>
-                </a:solidFill>
-                <a:latin typeface="Calibri"/>
-              </a:rPr>
-              <a:t> </a:t>
-            </a:r>
-            <a:r>
-              <a:rPr lang="en-US" sz="1800" b="0" strike="noStrike" spc="-1" dirty="0" err="1">
-                <a:solidFill>
-                  <a:srgbClr val="404040"/>
-                </a:solidFill>
-                <a:latin typeface="Calibri"/>
-              </a:rPr>
-              <a:t>fase</a:t>
-            </a:r>
-            <a:r>
-              <a:rPr lang="en-US" sz="1800" b="0" strike="noStrike" spc="-1" dirty="0">
-                <a:solidFill>
-                  <a:srgbClr val="404040"/>
-                </a:solidFill>
-                <a:latin typeface="Calibri"/>
-              </a:rPr>
-              <a:t>, a </a:t>
-            </a:r>
-            <a:r>
-              <a:rPr lang="en-US" sz="1800" b="0" strike="noStrike" spc="-1" dirty="0" err="1">
-                <a:solidFill>
-                  <a:srgbClr val="404040"/>
-                </a:solidFill>
-                <a:latin typeface="Calibri"/>
-              </a:rPr>
-              <a:t>nossa</a:t>
-            </a:r>
-            <a:r>
-              <a:rPr lang="en-US" sz="1800" b="0" strike="noStrike" spc="-1" dirty="0">
-                <a:solidFill>
-                  <a:srgbClr val="404040"/>
-                </a:solidFill>
-                <a:latin typeface="Calibri"/>
-              </a:rPr>
-              <a:t> </a:t>
-            </a:r>
-            <a:r>
-              <a:rPr lang="en-US" sz="1800" b="0" strike="noStrike" spc="-1" dirty="0" err="1">
-                <a:solidFill>
-                  <a:srgbClr val="404040"/>
-                </a:solidFill>
-                <a:latin typeface="Calibri"/>
-              </a:rPr>
-              <a:t>capacidade</a:t>
-            </a:r>
-            <a:r>
-              <a:rPr lang="en-US" sz="1800" b="0" strike="noStrike" spc="-1" dirty="0">
-                <a:solidFill>
-                  <a:srgbClr val="404040"/>
-                </a:solidFill>
-                <a:latin typeface="Calibri"/>
-              </a:rPr>
-              <a:t> de </a:t>
-            </a:r>
-            <a:r>
-              <a:rPr lang="en-US" sz="1800" b="0" strike="noStrike" spc="-1" dirty="0" err="1">
-                <a:solidFill>
-                  <a:srgbClr val="404040"/>
-                </a:solidFill>
-                <a:latin typeface="Calibri"/>
-              </a:rPr>
-              <a:t>realizar</a:t>
-            </a:r>
-            <a:r>
-              <a:rPr lang="en-US" sz="1800" b="0" strike="noStrike" spc="-1" dirty="0">
-                <a:solidFill>
-                  <a:srgbClr val="404040"/>
-                </a:solidFill>
-                <a:latin typeface="Calibri"/>
-              </a:rPr>
-              <a:t> o </a:t>
-            </a:r>
-            <a:r>
-              <a:rPr lang="en-US" sz="1800" b="0" strike="noStrike" spc="-1" dirty="0" err="1">
-                <a:solidFill>
-                  <a:srgbClr val="404040"/>
-                </a:solidFill>
-                <a:latin typeface="Calibri"/>
-              </a:rPr>
-              <a:t>produto</a:t>
-            </a:r>
-            <a:r>
-              <a:rPr lang="en-US" sz="1800" b="0" strike="noStrike" spc="-1" dirty="0">
-                <a:solidFill>
-                  <a:srgbClr val="404040"/>
-                </a:solidFill>
-                <a:latin typeface="Calibri"/>
-              </a:rPr>
-              <a:t> final com o </a:t>
-            </a:r>
-            <a:r>
-              <a:rPr lang="en-US" sz="1800" b="0" strike="noStrike" spc="-1" dirty="0" err="1">
-                <a:solidFill>
-                  <a:srgbClr val="404040"/>
-                </a:solidFill>
-                <a:latin typeface="Calibri"/>
-              </a:rPr>
-              <a:t>mínimo</a:t>
-            </a:r>
-            <a:r>
-              <a:rPr lang="en-US" sz="1800" b="0" strike="noStrike" spc="-1" dirty="0">
-                <a:solidFill>
-                  <a:srgbClr val="404040"/>
-                </a:solidFill>
-                <a:latin typeface="Calibri"/>
-              </a:rPr>
-              <a:t> de </a:t>
-            </a:r>
-            <a:r>
-              <a:rPr lang="en-US" sz="1800" b="0" strike="noStrike" spc="-1" dirty="0" err="1">
-                <a:solidFill>
-                  <a:srgbClr val="404040"/>
-                </a:solidFill>
-                <a:latin typeface="Calibri"/>
-              </a:rPr>
-              <a:t>percalços</a:t>
-            </a:r>
-            <a:r>
-              <a:rPr lang="en-US" sz="1800" b="0" strike="noStrike" spc="-1" dirty="0">
-                <a:solidFill>
-                  <a:srgbClr val="404040"/>
-                </a:solidFill>
-                <a:latin typeface="Calibri"/>
-              </a:rPr>
-              <a:t> </a:t>
-            </a:r>
-            <a:r>
-              <a:rPr lang="en-US" sz="1800" b="0" strike="noStrike" spc="-1" dirty="0" err="1">
-                <a:solidFill>
-                  <a:srgbClr val="404040"/>
-                </a:solidFill>
-                <a:latin typeface="Calibri"/>
-              </a:rPr>
-              <a:t>será</a:t>
-            </a:r>
-            <a:r>
-              <a:rPr lang="en-US" sz="1800" b="0" strike="noStrike" spc="-1" dirty="0">
-                <a:solidFill>
-                  <a:srgbClr val="404040"/>
-                </a:solidFill>
-                <a:latin typeface="Calibri"/>
-              </a:rPr>
-              <a:t> </a:t>
-            </a:r>
-            <a:r>
-              <a:rPr lang="en-US" sz="1800" b="0" strike="noStrike" spc="-1" dirty="0" err="1">
-                <a:solidFill>
-                  <a:srgbClr val="404040"/>
-                </a:solidFill>
-                <a:latin typeface="Calibri"/>
-              </a:rPr>
-              <a:t>prejudicada</a:t>
-            </a:r>
-            <a:r>
-              <a:rPr lang="en-US" sz="1800" b="0" strike="noStrike" spc="-1" dirty="0">
-                <a:solidFill>
-                  <a:srgbClr val="404040"/>
-                </a:solidFill>
-                <a:latin typeface="Calibri"/>
-              </a:rPr>
-              <a:t>.</a:t>
-            </a:r>
-          </a:p>
-        </p:txBody>
-      </p:sp>
-      <p:pic>
-        <p:nvPicPr>
-          <p:cNvPr id="133" name="Picture 4"/>
-          <p:cNvPicPr/>
-          <p:nvPr/>
-        </p:nvPicPr>
-        <p:blipFill>
-          <a:blip r:embed="rId2"/>
-          <a:stretch/>
-        </p:blipFill>
-        <p:spPr>
-          <a:xfrm>
-            <a:off x="163440" y="140400"/>
-            <a:ext cx="1247760" cy="621720"/>
-          </a:xfrm>
-          <a:prstGeom prst="rect">
-            <a:avLst/>
-          </a:prstGeom>
-          <a:ln w="0">
-            <a:noFill/>
-          </a:ln>
-        </p:spPr>
-      </p:pic>
-      <p:sp>
-        <p:nvSpPr>
-          <p:cNvPr id="134" name="TextBox 5"/>
-          <p:cNvSpPr/>
-          <p:nvPr/>
-        </p:nvSpPr>
-        <p:spPr>
-          <a:xfrm>
-            <a:off x="1411560" y="177480"/>
-            <a:ext cx="3071160" cy="521766"/>
-          </a:xfrm>
-          <a:prstGeom prst="rect">
-            <a:avLst/>
-          </a:prstGeom>
-          <a:noFill/>
-          <a:ln w="0">
-            <a:noFill/>
-          </a:ln>
-        </p:spPr>
-        <p:style>
-          <a:lnRef idx="0">
-            <a:scrgbClr r="0" g="0" b="0"/>
-          </a:lnRef>
-          <a:fillRef idx="0">
-            <a:scrgbClr r="0" g="0" b="0"/>
-          </a:fillRef>
-          <a:effectRef idx="0">
-            <a:scrgbClr r="0" g="0" b="0"/>
-          </a:effectRef>
-          <a:fontRef idx="minor"/>
-        </p:style>
-        <p:txBody>
-          <a:bodyPr lIns="90000" tIns="45000" rIns="90000" bIns="45000" anchor="t">
-            <a:spAutoFit/>
-          </a:bodyPr>
-          <a:lstStyle/>
-          <a:p>
-            <a:pPr>
-              <a:lnSpc>
-                <a:spcPct val="100000"/>
-              </a:lnSpc>
-              <a:buNone/>
-            </a:pPr>
-            <a:r>
-              <a:rPr lang="pt-PT" sz="1400" b="0" strike="noStrike" spc="-1" dirty="0">
-                <a:solidFill>
-                  <a:srgbClr val="000000"/>
-                </a:solidFill>
-                <a:latin typeface="Calibri Light"/>
-              </a:rPr>
-              <a:t>Laboratórios de Informática IV </a:t>
-            </a:r>
-            <a:endParaRPr lang="pt-PT" sz="1400" b="0" strike="noStrike" spc="-1" dirty="0">
-              <a:latin typeface="Arial"/>
-            </a:endParaRPr>
-          </a:p>
-          <a:p>
-            <a:pPr>
-              <a:lnSpc>
-                <a:spcPct val="100000"/>
-              </a:lnSpc>
-              <a:buNone/>
-            </a:pPr>
-            <a:r>
-              <a:rPr lang="pt-PT" sz="1400" b="0" strike="noStrike" spc="-1" dirty="0">
-                <a:solidFill>
-                  <a:srgbClr val="000000"/>
-                </a:solidFill>
-                <a:latin typeface="Calibri Light"/>
-              </a:rPr>
-              <a:t>Ano letivo 2022/2023</a:t>
-            </a:r>
-            <a:endParaRPr lang="pt-PT" sz="1400" b="0" strike="noStrike" spc="-1" dirty="0">
-              <a:latin typeface="Arial"/>
-            </a:endParaRPr>
-          </a:p>
-        </p:txBody>
-      </p:sp>
-      <p:sp>
-        <p:nvSpPr>
-          <p:cNvPr id="4" name="PlaceHolder 3"/>
-          <p:cNvSpPr>
-            <a:spLocks noGrp="1"/>
-          </p:cNvSpPr>
-          <p:nvPr>
-            <p:ph type="sldNum" idx="6"/>
-          </p:nvPr>
-        </p:nvSpPr>
-        <p:spPr/>
-        <p:txBody>
-          <a:bodyPr/>
-          <a:lstStyle/>
-          <a:p>
-            <a:fld id="{190D9A09-C385-4729-80B4-923E2D2F1DBC}" type="slidenum">
-              <a:rPr/>
-              <a:t>11</a:t>
-            </a:fld>
-            <a:endParaRPr/>
-          </a:p>
-        </p:txBody>
-      </p:sp>
-    </p:spTree>
-  </p:cSld>
-  <p:clrMapOvr>
-    <a:masterClrMapping/>
-  </p:clrMapOvr>
-  <mc:AlternateContent xmlns:mc="http://schemas.openxmlformats.org/markup-compatibility/2006" xmlns:p14="http://schemas.microsoft.com/office/powerpoint/2010/main">
-    <mc:Choice Requires="p14">
-      <p:transition spd="med" p14:dur="700">
-        <p:fade/>
-      </p:transition>
-    </mc:Choice>
-    <mc:Fallback xmlns="" xmlns:p15="http://schemas.microsoft.com/office/powerpoint/2012/main">
-      <p:transition spd="med">
-        <p:fade/>
-      </p:transition>
-    </mc:Fallback>
-  </mc:AlternateContent>
-</p:sld>
-</file>
-
 <file path=ppt/slides/slide2.xml><?xml version="1.0" encoding="utf-8"?>
 <p:sld xmlns:a="http://schemas.openxmlformats.org/drawingml/2006/main" xmlns:r="http://schemas.openxmlformats.org/officeDocument/2006/relationships" xmlns:p="http://schemas.openxmlformats.org/presentationml/2006/main">
   <p:cSld>
@@ -9239,7 +7496,13 @@
       </p:grpSpPr>
       <p:sp>
         <p:nvSpPr>
-          <p:cNvPr id="95" name="PlaceHolder 1"/>
+          <p:cNvPr id="2" name="Título 1">
+            <a:extLst>
+              <a:ext uri="{FF2B5EF4-FFF2-40B4-BE49-F238E27FC236}">
+                <a16:creationId xmlns:a16="http://schemas.microsoft.com/office/drawing/2014/main" id="{EF01EB77-C897-B284-5096-815E44A0490A}"/>
+              </a:ext>
+            </a:extLst>
+          </p:cNvPr>
           <p:cNvSpPr>
             <a:spLocks noGrp="1"/>
           </p:cNvSpPr>
@@ -9247,326 +7510,32 @@
             <p:ph type="title"/>
           </p:nvPr>
         </p:nvSpPr>
-        <p:spPr>
-          <a:xfrm>
-            <a:off x="1097280" y="286560"/>
-            <a:ext cx="10058040" cy="1450440"/>
-          </a:xfrm>
-          <a:prstGeom prst="rect">
-            <a:avLst/>
-          </a:prstGeom>
-          <a:noFill/>
-          <a:ln w="0">
-            <a:noFill/>
-          </a:ln>
-        </p:spPr>
-        <p:txBody>
-          <a:bodyPr anchor="b">
-            <a:noAutofit/>
-          </a:bodyPr>
-          <a:lstStyle/>
-          <a:p>
-            <a:pPr algn="ctr">
-              <a:lnSpc>
-                <a:spcPct val="85000"/>
-              </a:lnSpc>
-              <a:buNone/>
-            </a:pPr>
+        <p:spPr/>
+        <p:txBody>
+          <a:bodyPr/>
+          <a:lstStyle/>
+          <a:p>
             <a:r>
-              <a:rPr lang="pt-PT" sz="4800" b="0" strike="noStrike" spc="-52" dirty="0">
-                <a:solidFill>
-                  <a:srgbClr val="404040"/>
-                </a:solidFill>
-                <a:latin typeface="Calibri Light"/>
-              </a:rPr>
-              <a:t>Resumo do Trabalho</a:t>
+              <a:rPr lang="pt-PT" dirty="0"/>
+              <a:t>Índice ou estrutura apresentação</a:t>
             </a:r>
-            <a:endParaRPr lang="en-US" sz="4800" b="0" strike="noStrike" spc="-1" dirty="0">
-              <a:solidFill>
-                <a:srgbClr val="000000"/>
-              </a:solidFill>
-              <a:latin typeface="Calibri"/>
-            </a:endParaRPr>
-          </a:p>
-        </p:txBody>
-      </p:sp>
-      <p:sp>
-        <p:nvSpPr>
-          <p:cNvPr id="96" name="PlaceHolder 2"/>
-          <p:cNvSpPr>
-            <a:spLocks noGrp="1"/>
-          </p:cNvSpPr>
-          <p:nvPr>
-            <p:ph/>
-          </p:nvPr>
-        </p:nvSpPr>
-        <p:spPr>
-          <a:xfrm>
-            <a:off x="1097280" y="1845720"/>
-            <a:ext cx="10058040" cy="4023000"/>
-          </a:xfrm>
-          <a:prstGeom prst="rect">
-            <a:avLst/>
-          </a:prstGeom>
-          <a:noFill/>
-          <a:ln w="0">
-            <a:noFill/>
-          </a:ln>
-        </p:spPr>
-        <p:txBody>
-          <a:bodyPr lIns="0" rIns="0" anchor="t">
-            <a:noAutofit/>
-          </a:bodyPr>
-          <a:lstStyle/>
-          <a:p>
-            <a:pPr marL="450900" indent="-342900">
-              <a:spcBef>
-                <a:spcPts val="1417"/>
-              </a:spcBef>
-              <a:buClr>
-                <a:schemeClr val="accent1"/>
-              </a:buClr>
-              <a:buSzPct val="45000"/>
-              <a:buFont typeface="Courier New" panose="02070309020205020404" pitchFamily="49" charset="0"/>
-              <a:buChar char="o"/>
-            </a:pPr>
-            <a:r>
-              <a:rPr lang="en-US" sz="2000" spc="-1" dirty="0" err="1">
-                <a:solidFill>
-                  <a:srgbClr val="404040"/>
-                </a:solidFill>
-                <a:latin typeface="Calibri"/>
-              </a:rPr>
-              <a:t>D</a:t>
-            </a:r>
-            <a:r>
-              <a:rPr lang="en-US" sz="2000" b="0" strike="noStrike" spc="-1" dirty="0" err="1">
-                <a:solidFill>
-                  <a:srgbClr val="404040"/>
-                </a:solidFill>
-                <a:latin typeface="Calibri"/>
-              </a:rPr>
-              <a:t>esenvolvimento</a:t>
-            </a:r>
-            <a:r>
-              <a:rPr lang="en-US" sz="2000" b="0" strike="noStrike" spc="-1" dirty="0">
-                <a:solidFill>
-                  <a:srgbClr val="404040"/>
-                </a:solidFill>
-                <a:latin typeface="Calibri"/>
-              </a:rPr>
-              <a:t> de software </a:t>
-            </a:r>
-          </a:p>
-          <a:p>
-            <a:pPr marL="450900" indent="-342900">
-              <a:spcBef>
-                <a:spcPts val="1417"/>
-              </a:spcBef>
-              <a:buClr>
-                <a:schemeClr val="accent1"/>
-              </a:buClr>
-              <a:buSzPct val="45000"/>
-              <a:buFont typeface="Courier New" panose="02070309020205020404" pitchFamily="49" charset="0"/>
-              <a:buChar char="o"/>
-            </a:pPr>
-            <a:r>
-              <a:rPr lang="en-US" sz="2000" spc="-1" dirty="0" err="1">
-                <a:solidFill>
-                  <a:srgbClr val="404040"/>
-                </a:solidFill>
-                <a:latin typeface="Calibri"/>
-              </a:rPr>
-              <a:t>A</a:t>
-            </a:r>
-            <a:r>
-              <a:rPr lang="en-US" sz="2000" b="0" strike="noStrike" spc="-1" dirty="0" err="1">
-                <a:solidFill>
-                  <a:srgbClr val="404040"/>
-                </a:solidFill>
-                <a:latin typeface="Calibri"/>
-              </a:rPr>
-              <a:t>plicação</a:t>
-            </a:r>
-            <a:r>
-              <a:rPr lang="en-US" sz="2000" b="0" strike="noStrike" spc="-1" dirty="0">
-                <a:solidFill>
-                  <a:srgbClr val="404040"/>
-                </a:solidFill>
-                <a:latin typeface="Calibri"/>
-              </a:rPr>
-              <a:t> para </a:t>
-            </a:r>
-            <a:r>
-              <a:rPr lang="en-US" sz="2000" b="0" strike="noStrike" spc="-1" dirty="0" err="1">
-                <a:solidFill>
-                  <a:srgbClr val="404040"/>
-                </a:solidFill>
-                <a:latin typeface="Calibri"/>
-              </a:rPr>
-              <a:t>feiras</a:t>
-            </a:r>
-            <a:r>
-              <a:rPr lang="en-US" sz="2000" b="0" strike="noStrike" spc="-1" dirty="0">
-                <a:solidFill>
-                  <a:srgbClr val="404040"/>
-                </a:solidFill>
-                <a:latin typeface="Calibri"/>
-              </a:rPr>
-              <a:t> online</a:t>
-            </a:r>
-          </a:p>
-          <a:p>
-            <a:pPr marL="450900" indent="-342900">
-              <a:spcBef>
-                <a:spcPts val="1417"/>
-              </a:spcBef>
-              <a:buClr>
-                <a:schemeClr val="accent1"/>
-              </a:buClr>
-              <a:buSzPct val="45000"/>
-              <a:buFont typeface="Courier New" panose="02070309020205020404" pitchFamily="49" charset="0"/>
-              <a:buChar char="o"/>
-            </a:pPr>
-            <a:r>
-              <a:rPr lang="en-US" sz="2000" b="0" strike="noStrike" spc="-1" dirty="0">
-                <a:solidFill>
-                  <a:srgbClr val="404040"/>
-                </a:solidFill>
-                <a:latin typeface="Calibri"/>
-              </a:rPr>
-              <a:t>"</a:t>
-            </a:r>
-            <a:r>
-              <a:rPr lang="en-US" sz="2000" b="0" strike="noStrike" spc="-1" dirty="0" err="1">
-                <a:solidFill>
-                  <a:srgbClr val="404040"/>
-                </a:solidFill>
-                <a:latin typeface="Calibri"/>
-              </a:rPr>
-              <a:t>AliFeirex</a:t>
-            </a:r>
-            <a:r>
-              <a:rPr lang="en-US" sz="2000" b="0" strike="noStrike" spc="-1" dirty="0">
-                <a:solidFill>
-                  <a:srgbClr val="404040"/>
-                </a:solidFill>
-                <a:latin typeface="Calibri"/>
-              </a:rPr>
-              <a:t>"</a:t>
-            </a:r>
-          </a:p>
-        </p:txBody>
-      </p:sp>
-      <p:pic>
-        <p:nvPicPr>
-          <p:cNvPr id="97" name="Picture 4"/>
-          <p:cNvPicPr/>
-          <p:nvPr/>
-        </p:nvPicPr>
-        <p:blipFill>
-          <a:blip r:embed="rId2"/>
-          <a:stretch/>
-        </p:blipFill>
-        <p:spPr>
-          <a:xfrm>
-            <a:off x="163440" y="140400"/>
-            <a:ext cx="1247760" cy="621720"/>
-          </a:xfrm>
-          <a:prstGeom prst="rect">
-            <a:avLst/>
-          </a:prstGeom>
-          <a:ln w="0">
-            <a:noFill/>
-          </a:ln>
-        </p:spPr>
-      </p:pic>
-      <p:sp>
-        <p:nvSpPr>
-          <p:cNvPr id="98" name="TextBox 5"/>
-          <p:cNvSpPr/>
-          <p:nvPr/>
-        </p:nvSpPr>
-        <p:spPr>
-          <a:xfrm>
-            <a:off x="1411560" y="177480"/>
-            <a:ext cx="3071160" cy="521766"/>
-          </a:xfrm>
-          <a:prstGeom prst="rect">
-            <a:avLst/>
-          </a:prstGeom>
-          <a:noFill/>
-          <a:ln w="0">
-            <a:noFill/>
-          </a:ln>
-        </p:spPr>
-        <p:style>
-          <a:lnRef idx="0">
-            <a:scrgbClr r="0" g="0" b="0"/>
-          </a:lnRef>
-          <a:fillRef idx="0">
-            <a:scrgbClr r="0" g="0" b="0"/>
-          </a:fillRef>
-          <a:effectRef idx="0">
-            <a:scrgbClr r="0" g="0" b="0"/>
-          </a:effectRef>
-          <a:fontRef idx="minor"/>
-        </p:style>
-        <p:txBody>
-          <a:bodyPr lIns="90000" tIns="45000" rIns="90000" bIns="45000" anchor="t">
-            <a:spAutoFit/>
-          </a:bodyPr>
-          <a:lstStyle/>
-          <a:p>
-            <a:pPr>
-              <a:lnSpc>
-                <a:spcPct val="100000"/>
-              </a:lnSpc>
-              <a:buNone/>
-            </a:pPr>
-            <a:r>
-              <a:rPr lang="pt-PT" sz="1400" b="0" strike="noStrike" spc="-1" dirty="0">
-                <a:solidFill>
-                  <a:srgbClr val="000000"/>
-                </a:solidFill>
-                <a:latin typeface="Calibri Light"/>
-              </a:rPr>
-              <a:t>Laboratórios de Informática IV </a:t>
-            </a:r>
-            <a:endParaRPr lang="pt-PT" sz="1400" b="0" strike="noStrike" spc="-1" dirty="0">
-              <a:latin typeface="Arial"/>
-            </a:endParaRPr>
-          </a:p>
-          <a:p>
-            <a:pPr>
-              <a:lnSpc>
-                <a:spcPct val="100000"/>
-              </a:lnSpc>
-              <a:buNone/>
-            </a:pPr>
-            <a:r>
-              <a:rPr lang="pt-PT" sz="1400" b="0" strike="noStrike" spc="-1" dirty="0">
-                <a:solidFill>
-                  <a:srgbClr val="000000"/>
-                </a:solidFill>
-                <a:latin typeface="Calibri Light"/>
-              </a:rPr>
-              <a:t>Ano letivo 2022/2023</a:t>
-            </a:r>
-            <a:endParaRPr lang="pt-PT" sz="1400" b="0" strike="noStrike" spc="-1" dirty="0">
-              <a:latin typeface="Arial"/>
-            </a:endParaRPr>
-          </a:p>
-        </p:txBody>
-      </p:sp>
-      <p:sp>
-        <p:nvSpPr>
-          <p:cNvPr id="4" name="PlaceHolder 3"/>
-          <p:cNvSpPr>
-            <a:spLocks noGrp="1"/>
-          </p:cNvSpPr>
-          <p:nvPr>
-            <p:ph type="sldNum" idx="6"/>
+          </a:p>
+        </p:txBody>
+      </p:sp>
+      <p:sp>
+        <p:nvSpPr>
+          <p:cNvPr id="3" name="Subtítulo 2">
+            <a:extLst>
+              <a:ext uri="{FF2B5EF4-FFF2-40B4-BE49-F238E27FC236}">
+                <a16:creationId xmlns:a16="http://schemas.microsoft.com/office/drawing/2014/main" id="{207B3A42-D424-A3AE-D619-EE19E2FE573E}"/>
+              </a:ext>
+            </a:extLst>
+          </p:cNvPr>
+          <p:cNvSpPr>
+            <a:spLocks noGrp="1"/>
+          </p:cNvSpPr>
+          <p:nvPr>
+            <p:ph type="subTitle"/>
           </p:nvPr>
         </p:nvSpPr>
         <p:spPr/>
@@ -9574,31 +7543,20 @@
           <a:bodyPr/>
           <a:lstStyle/>
           <a:p>
-            <a:fld id="{246382AE-902A-42E1-A7A1-19C21562FEEE}" type="slidenum">
-              <a:rPr/>
-              <a:t>2</a:t>
-            </a:fld>
-            <a:endParaRPr/>
+            <a:endParaRPr lang="pt-PT" dirty="0"/>
           </a:p>
         </p:txBody>
       </p:sp>
     </p:spTree>
+    <p:extLst>
+      <p:ext uri="{BB962C8B-B14F-4D97-AF65-F5344CB8AC3E}">
+        <p14:creationId xmlns:p14="http://schemas.microsoft.com/office/powerpoint/2010/main" val="570229640"/>
+      </p:ext>
+    </p:extLst>
   </p:cSld>
   <p:clrMapOvr>
     <a:masterClrMapping/>
   </p:clrMapOvr>
-  <mc:AlternateContent xmlns:mc="http://schemas.openxmlformats.org/markup-compatibility/2006" xmlns:p14="http://schemas.microsoft.com/office/powerpoint/2010/main">
-    <mc:Choice Requires="p14">
-      <p:transition spd="med" p14:dur="700">
-        <p:fade/>
-      </p:transition>
-    </mc:Choice>
-    <mc:Fallback xmlns="" xmlns:p15="http://schemas.microsoft.com/office/powerpoint/2012/main">
-      <p:transition spd="med">
-        <p:fade/>
-      </p:transition>
-    </mc:Fallback>
-  </mc:AlternateContent>
 </p:sld>
 </file>
 
@@ -9621,7 +7579,13 @@
       </p:grpSpPr>
       <p:sp>
         <p:nvSpPr>
-          <p:cNvPr id="99" name="PlaceHolder 1"/>
+          <p:cNvPr id="2" name="Título 1">
+            <a:extLst>
+              <a:ext uri="{FF2B5EF4-FFF2-40B4-BE49-F238E27FC236}">
+                <a16:creationId xmlns:a16="http://schemas.microsoft.com/office/drawing/2014/main" id="{877FBEF9-F99E-2AEE-FBA2-AA9EB3A662C6}"/>
+              </a:ext>
+            </a:extLst>
+          </p:cNvPr>
           <p:cNvSpPr>
             <a:spLocks noGrp="1"/>
           </p:cNvSpPr>
@@ -9629,484 +7593,113 @@
             <p:ph type="title"/>
           </p:nvPr>
         </p:nvSpPr>
-        <p:spPr>
-          <a:xfrm>
-            <a:off x="1097280" y="286560"/>
-            <a:ext cx="10058040" cy="1450440"/>
-          </a:xfrm>
-          <a:prstGeom prst="rect">
-            <a:avLst/>
-          </a:prstGeom>
-          <a:noFill/>
-          <a:ln w="0">
-            <a:noFill/>
-          </a:ln>
-        </p:spPr>
-        <p:txBody>
-          <a:bodyPr anchor="b">
-            <a:noAutofit/>
-          </a:bodyPr>
-          <a:lstStyle/>
-          <a:p>
-            <a:pPr algn="ctr">
-              <a:lnSpc>
-                <a:spcPct val="85000"/>
-              </a:lnSpc>
-              <a:buNone/>
-            </a:pPr>
+        <p:spPr/>
+        <p:txBody>
+          <a:bodyPr/>
+          <a:lstStyle/>
+          <a:p>
             <a:r>
-              <a:rPr lang="pt-PT" sz="4800" b="0" strike="noStrike" spc="-52" dirty="0">
-                <a:solidFill>
-                  <a:srgbClr val="404040"/>
-                </a:solidFill>
-                <a:latin typeface="Calibri Light"/>
-              </a:rPr>
-              <a:t>Estrutura da apresentação</a:t>
+              <a:rPr lang="pt-PT" dirty="0"/>
+              <a:t>1ª Fase</a:t>
             </a:r>
-            <a:endParaRPr lang="en-US" sz="4800" b="0" strike="noStrike" spc="-1" dirty="0">
-              <a:solidFill>
-                <a:srgbClr val="000000"/>
-              </a:solidFill>
-              <a:latin typeface="Calibri"/>
-            </a:endParaRPr>
-          </a:p>
-        </p:txBody>
-      </p:sp>
-      <p:sp>
-        <p:nvSpPr>
-          <p:cNvPr id="100" name="PlaceHolder 2"/>
-          <p:cNvSpPr>
-            <a:spLocks noGrp="1"/>
-          </p:cNvSpPr>
-          <p:nvPr>
-            <p:ph/>
-          </p:nvPr>
-        </p:nvSpPr>
-        <p:spPr>
-          <a:xfrm>
-            <a:off x="532800" y="1845720"/>
-            <a:ext cx="10622520" cy="4023000"/>
-          </a:xfrm>
-          <a:prstGeom prst="rect">
-            <a:avLst/>
-          </a:prstGeom>
-          <a:noFill/>
-          <a:ln w="0">
-            <a:noFill/>
-          </a:ln>
-        </p:spPr>
-        <p:txBody>
-          <a:bodyPr lIns="0" rIns="0" anchor="t">
-            <a:normAutofit/>
-          </a:bodyPr>
-          <a:lstStyle/>
-          <a:p>
-            <a:pPr marL="384120" lvl="1" indent="-182880">
-              <a:lnSpc>
-                <a:spcPct val="90000"/>
-              </a:lnSpc>
-              <a:spcBef>
-                <a:spcPts val="201"/>
-              </a:spcBef>
-              <a:spcAft>
-                <a:spcPts val="400"/>
-              </a:spcAft>
-              <a:buClr>
-                <a:srgbClr val="E48312"/>
-              </a:buClr>
-              <a:buFont typeface="Arial"/>
-              <a:buChar char="•"/>
-            </a:pPr>
+          </a:p>
+        </p:txBody>
+      </p:sp>
+      <p:sp>
+        <p:nvSpPr>
+          <p:cNvPr id="3" name="Subtítulo 2">
+            <a:extLst>
+              <a:ext uri="{FF2B5EF4-FFF2-40B4-BE49-F238E27FC236}">
+                <a16:creationId xmlns:a16="http://schemas.microsoft.com/office/drawing/2014/main" id="{3B8B5920-AF6D-77B8-1AD3-4E0907AE9E45}"/>
+              </a:ext>
+            </a:extLst>
+          </p:cNvPr>
+          <p:cNvSpPr>
+            <a:spLocks noGrp="1"/>
+          </p:cNvSpPr>
+          <p:nvPr>
+            <p:ph type="subTitle"/>
+          </p:nvPr>
+        </p:nvSpPr>
+        <p:spPr/>
+        <p:txBody>
+          <a:bodyPr/>
+          <a:lstStyle/>
+          <a:p>
             <a:r>
-              <a:rPr lang="pt-PT" sz="2000" b="0" strike="noStrike" spc="-1" dirty="0">
-                <a:solidFill>
-                  <a:srgbClr val="404040"/>
-                </a:solidFill>
-                <a:latin typeface="Calibri"/>
+              <a:rPr lang="pt-PT" sz="2000" dirty="0">
+                <a:latin typeface="Calibri" panose="020F0502020204030204" pitchFamily="34" charset="0"/>
+                <a:cs typeface="Calibri" panose="020F0502020204030204" pitchFamily="34" charset="0"/>
               </a:rPr>
               <a:t>Contextualização</a:t>
             </a:r>
-            <a:endParaRPr lang="en-US" sz="2000" b="0" strike="noStrike" spc="-1" dirty="0">
-              <a:solidFill>
-                <a:srgbClr val="404040"/>
-              </a:solidFill>
-              <a:latin typeface="Calibri"/>
-            </a:endParaRPr>
-          </a:p>
-          <a:p>
-            <a:pPr marL="384120" lvl="1" indent="-182880">
-              <a:lnSpc>
-                <a:spcPct val="90000"/>
-              </a:lnSpc>
-              <a:spcBef>
-                <a:spcPts val="201"/>
-              </a:spcBef>
-              <a:spcAft>
-                <a:spcPts val="400"/>
-              </a:spcAft>
-              <a:buClr>
-                <a:srgbClr val="E48312"/>
-              </a:buClr>
-              <a:buFont typeface="Arial"/>
-              <a:buChar char="•"/>
-            </a:pPr>
+          </a:p>
+          <a:p>
             <a:r>
-              <a:rPr lang="pt-PT" sz="2000" b="0" strike="noStrike" spc="-1" dirty="0">
-                <a:solidFill>
-                  <a:srgbClr val="404040"/>
-                </a:solidFill>
-                <a:latin typeface="Calibri"/>
+              <a:rPr lang="pt-PT" sz="2000" dirty="0">
+                <a:latin typeface="Calibri" panose="020F0502020204030204" pitchFamily="34" charset="0"/>
+                <a:cs typeface="Calibri" panose="020F0502020204030204" pitchFamily="34" charset="0"/>
               </a:rPr>
               <a:t>Fundamentação</a:t>
             </a:r>
-            <a:endParaRPr lang="en-US" sz="2000" b="0" strike="noStrike" spc="-1" dirty="0">
-              <a:solidFill>
-                <a:srgbClr val="404040"/>
-              </a:solidFill>
-              <a:latin typeface="Calibri"/>
-            </a:endParaRPr>
-          </a:p>
-          <a:p>
-            <a:pPr marL="384120" lvl="1" indent="-182880">
-              <a:lnSpc>
-                <a:spcPct val="90000"/>
-              </a:lnSpc>
-              <a:spcBef>
-                <a:spcPts val="201"/>
-              </a:spcBef>
-              <a:spcAft>
-                <a:spcPts val="400"/>
-              </a:spcAft>
-              <a:buClr>
-                <a:srgbClr val="E48312"/>
-              </a:buClr>
-              <a:buFont typeface="Arial"/>
-              <a:buChar char="•"/>
-            </a:pPr>
+          </a:p>
+          <a:p>
             <a:r>
-              <a:rPr lang="pt-PT" sz="2000" b="0" strike="noStrike" spc="-1" dirty="0">
-                <a:solidFill>
-                  <a:srgbClr val="404040"/>
-                </a:solidFill>
-                <a:latin typeface="Calibri"/>
+              <a:rPr lang="pt-PT" sz="2000" dirty="0">
+                <a:latin typeface="Calibri" panose="020F0502020204030204" pitchFamily="34" charset="0"/>
+                <a:cs typeface="Calibri" panose="020F0502020204030204" pitchFamily="34" charset="0"/>
               </a:rPr>
               <a:t>Objetivos</a:t>
             </a:r>
-            <a:endParaRPr lang="en-US" sz="2000" b="0" strike="noStrike" spc="-1" dirty="0">
-              <a:solidFill>
-                <a:srgbClr val="404040"/>
-              </a:solidFill>
-              <a:latin typeface="Calibri"/>
-            </a:endParaRPr>
-          </a:p>
-          <a:p>
-            <a:pPr marL="384120" lvl="1" indent="-182880">
-              <a:lnSpc>
-                <a:spcPct val="90000"/>
-              </a:lnSpc>
-              <a:spcBef>
-                <a:spcPts val="201"/>
-              </a:spcBef>
-              <a:spcAft>
-                <a:spcPts val="400"/>
-              </a:spcAft>
-              <a:buClr>
-                <a:srgbClr val="E48312"/>
-              </a:buClr>
-              <a:buFont typeface="Arial"/>
-              <a:buChar char="•"/>
-            </a:pPr>
+          </a:p>
+          <a:p>
             <a:r>
-              <a:rPr lang="pt-PT" sz="2000" b="0" strike="noStrike" spc="-1" dirty="0">
-                <a:solidFill>
-                  <a:srgbClr val="404040"/>
-                </a:solidFill>
-                <a:latin typeface="Calibri"/>
+              <a:rPr lang="pt-PT" sz="2000" dirty="0">
+                <a:latin typeface="Calibri" panose="020F0502020204030204" pitchFamily="34" charset="0"/>
+                <a:cs typeface="Calibri" panose="020F0502020204030204" pitchFamily="34" charset="0"/>
               </a:rPr>
               <a:t>Viabilidade</a:t>
             </a:r>
-            <a:endParaRPr lang="en-US" sz="2000" b="0" strike="noStrike" spc="-1" dirty="0">
-              <a:solidFill>
-                <a:srgbClr val="404040"/>
-              </a:solidFill>
-              <a:latin typeface="Calibri"/>
-            </a:endParaRPr>
-          </a:p>
-          <a:p>
-            <a:pPr marL="384120" lvl="1" indent="-182880">
-              <a:lnSpc>
-                <a:spcPct val="90000"/>
-              </a:lnSpc>
-              <a:spcBef>
-                <a:spcPts val="201"/>
-              </a:spcBef>
-              <a:spcAft>
-                <a:spcPts val="400"/>
-              </a:spcAft>
-              <a:buClr>
-                <a:srgbClr val="E48312"/>
-              </a:buClr>
-              <a:buFont typeface="Arial"/>
-              <a:buChar char="•"/>
-            </a:pPr>
+          </a:p>
+          <a:p>
             <a:r>
-              <a:rPr lang="pt-PT" sz="2000" b="0" strike="noStrike" spc="-1" dirty="0">
-                <a:solidFill>
-                  <a:srgbClr val="404040"/>
-                </a:solidFill>
-                <a:latin typeface="Calibri"/>
+              <a:rPr lang="pt-PT" sz="2000" dirty="0">
+                <a:latin typeface="Calibri" panose="020F0502020204030204" pitchFamily="34" charset="0"/>
+                <a:cs typeface="Calibri" panose="020F0502020204030204" pitchFamily="34" charset="0"/>
               </a:rPr>
               <a:t>Recursos a utilizar</a:t>
             </a:r>
-            <a:endParaRPr lang="en-US" sz="2000" b="0" strike="noStrike" spc="-1" dirty="0">
-              <a:solidFill>
-                <a:srgbClr val="404040"/>
-              </a:solidFill>
-              <a:latin typeface="Calibri"/>
-            </a:endParaRPr>
-          </a:p>
-          <a:p>
-            <a:pPr marL="384120" lvl="1" indent="-182880">
-              <a:lnSpc>
-                <a:spcPct val="90000"/>
-              </a:lnSpc>
-              <a:spcBef>
-                <a:spcPts val="201"/>
-              </a:spcBef>
-              <a:spcAft>
-                <a:spcPts val="400"/>
-              </a:spcAft>
-              <a:buClr>
-                <a:srgbClr val="E48312"/>
-              </a:buClr>
-              <a:buFont typeface="Arial"/>
-              <a:buChar char="•"/>
-            </a:pPr>
+          </a:p>
+          <a:p>
             <a:r>
-              <a:rPr lang="pt-PT" sz="2000" b="0" strike="noStrike" spc="-1" dirty="0">
-                <a:solidFill>
-                  <a:srgbClr val="404040"/>
-                </a:solidFill>
-                <a:latin typeface="Calibri"/>
+              <a:rPr lang="pt-PT" sz="2000" dirty="0">
+                <a:latin typeface="Calibri" panose="020F0502020204030204" pitchFamily="34" charset="0"/>
+                <a:cs typeface="Calibri" panose="020F0502020204030204" pitchFamily="34" charset="0"/>
               </a:rPr>
               <a:t>Equipa de trabalho</a:t>
             </a:r>
-            <a:endParaRPr lang="en-US" sz="2000" b="0" strike="noStrike" spc="-1" dirty="0">
-              <a:solidFill>
-                <a:srgbClr val="404040"/>
-              </a:solidFill>
-              <a:latin typeface="Calibri"/>
-            </a:endParaRPr>
-          </a:p>
-          <a:p>
-            <a:pPr marL="384120" lvl="1" indent="-182880">
-              <a:lnSpc>
-                <a:spcPct val="90000"/>
-              </a:lnSpc>
-              <a:spcBef>
-                <a:spcPts val="201"/>
-              </a:spcBef>
-              <a:spcAft>
-                <a:spcPts val="400"/>
-              </a:spcAft>
-              <a:buClr>
-                <a:srgbClr val="E48312"/>
-              </a:buClr>
-              <a:buFont typeface="Arial"/>
-              <a:buChar char="•"/>
-            </a:pPr>
+          </a:p>
+          <a:p>
             <a:r>
-              <a:rPr lang="pt-PT" sz="2000" b="0" strike="noStrike" spc="-1" dirty="0">
-                <a:solidFill>
-                  <a:srgbClr val="404040"/>
-                </a:solidFill>
-                <a:latin typeface="Calibri"/>
+              <a:rPr lang="pt-PT" sz="2000" dirty="0">
+                <a:latin typeface="Calibri" panose="020F0502020204030204" pitchFamily="34" charset="0"/>
+                <a:cs typeface="Calibri" panose="020F0502020204030204" pitchFamily="34" charset="0"/>
               </a:rPr>
               <a:t>Plano de execução do trabalho</a:t>
             </a:r>
-            <a:endParaRPr lang="en-US" sz="2000" b="0" strike="noStrike" spc="-1" dirty="0">
-              <a:solidFill>
-                <a:srgbClr val="404040"/>
-              </a:solidFill>
-              <a:latin typeface="Calibri"/>
-            </a:endParaRPr>
-          </a:p>
-          <a:p>
-            <a:pPr marL="384120" lvl="1" indent="-182880">
-              <a:lnSpc>
-                <a:spcPct val="90000"/>
-              </a:lnSpc>
-              <a:spcBef>
-                <a:spcPts val="201"/>
-              </a:spcBef>
-              <a:spcAft>
-                <a:spcPts val="400"/>
-              </a:spcAft>
-              <a:buClr>
-                <a:srgbClr val="E48312"/>
-              </a:buClr>
-              <a:buFont typeface="Arial"/>
-              <a:buChar char="•"/>
-            </a:pPr>
-            <a:r>
-              <a:rPr lang="pt-PT" sz="2000" b="0" strike="noStrike" spc="-1" dirty="0">
-                <a:solidFill>
-                  <a:srgbClr val="404040"/>
-                </a:solidFill>
-                <a:latin typeface="Calibri"/>
-              </a:rPr>
-              <a:t>Comentário final </a:t>
-            </a:r>
-            <a:endParaRPr lang="en-US" sz="2000" b="0" strike="noStrike" spc="-1" dirty="0">
-              <a:solidFill>
-                <a:srgbClr val="404040"/>
-              </a:solidFill>
-              <a:latin typeface="Calibri"/>
-            </a:endParaRPr>
-          </a:p>
-        </p:txBody>
-      </p:sp>
-      <p:pic>
-        <p:nvPicPr>
-          <p:cNvPr id="101" name="Picture 4"/>
-          <p:cNvPicPr/>
-          <p:nvPr/>
-        </p:nvPicPr>
-        <p:blipFill>
-          <a:blip r:embed="rId2"/>
-          <a:stretch/>
-        </p:blipFill>
-        <p:spPr>
-          <a:xfrm>
-            <a:off x="163440" y="140400"/>
-            <a:ext cx="1247760" cy="621720"/>
-          </a:xfrm>
-          <a:prstGeom prst="rect">
-            <a:avLst/>
-          </a:prstGeom>
-          <a:ln w="0">
-            <a:noFill/>
-          </a:ln>
-        </p:spPr>
-      </p:pic>
-      <p:sp>
-        <p:nvSpPr>
-          <p:cNvPr id="102" name="TextBox 5"/>
-          <p:cNvSpPr/>
-          <p:nvPr/>
-        </p:nvSpPr>
-        <p:spPr>
-          <a:xfrm>
-            <a:off x="1411560" y="177480"/>
-            <a:ext cx="3071160" cy="521766"/>
-          </a:xfrm>
-          <a:prstGeom prst="rect">
-            <a:avLst/>
-          </a:prstGeom>
-          <a:noFill/>
-          <a:ln w="0">
-            <a:noFill/>
-          </a:ln>
-        </p:spPr>
-        <p:style>
-          <a:lnRef idx="0">
-            <a:scrgbClr r="0" g="0" b="0"/>
-          </a:lnRef>
-          <a:fillRef idx="0">
-            <a:scrgbClr r="0" g="0" b="0"/>
-          </a:fillRef>
-          <a:effectRef idx="0">
-            <a:scrgbClr r="0" g="0" b="0"/>
-          </a:effectRef>
-          <a:fontRef idx="minor"/>
-        </p:style>
-        <p:txBody>
-          <a:bodyPr lIns="90000" tIns="45000" rIns="90000" bIns="45000" anchor="t">
-            <a:spAutoFit/>
-          </a:bodyPr>
-          <a:lstStyle/>
-          <a:p>
-            <a:pPr>
-              <a:lnSpc>
-                <a:spcPct val="100000"/>
-              </a:lnSpc>
-              <a:buNone/>
-            </a:pPr>
-            <a:r>
-              <a:rPr lang="pt-PT" sz="1400" b="0" strike="noStrike" spc="-1" dirty="0">
-                <a:solidFill>
-                  <a:srgbClr val="000000"/>
-                </a:solidFill>
-                <a:latin typeface="Calibri Light"/>
-              </a:rPr>
-              <a:t>Laboratórios de Informática IV </a:t>
-            </a:r>
-            <a:endParaRPr lang="pt-PT" sz="1400" b="0" strike="noStrike" spc="-1" dirty="0">
-              <a:latin typeface="Arial"/>
-            </a:endParaRPr>
-          </a:p>
-          <a:p>
-            <a:pPr>
-              <a:lnSpc>
-                <a:spcPct val="100000"/>
-              </a:lnSpc>
-              <a:buNone/>
-            </a:pPr>
-            <a:r>
-              <a:rPr lang="pt-PT" sz="1400" b="0" strike="noStrike" spc="-1" dirty="0">
-                <a:solidFill>
-                  <a:srgbClr val="000000"/>
-                </a:solidFill>
-                <a:latin typeface="Calibri Light"/>
-              </a:rPr>
-              <a:t>Ano letivo 2022/2023</a:t>
-            </a:r>
-            <a:endParaRPr lang="pt-PT" sz="1400" b="0" strike="noStrike" spc="-1" dirty="0">
-              <a:latin typeface="Arial"/>
-            </a:endParaRPr>
-          </a:p>
-        </p:txBody>
-      </p:sp>
-      <p:sp>
-        <p:nvSpPr>
-          <p:cNvPr id="4" name="PlaceHolder 3"/>
-          <p:cNvSpPr>
-            <a:spLocks noGrp="1"/>
-          </p:cNvSpPr>
-          <p:nvPr>
-            <p:ph type="sldNum" idx="6"/>
-          </p:nvPr>
-        </p:nvSpPr>
-        <p:spPr/>
-        <p:txBody>
-          <a:bodyPr/>
-          <a:lstStyle/>
-          <a:p>
-            <a:fld id="{68C5B714-CBED-454F-B095-C429FFC09AB2}" type="slidenum">
-              <a:rPr/>
-              <a:t>3</a:t>
-            </a:fld>
-            <a:endParaRPr/>
           </a:p>
         </p:txBody>
       </p:sp>
     </p:spTree>
+    <p:extLst>
+      <p:ext uri="{BB962C8B-B14F-4D97-AF65-F5344CB8AC3E}">
+        <p14:creationId xmlns:p14="http://schemas.microsoft.com/office/powerpoint/2010/main" val="2901004923"/>
+      </p:ext>
+    </p:extLst>
   </p:cSld>
   <p:clrMapOvr>
     <a:masterClrMapping/>
   </p:clrMapOvr>
-  <mc:AlternateContent xmlns:mc="http://schemas.openxmlformats.org/markup-compatibility/2006" xmlns:p14="http://schemas.microsoft.com/office/powerpoint/2010/main">
-    <mc:Choice Requires="p14">
-      <p:transition spd="med" p14:dur="700">
-        <p:fade/>
-      </p:transition>
-    </mc:Choice>
-    <mc:Fallback xmlns="" xmlns:p15="http://schemas.microsoft.com/office/powerpoint/2012/main">
-      <p:transition spd="med">
-        <p:fade/>
-      </p:transition>
-    </mc:Fallback>
-  </mc:AlternateContent>
 </p:sld>
 </file>
 
@@ -10129,7 +7722,13 @@
       </p:grpSpPr>
       <p:sp>
         <p:nvSpPr>
-          <p:cNvPr id="103" name="PlaceHolder 1"/>
+          <p:cNvPr id="2" name="Título 1">
+            <a:extLst>
+              <a:ext uri="{FF2B5EF4-FFF2-40B4-BE49-F238E27FC236}">
+                <a16:creationId xmlns:a16="http://schemas.microsoft.com/office/drawing/2014/main" id="{324112F5-2432-BDB5-D06C-2F5A0B7E6A59}"/>
+              </a:ext>
+            </a:extLst>
+          </p:cNvPr>
           <p:cNvSpPr>
             <a:spLocks noGrp="1"/>
           </p:cNvSpPr>
@@ -10137,5055 +7736,129 @@
             <p:ph type="title"/>
           </p:nvPr>
         </p:nvSpPr>
-        <p:spPr>
-          <a:xfrm>
-            <a:off x="1097280" y="286560"/>
-            <a:ext cx="10058040" cy="1450440"/>
-          </a:xfrm>
-          <a:prstGeom prst="rect">
-            <a:avLst/>
-          </a:prstGeom>
-          <a:noFill/>
-          <a:ln w="0">
-            <a:noFill/>
-          </a:ln>
-        </p:spPr>
-        <p:txBody>
-          <a:bodyPr anchor="b">
-            <a:noAutofit/>
-          </a:bodyPr>
-          <a:lstStyle/>
-          <a:p>
-            <a:pPr algn="ctr">
-              <a:lnSpc>
-                <a:spcPct val="85000"/>
-              </a:lnSpc>
-              <a:buNone/>
-            </a:pPr>
+        <p:spPr/>
+        <p:txBody>
+          <a:bodyPr/>
+          <a:lstStyle/>
+          <a:p>
             <a:r>
-              <a:rPr lang="pt-PT" sz="4800" b="0" strike="noStrike" spc="-52">
-                <a:solidFill>
-                  <a:srgbClr val="404040"/>
-                </a:solidFill>
-                <a:latin typeface="Calibri Light"/>
+              <a:rPr lang="pt-PT" dirty="0"/>
+              <a:t>2ª Fase</a:t>
+            </a:r>
+          </a:p>
+        </p:txBody>
+      </p:sp>
+      <p:sp>
+        <p:nvSpPr>
+          <p:cNvPr id="3" name="Subtítulo 2">
+            <a:extLst>
+              <a:ext uri="{FF2B5EF4-FFF2-40B4-BE49-F238E27FC236}">
+                <a16:creationId xmlns:a16="http://schemas.microsoft.com/office/drawing/2014/main" id="{318324A1-D183-EF1D-0DF0-809539956EE1}"/>
+              </a:ext>
+            </a:extLst>
+          </p:cNvPr>
+          <p:cNvSpPr>
+            <a:spLocks noGrp="1"/>
+          </p:cNvSpPr>
+          <p:nvPr>
+            <p:ph type="subTitle"/>
+          </p:nvPr>
+        </p:nvSpPr>
+        <p:spPr/>
+        <p:txBody>
+          <a:bodyPr/>
+          <a:lstStyle/>
+          <a:p>
+            <a:r>
+              <a:rPr lang="pt-PT" sz="2000" dirty="0">
+                <a:latin typeface="Calibri" panose="020F0502020204030204" pitchFamily="34" charset="0"/>
+                <a:cs typeface="Calibri" panose="020F0502020204030204" pitchFamily="34" charset="0"/>
               </a:rPr>
-              <a:t>Contextualização</a:t>
+              <a:t>Análise dos requisitos da app</a:t>
             </a:r>
-            <a:endParaRPr lang="en-US" sz="4800" b="0" strike="noStrike" spc="-1">
-              <a:solidFill>
-                <a:srgbClr val="000000"/>
-              </a:solidFill>
-              <a:latin typeface="Calibri"/>
+          </a:p>
+          <a:p>
+            <a:r>
+              <a:rPr lang="pt-PT" sz="2000" dirty="0">
+                <a:latin typeface="Calibri" panose="020F0502020204030204" pitchFamily="34" charset="0"/>
+                <a:cs typeface="Calibri" panose="020F0502020204030204" pitchFamily="34" charset="0"/>
+              </a:rPr>
+              <a:t>Exemplos de requisitos</a:t>
+            </a:r>
+          </a:p>
+          <a:p>
+            <a:r>
+              <a:rPr lang="pt-PT" sz="2000" dirty="0">
+                <a:latin typeface="Calibri" panose="020F0502020204030204" pitchFamily="34" charset="0"/>
+                <a:cs typeface="Calibri" panose="020F0502020204030204" pitchFamily="34" charset="0"/>
+              </a:rPr>
+              <a:t>Especificação detalhada do software</a:t>
+            </a:r>
+          </a:p>
+          <a:p>
+            <a:r>
+              <a:rPr lang="pt-PT" sz="2000" dirty="0">
+                <a:latin typeface="Calibri" panose="020F0502020204030204" pitchFamily="34" charset="0"/>
+                <a:cs typeface="Calibri" panose="020F0502020204030204" pitchFamily="34" charset="0"/>
+              </a:rPr>
+              <a:t>Especificação Use Cases</a:t>
+            </a:r>
+          </a:p>
+          <a:p>
+            <a:r>
+              <a:rPr lang="pt-PT" sz="2000" dirty="0">
+                <a:latin typeface="Calibri" panose="020F0502020204030204" pitchFamily="34" charset="0"/>
+                <a:cs typeface="Calibri" panose="020F0502020204030204" pitchFamily="34" charset="0"/>
+              </a:rPr>
+              <a:t>Modelo de Domínio</a:t>
+            </a:r>
+          </a:p>
+          <a:p>
+            <a:r>
+              <a:rPr lang="pt-PT" sz="2000" dirty="0">
+                <a:latin typeface="Calibri" panose="020F0502020204030204" pitchFamily="34" charset="0"/>
+                <a:cs typeface="Calibri" panose="020F0502020204030204" pitchFamily="34" charset="0"/>
+              </a:rPr>
+              <a:t>Diagrama de Use Cases</a:t>
+            </a:r>
+          </a:p>
+          <a:p>
+            <a:r>
+              <a:rPr lang="pt-PT" sz="2000" dirty="0">
+                <a:latin typeface="Calibri" panose="020F0502020204030204" pitchFamily="34" charset="0"/>
+                <a:cs typeface="Calibri" panose="020F0502020204030204" pitchFamily="34" charset="0"/>
+              </a:rPr>
+              <a:t>Diagrama de Atividades</a:t>
+            </a:r>
+          </a:p>
+          <a:p>
+            <a:r>
+              <a:rPr lang="pt-PT" sz="2000" dirty="0" err="1">
+                <a:latin typeface="Calibri" panose="020F0502020204030204" pitchFamily="34" charset="0"/>
+                <a:cs typeface="Calibri" panose="020F0502020204030204" pitchFamily="34" charset="0"/>
+              </a:rPr>
+              <a:t>Mockups</a:t>
+            </a:r>
+            <a:endParaRPr lang="pt-PT" sz="2000" dirty="0">
+              <a:latin typeface="Calibri" panose="020F0502020204030204" pitchFamily="34" charset="0"/>
+              <a:cs typeface="Calibri" panose="020F0502020204030204" pitchFamily="34" charset="0"/>
             </a:endParaRPr>
           </a:p>
-        </p:txBody>
-      </p:sp>
-      <p:sp>
-        <p:nvSpPr>
-          <p:cNvPr id="104" name="PlaceHolder 2"/>
-          <p:cNvSpPr>
-            <a:spLocks noGrp="1"/>
-          </p:cNvSpPr>
-          <p:nvPr>
-            <p:ph/>
-          </p:nvPr>
-        </p:nvSpPr>
-        <p:spPr>
-          <a:xfrm>
-            <a:off x="1097280" y="1845720"/>
-            <a:ext cx="10058040" cy="4023000"/>
-          </a:xfrm>
-          <a:prstGeom prst="rect">
-            <a:avLst/>
-          </a:prstGeom>
-          <a:noFill/>
-          <a:ln w="0">
-            <a:noFill/>
-          </a:ln>
-        </p:spPr>
-        <p:txBody>
-          <a:bodyPr lIns="0" rIns="0" anchor="t">
-            <a:noAutofit/>
-          </a:bodyPr>
-          <a:lstStyle/>
-          <a:p>
-            <a:pPr marL="384120" indent="-182880">
-              <a:lnSpc>
-                <a:spcPct val="90000"/>
-              </a:lnSpc>
-              <a:spcBef>
-                <a:spcPts val="201"/>
-              </a:spcBef>
-              <a:spcAft>
-                <a:spcPts val="400"/>
-              </a:spcAft>
-              <a:buClr>
-                <a:srgbClr val="E48312"/>
-              </a:buClr>
-              <a:buFont typeface="Calibri"/>
-              <a:buChar char="◦"/>
-            </a:pPr>
-            <a:r>
-              <a:rPr lang="en-US" sz="1800" b="0" strike="noStrike" spc="-1" dirty="0">
-                <a:solidFill>
-                  <a:srgbClr val="404040"/>
-                </a:solidFill>
-                <a:latin typeface="Calibri"/>
-              </a:rPr>
-              <a:t>Plataforma de </a:t>
-            </a:r>
-            <a:r>
-              <a:rPr lang="en-US" sz="1800" b="0" strike="noStrike" spc="-1" dirty="0" err="1">
-                <a:solidFill>
-                  <a:srgbClr val="404040"/>
-                </a:solidFill>
-                <a:latin typeface="Calibri"/>
-              </a:rPr>
-              <a:t>feiras</a:t>
-            </a:r>
-            <a:r>
-              <a:rPr lang="en-US" sz="1800" b="0" strike="noStrike" spc="-1" dirty="0">
-                <a:solidFill>
-                  <a:srgbClr val="404040"/>
-                </a:solidFill>
-                <a:latin typeface="Calibri"/>
-              </a:rPr>
-              <a:t> online</a:t>
-            </a:r>
-          </a:p>
-          <a:p>
-            <a:pPr marL="384120" indent="-182880">
-              <a:lnSpc>
-                <a:spcPct val="90000"/>
-              </a:lnSpc>
-              <a:spcBef>
-                <a:spcPts val="201"/>
-              </a:spcBef>
-              <a:spcAft>
-                <a:spcPts val="400"/>
-              </a:spcAft>
-              <a:buClr>
-                <a:srgbClr val="E48312"/>
-              </a:buClr>
-              <a:buFont typeface="Calibri"/>
-              <a:buChar char="◦"/>
-            </a:pPr>
-            <a:r>
-              <a:rPr lang="en-US" sz="1800" b="0" strike="noStrike" spc="-1" dirty="0" err="1">
-                <a:solidFill>
-                  <a:srgbClr val="404040"/>
-                </a:solidFill>
-                <a:latin typeface="Calibri"/>
-              </a:rPr>
-              <a:t>Desenvolvida</a:t>
-            </a:r>
-            <a:r>
-              <a:rPr lang="en-US" sz="1800" b="0" strike="noStrike" spc="-1" dirty="0">
-                <a:solidFill>
-                  <a:srgbClr val="404040"/>
-                </a:solidFill>
-                <a:latin typeface="Calibri"/>
-              </a:rPr>
-              <a:t> </a:t>
-            </a:r>
-            <a:r>
-              <a:rPr lang="en-US" sz="1800" b="0" strike="noStrike" spc="-1" dirty="0" err="1">
-                <a:solidFill>
-                  <a:srgbClr val="404040"/>
-                </a:solidFill>
-                <a:latin typeface="Calibri"/>
-              </a:rPr>
-              <a:t>em</a:t>
-            </a:r>
-            <a:r>
-              <a:rPr lang="en-US" sz="1800" b="0" strike="noStrike" spc="-1" dirty="0">
-                <a:solidFill>
-                  <a:srgbClr val="404040"/>
-                </a:solidFill>
-                <a:latin typeface="Calibri"/>
-              </a:rPr>
-              <a:t> 2020 </a:t>
-            </a:r>
-            <a:r>
-              <a:rPr lang="en-US" sz="1800" b="0" strike="noStrike" spc="-1" dirty="0" err="1">
-                <a:solidFill>
-                  <a:srgbClr val="404040"/>
-                </a:solidFill>
-                <a:latin typeface="Calibri"/>
-              </a:rPr>
-              <a:t>por</a:t>
-            </a:r>
-            <a:r>
-              <a:rPr lang="en-US" sz="1800" b="0" strike="noStrike" spc="-1" dirty="0">
-                <a:solidFill>
-                  <a:srgbClr val="404040"/>
-                </a:solidFill>
-                <a:latin typeface="Calibri"/>
-              </a:rPr>
-              <a:t> </a:t>
-            </a:r>
-            <a:r>
-              <a:rPr lang="en-US" sz="1800" b="0" strike="noStrike" spc="-1" dirty="0" err="1">
-                <a:solidFill>
-                  <a:srgbClr val="404040"/>
-                </a:solidFill>
-                <a:latin typeface="Calibri"/>
-              </a:rPr>
-              <a:t>estudantes</a:t>
-            </a:r>
-            <a:r>
-              <a:rPr lang="en-US" sz="1800" b="0" strike="noStrike" spc="-1" dirty="0">
-                <a:solidFill>
-                  <a:srgbClr val="404040"/>
-                </a:solidFill>
-                <a:latin typeface="Calibri"/>
-              </a:rPr>
-              <a:t> da </a:t>
-            </a:r>
-            <a:r>
-              <a:rPr lang="en-US" sz="1800" b="0" strike="noStrike" spc="-1" dirty="0" err="1">
-                <a:solidFill>
-                  <a:srgbClr val="404040"/>
-                </a:solidFill>
-                <a:latin typeface="Calibri"/>
-              </a:rPr>
-              <a:t>Universidade</a:t>
-            </a:r>
-            <a:r>
-              <a:rPr lang="en-US" sz="1800" b="0" strike="noStrike" spc="-1" dirty="0">
-                <a:solidFill>
-                  <a:srgbClr val="404040"/>
-                </a:solidFill>
-                <a:latin typeface="Calibri"/>
-              </a:rPr>
-              <a:t> do Minho</a:t>
-            </a:r>
-          </a:p>
-          <a:p>
-            <a:pPr marL="384120" indent="-182880">
-              <a:lnSpc>
-                <a:spcPct val="90000"/>
-              </a:lnSpc>
-              <a:spcBef>
-                <a:spcPts val="201"/>
-              </a:spcBef>
-              <a:spcAft>
-                <a:spcPts val="400"/>
-              </a:spcAft>
-              <a:buClr>
-                <a:srgbClr val="E48312"/>
-              </a:buClr>
-              <a:buFont typeface="Calibri"/>
-              <a:buChar char="◦"/>
-            </a:pPr>
-            <a:r>
-              <a:rPr lang="en-US" sz="1800" b="0" strike="noStrike" spc="-1" dirty="0">
-                <a:solidFill>
-                  <a:srgbClr val="404040"/>
-                </a:solidFill>
-                <a:latin typeface="Calibri"/>
-              </a:rPr>
-              <a:t>SARS-COV2</a:t>
-            </a:r>
-          </a:p>
-          <a:p>
-            <a:pPr marL="384120" indent="-182880">
-              <a:lnSpc>
-                <a:spcPct val="90000"/>
-              </a:lnSpc>
-              <a:spcBef>
-                <a:spcPts val="201"/>
-              </a:spcBef>
-              <a:spcAft>
-                <a:spcPts val="400"/>
-              </a:spcAft>
-              <a:buClr>
-                <a:srgbClr val="E48312"/>
-              </a:buClr>
-              <a:buFont typeface="Calibri"/>
-              <a:buChar char="◦"/>
-            </a:pPr>
-            <a:r>
-              <a:rPr lang="en-US" sz="1800" spc="-1" dirty="0" err="1">
-                <a:solidFill>
-                  <a:srgbClr val="404040"/>
-                </a:solidFill>
-                <a:latin typeface="Calibri"/>
-              </a:rPr>
-              <a:t>D</a:t>
-            </a:r>
-            <a:r>
-              <a:rPr lang="en-US" sz="1800" b="0" strike="noStrike" spc="-1" dirty="0" err="1">
-                <a:solidFill>
-                  <a:srgbClr val="404040"/>
-                </a:solidFill>
-                <a:latin typeface="Calibri"/>
-              </a:rPr>
-              <a:t>iversos</a:t>
-            </a:r>
-            <a:r>
-              <a:rPr lang="en-US" sz="1800" b="0" strike="noStrike" spc="-1" dirty="0">
-                <a:solidFill>
-                  <a:srgbClr val="404040"/>
-                </a:solidFill>
-                <a:latin typeface="Calibri"/>
-              </a:rPr>
-              <a:t> </a:t>
-            </a:r>
-            <a:r>
-              <a:rPr lang="en-US" sz="1800" b="0" strike="noStrike" spc="-1" dirty="0" err="1">
-                <a:solidFill>
-                  <a:srgbClr val="404040"/>
-                </a:solidFill>
-                <a:latin typeface="Calibri"/>
-              </a:rPr>
-              <a:t>tipos</a:t>
-            </a:r>
-            <a:r>
-              <a:rPr lang="en-US" sz="1800" b="0" strike="noStrike" spc="-1" dirty="0">
-                <a:solidFill>
-                  <a:srgbClr val="404040"/>
-                </a:solidFill>
-                <a:latin typeface="Calibri"/>
-              </a:rPr>
-              <a:t> de </a:t>
-            </a:r>
-            <a:r>
-              <a:rPr lang="en-US" sz="1800" b="0" strike="noStrike" spc="-1" dirty="0" err="1">
-                <a:solidFill>
-                  <a:srgbClr val="404040"/>
-                </a:solidFill>
-                <a:latin typeface="Calibri"/>
-              </a:rPr>
-              <a:t>certames</a:t>
-            </a:r>
-            <a:r>
-              <a:rPr lang="en-US" sz="1800" b="0" strike="noStrike" spc="-1" dirty="0">
-                <a:solidFill>
-                  <a:srgbClr val="404040"/>
-                </a:solidFill>
-                <a:latin typeface="Calibri"/>
-              </a:rPr>
-              <a:t> </a:t>
-            </a:r>
-            <a:r>
-              <a:rPr lang="en-US" sz="1800" b="0" strike="noStrike" spc="-1" dirty="0" err="1">
-                <a:solidFill>
-                  <a:srgbClr val="404040"/>
-                </a:solidFill>
-                <a:latin typeface="Calibri"/>
-              </a:rPr>
-              <a:t>comerciais</a:t>
-            </a:r>
-            <a:endParaRPr lang="en-US" sz="1800" b="0" strike="noStrike" spc="-1" dirty="0">
-              <a:solidFill>
-                <a:srgbClr val="404040"/>
-              </a:solidFill>
-              <a:latin typeface="Calibri"/>
-            </a:endParaRPr>
-          </a:p>
-          <a:p>
-            <a:pPr marL="384120" indent="-182880">
-              <a:lnSpc>
-                <a:spcPct val="90000"/>
-              </a:lnSpc>
-              <a:spcBef>
-                <a:spcPts val="201"/>
-              </a:spcBef>
-              <a:spcAft>
-                <a:spcPts val="400"/>
-              </a:spcAft>
-              <a:buClr>
-                <a:srgbClr val="E48312"/>
-              </a:buClr>
-              <a:buFont typeface="Calibri"/>
-              <a:buChar char="◦"/>
-            </a:pPr>
-            <a:r>
-              <a:rPr lang="en-US" sz="1800" b="0" strike="noStrike" spc="-1" dirty="0" err="1">
-                <a:solidFill>
-                  <a:srgbClr val="404040"/>
-                </a:solidFill>
-                <a:latin typeface="Calibri"/>
-              </a:rPr>
-              <a:t>Os</a:t>
-            </a:r>
-            <a:r>
-              <a:rPr lang="en-US" sz="1800" b="0" strike="noStrike" spc="-1" dirty="0">
-                <a:solidFill>
-                  <a:srgbClr val="404040"/>
-                </a:solidFill>
-                <a:latin typeface="Calibri"/>
-              </a:rPr>
-              <a:t> </a:t>
-            </a:r>
-            <a:r>
-              <a:rPr lang="en-US" sz="1800" b="0" strike="noStrike" spc="-1" dirty="0" err="1">
-                <a:solidFill>
-                  <a:srgbClr val="404040"/>
-                </a:solidFill>
-                <a:latin typeface="Calibri"/>
-              </a:rPr>
-              <a:t>utilizadores</a:t>
-            </a:r>
-            <a:r>
-              <a:rPr lang="en-US" sz="1800" b="0" strike="noStrike" spc="-1" dirty="0">
-                <a:solidFill>
-                  <a:srgbClr val="404040"/>
-                </a:solidFill>
-                <a:latin typeface="Calibri"/>
-              </a:rPr>
-              <a:t> </a:t>
-            </a:r>
-            <a:r>
-              <a:rPr lang="en-US" sz="1800" b="0" strike="noStrike" spc="-1" dirty="0" err="1">
-                <a:solidFill>
-                  <a:srgbClr val="404040"/>
-                </a:solidFill>
-                <a:latin typeface="Calibri"/>
-              </a:rPr>
-              <a:t>podem</a:t>
-            </a:r>
-            <a:r>
-              <a:rPr lang="en-US" sz="1800" b="0" strike="noStrike" spc="-1" dirty="0">
-                <a:solidFill>
-                  <a:srgbClr val="404040"/>
-                </a:solidFill>
-                <a:latin typeface="Calibri"/>
-              </a:rPr>
-              <a:t> </a:t>
-            </a:r>
-            <a:r>
-              <a:rPr lang="en-US" sz="1800" b="0" strike="noStrike" spc="-1" dirty="0" err="1">
-                <a:solidFill>
-                  <a:srgbClr val="404040"/>
-                </a:solidFill>
-                <a:latin typeface="Calibri"/>
-              </a:rPr>
-              <a:t>escolher</a:t>
-            </a:r>
-            <a:r>
-              <a:rPr lang="en-US" sz="1800" b="0" strike="noStrike" spc="-1" dirty="0">
-                <a:solidFill>
-                  <a:srgbClr val="404040"/>
-                </a:solidFill>
-                <a:latin typeface="Calibri"/>
-              </a:rPr>
-              <a:t> qual o </a:t>
-            </a:r>
-            <a:r>
-              <a:rPr lang="en-US" sz="1800" b="0" strike="noStrike" spc="-1" dirty="0" err="1">
-                <a:solidFill>
-                  <a:srgbClr val="404040"/>
-                </a:solidFill>
-                <a:latin typeface="Calibri"/>
-              </a:rPr>
-              <a:t>certame</a:t>
-            </a:r>
-            <a:r>
-              <a:rPr lang="en-US" sz="1800" b="0" strike="noStrike" spc="-1" dirty="0">
-                <a:solidFill>
-                  <a:srgbClr val="404040"/>
-                </a:solidFill>
-                <a:latin typeface="Calibri"/>
-              </a:rPr>
-              <a:t> que </a:t>
-            </a:r>
-            <a:r>
-              <a:rPr lang="en-US" sz="1800" b="0" strike="noStrike" spc="-1" dirty="0" err="1">
-                <a:solidFill>
-                  <a:srgbClr val="404040"/>
-                </a:solidFill>
-                <a:latin typeface="Calibri"/>
-              </a:rPr>
-              <a:t>querem</a:t>
-            </a:r>
-            <a:r>
-              <a:rPr lang="en-US" sz="1800" b="0" strike="noStrike" spc="-1" dirty="0">
-                <a:solidFill>
-                  <a:srgbClr val="404040"/>
-                </a:solidFill>
-                <a:latin typeface="Calibri"/>
-              </a:rPr>
-              <a:t> </a:t>
-            </a:r>
-            <a:r>
-              <a:rPr lang="en-US" sz="1800" b="0" strike="noStrike" spc="-1" dirty="0" err="1">
-                <a:solidFill>
-                  <a:srgbClr val="404040"/>
-                </a:solidFill>
-                <a:latin typeface="Calibri"/>
-              </a:rPr>
-              <a:t>visitar</a:t>
-            </a:r>
-            <a:r>
-              <a:rPr lang="en-US" sz="1800" b="0" strike="noStrike" spc="-1" dirty="0">
-                <a:solidFill>
-                  <a:srgbClr val="404040"/>
-                </a:solidFill>
-                <a:latin typeface="Calibri"/>
-              </a:rPr>
-              <a:t> e a </a:t>
-            </a:r>
-            <a:r>
-              <a:rPr lang="en-US" sz="1800" b="0" strike="noStrike" spc="-1" dirty="0" err="1">
-                <a:solidFill>
-                  <a:srgbClr val="404040"/>
-                </a:solidFill>
-                <a:latin typeface="Calibri"/>
-              </a:rPr>
-              <a:t>partir</a:t>
-            </a:r>
-            <a:r>
-              <a:rPr lang="en-US" sz="1800" b="0" strike="noStrike" spc="-1" dirty="0">
-                <a:solidFill>
-                  <a:srgbClr val="404040"/>
-                </a:solidFill>
-                <a:latin typeface="Calibri"/>
-              </a:rPr>
-              <a:t> </a:t>
-            </a:r>
-            <a:r>
-              <a:rPr lang="en-US" sz="1800" b="0" strike="noStrike" spc="-1" dirty="0" err="1">
-                <a:solidFill>
-                  <a:srgbClr val="404040"/>
-                </a:solidFill>
-                <a:latin typeface="Calibri"/>
-              </a:rPr>
-              <a:t>daí</a:t>
-            </a:r>
-            <a:r>
-              <a:rPr lang="en-US" sz="1800" b="0" strike="noStrike" spc="-1" dirty="0">
-                <a:solidFill>
-                  <a:srgbClr val="404040"/>
-                </a:solidFill>
-                <a:latin typeface="Calibri"/>
-              </a:rPr>
-              <a:t> </a:t>
-            </a:r>
-            <a:r>
-              <a:rPr lang="en-US" sz="1800" b="0" strike="noStrike" spc="-1" dirty="0" err="1">
-                <a:solidFill>
-                  <a:srgbClr val="404040"/>
-                </a:solidFill>
-                <a:latin typeface="Calibri"/>
-              </a:rPr>
-              <a:t>fazem</a:t>
-            </a:r>
-            <a:r>
-              <a:rPr lang="en-US" sz="1800" b="0" strike="noStrike" spc="-1" dirty="0">
-                <a:solidFill>
-                  <a:srgbClr val="404040"/>
-                </a:solidFill>
-                <a:latin typeface="Calibri"/>
-              </a:rPr>
-              <a:t> as </a:t>
-            </a:r>
-            <a:r>
-              <a:rPr lang="en-US" sz="1800" b="0" strike="noStrike" spc="-1" dirty="0" err="1">
-                <a:solidFill>
-                  <a:srgbClr val="404040"/>
-                </a:solidFill>
-                <a:latin typeface="Calibri"/>
-              </a:rPr>
-              <a:t>suas</a:t>
-            </a:r>
-            <a:r>
-              <a:rPr lang="en-US" sz="1800" b="0" strike="noStrike" spc="-1" dirty="0">
-                <a:solidFill>
-                  <a:srgbClr val="404040"/>
-                </a:solidFill>
-                <a:latin typeface="Calibri"/>
-              </a:rPr>
-              <a:t> </a:t>
-            </a:r>
-            <a:r>
-              <a:rPr lang="en-US" sz="1800" b="0" strike="noStrike" spc="-1" dirty="0" err="1">
-                <a:solidFill>
-                  <a:srgbClr val="404040"/>
-                </a:solidFill>
-                <a:latin typeface="Calibri"/>
-              </a:rPr>
-              <a:t>compras</a:t>
-            </a:r>
-            <a:r>
-              <a:rPr lang="en-US" sz="1800" b="0" strike="noStrike" spc="-1" dirty="0">
-                <a:solidFill>
-                  <a:srgbClr val="404040"/>
-                </a:solidFill>
-                <a:latin typeface="Calibri"/>
-              </a:rPr>
-              <a:t> de </a:t>
-            </a:r>
-            <a:r>
-              <a:rPr lang="en-US" sz="1800" b="0" strike="noStrike" spc="-1" dirty="0" err="1">
-                <a:solidFill>
-                  <a:srgbClr val="404040"/>
-                </a:solidFill>
-                <a:latin typeface="Calibri"/>
-              </a:rPr>
-              <a:t>acordo</a:t>
-            </a:r>
-            <a:r>
-              <a:rPr lang="en-US" sz="1800" b="0" strike="noStrike" spc="-1" dirty="0">
-                <a:solidFill>
-                  <a:srgbClr val="404040"/>
-                </a:solidFill>
-                <a:latin typeface="Calibri"/>
-              </a:rPr>
-              <a:t> com as </a:t>
-            </a:r>
-            <a:r>
-              <a:rPr lang="en-US" sz="1800" b="0" strike="noStrike" spc="-1" dirty="0" err="1">
-                <a:solidFill>
-                  <a:srgbClr val="404040"/>
-                </a:solidFill>
-                <a:latin typeface="Calibri"/>
-              </a:rPr>
-              <a:t>suas</a:t>
-            </a:r>
-            <a:r>
-              <a:rPr lang="en-US" sz="1800" b="0" strike="noStrike" spc="-1" dirty="0">
-                <a:solidFill>
-                  <a:srgbClr val="404040"/>
-                </a:solidFill>
-                <a:latin typeface="Calibri"/>
-              </a:rPr>
-              <a:t> </a:t>
-            </a:r>
-            <a:r>
-              <a:rPr lang="en-US" sz="1800" b="0" strike="noStrike" spc="-1" dirty="0" err="1">
-                <a:solidFill>
-                  <a:srgbClr val="404040"/>
-                </a:solidFill>
-                <a:latin typeface="Calibri"/>
-              </a:rPr>
-              <a:t>necessidades</a:t>
-            </a:r>
-            <a:r>
-              <a:rPr lang="en-US" sz="1800" b="0" strike="noStrike" spc="-1" dirty="0">
-                <a:solidFill>
-                  <a:srgbClr val="404040"/>
-                </a:solidFill>
-                <a:latin typeface="Calibri"/>
-              </a:rPr>
-              <a:t> e </a:t>
-            </a:r>
-            <a:r>
-              <a:rPr lang="en-US" sz="1800" b="0" strike="noStrike" spc="-1" dirty="0" err="1">
-                <a:solidFill>
-                  <a:srgbClr val="404040"/>
-                </a:solidFill>
-                <a:latin typeface="Calibri"/>
-              </a:rPr>
-              <a:t>preferências</a:t>
-            </a:r>
-            <a:r>
-              <a:rPr lang="en-US" sz="1800" b="0" strike="noStrike" spc="-1" dirty="0">
-                <a:solidFill>
-                  <a:srgbClr val="404040"/>
-                </a:solidFill>
-                <a:latin typeface="Calibri"/>
-              </a:rPr>
-              <a:t>. </a:t>
-            </a:r>
-          </a:p>
-        </p:txBody>
-      </p:sp>
-      <p:pic>
-        <p:nvPicPr>
-          <p:cNvPr id="105" name="Picture 4"/>
-          <p:cNvPicPr/>
-          <p:nvPr/>
-        </p:nvPicPr>
-        <p:blipFill>
-          <a:blip r:embed="rId2"/>
-          <a:stretch/>
-        </p:blipFill>
-        <p:spPr>
-          <a:xfrm>
-            <a:off x="163440" y="140400"/>
-            <a:ext cx="1247760" cy="621720"/>
-          </a:xfrm>
-          <a:prstGeom prst="rect">
-            <a:avLst/>
-          </a:prstGeom>
-          <a:ln w="0">
-            <a:noFill/>
-          </a:ln>
-        </p:spPr>
-      </p:pic>
-      <p:sp>
-        <p:nvSpPr>
-          <p:cNvPr id="106" name="TextBox 5"/>
-          <p:cNvSpPr/>
-          <p:nvPr/>
-        </p:nvSpPr>
-        <p:spPr>
-          <a:xfrm>
-            <a:off x="1411560" y="177480"/>
-            <a:ext cx="3071160" cy="521766"/>
-          </a:xfrm>
-          <a:prstGeom prst="rect">
-            <a:avLst/>
-          </a:prstGeom>
-          <a:noFill/>
-          <a:ln w="0">
-            <a:noFill/>
-          </a:ln>
-        </p:spPr>
-        <p:style>
-          <a:lnRef idx="0">
-            <a:scrgbClr r="0" g="0" b="0"/>
-          </a:lnRef>
-          <a:fillRef idx="0">
-            <a:scrgbClr r="0" g="0" b="0"/>
-          </a:fillRef>
-          <a:effectRef idx="0">
-            <a:scrgbClr r="0" g="0" b="0"/>
-          </a:effectRef>
-          <a:fontRef idx="minor"/>
-        </p:style>
-        <p:txBody>
-          <a:bodyPr lIns="90000" tIns="45000" rIns="90000" bIns="45000" anchor="t">
-            <a:spAutoFit/>
-          </a:bodyPr>
-          <a:lstStyle/>
-          <a:p>
-            <a:pPr>
-              <a:lnSpc>
-                <a:spcPct val="100000"/>
-              </a:lnSpc>
-              <a:buNone/>
-            </a:pPr>
-            <a:r>
-              <a:rPr lang="pt-PT" sz="1400" b="0" strike="noStrike" spc="-1" dirty="0">
-                <a:solidFill>
-                  <a:srgbClr val="000000"/>
-                </a:solidFill>
-                <a:latin typeface="Calibri Light"/>
-              </a:rPr>
-              <a:t>Laboratórios de Informática IV </a:t>
-            </a:r>
-            <a:endParaRPr lang="pt-PT" sz="1400" b="0" strike="noStrike" spc="-1" dirty="0">
-              <a:latin typeface="Arial"/>
-            </a:endParaRPr>
-          </a:p>
-          <a:p>
-            <a:pPr>
-              <a:lnSpc>
-                <a:spcPct val="100000"/>
-              </a:lnSpc>
-              <a:buNone/>
-            </a:pPr>
-            <a:r>
-              <a:rPr lang="pt-PT" sz="1400" b="0" strike="noStrike" spc="-1" dirty="0">
-                <a:solidFill>
-                  <a:srgbClr val="000000"/>
-                </a:solidFill>
-                <a:latin typeface="Calibri Light"/>
-              </a:rPr>
-              <a:t>Ano letivo 2022/2023</a:t>
-            </a:r>
-            <a:endParaRPr lang="pt-PT" sz="1400" b="0" strike="noStrike" spc="-1" dirty="0">
-              <a:latin typeface="Arial"/>
-            </a:endParaRPr>
-          </a:p>
-        </p:txBody>
-      </p:sp>
-      <p:sp>
-        <p:nvSpPr>
-          <p:cNvPr id="4" name="PlaceHolder 3"/>
-          <p:cNvSpPr>
-            <a:spLocks noGrp="1"/>
-          </p:cNvSpPr>
-          <p:nvPr>
-            <p:ph type="sldNum" idx="6"/>
-          </p:nvPr>
-        </p:nvSpPr>
-        <p:spPr/>
-        <p:txBody>
-          <a:bodyPr/>
-          <a:lstStyle/>
-          <a:p>
-            <a:fld id="{780EFCD9-12FD-4448-9813-22B0C6A7FF99}" type="slidenum">
-              <a:rPr/>
-              <a:t>4</a:t>
-            </a:fld>
-            <a:endParaRPr/>
+          <a:p>
+            <a:endParaRPr lang="pt-PT" dirty="0"/>
           </a:p>
         </p:txBody>
       </p:sp>
     </p:spTree>
+    <p:extLst>
+      <p:ext uri="{BB962C8B-B14F-4D97-AF65-F5344CB8AC3E}">
+        <p14:creationId xmlns:p14="http://schemas.microsoft.com/office/powerpoint/2010/main" val="3067427015"/>
+      </p:ext>
+    </p:extLst>
   </p:cSld>
   <p:clrMapOvr>
     <a:masterClrMapping/>
   </p:clrMapOvr>
-  <mc:AlternateContent xmlns:mc="http://schemas.openxmlformats.org/markup-compatibility/2006" xmlns:p14="http://schemas.microsoft.com/office/powerpoint/2010/main">
-    <mc:Choice Requires="p14">
-      <p:transition spd="med" p14:dur="700">
-        <p:fade/>
-      </p:transition>
-    </mc:Choice>
-    <mc:Fallback xmlns="" xmlns:p15="http://schemas.microsoft.com/office/powerpoint/2012/main">
-      <p:transition spd="med">
-        <p:fade/>
-      </p:transition>
-    </mc:Fallback>
-  </mc:AlternateContent>
-</p:sld>
-</file>
-
-<file path=ppt/slides/slide5.xml><?xml version="1.0" encoding="utf-8"?>
-<p:sld xmlns:a="http://schemas.openxmlformats.org/drawingml/2006/main" xmlns:r="http://schemas.openxmlformats.org/officeDocument/2006/relationships" xmlns:p="http://schemas.openxmlformats.org/presentationml/2006/main">
-  <p:cSld>
-    <p:spTree>
-      <p:nvGrpSpPr>
-        <p:cNvPr id="1" name=""/>
-        <p:cNvGrpSpPr/>
-        <p:nvPr/>
-      </p:nvGrpSpPr>
-      <p:grpSpPr>
-        <a:xfrm>
-          <a:off x="0" y="0"/>
-          <a:ext cx="0" cy="0"/>
-          <a:chOff x="0" y="0"/>
-          <a:chExt cx="0" cy="0"/>
-        </a:xfrm>
-      </p:grpSpPr>
-      <p:sp>
-        <p:nvSpPr>
-          <p:cNvPr id="107" name="PlaceHolder 1"/>
-          <p:cNvSpPr>
-            <a:spLocks noGrp="1"/>
-          </p:cNvSpPr>
-          <p:nvPr>
-            <p:ph type="title"/>
-          </p:nvPr>
-        </p:nvSpPr>
-        <p:spPr>
-          <a:xfrm>
-            <a:off x="1097280" y="286560"/>
-            <a:ext cx="10058040" cy="1450440"/>
-          </a:xfrm>
-          <a:prstGeom prst="rect">
-            <a:avLst/>
-          </a:prstGeom>
-          <a:noFill/>
-          <a:ln w="0">
-            <a:noFill/>
-          </a:ln>
-        </p:spPr>
-        <p:txBody>
-          <a:bodyPr anchor="b">
-            <a:noAutofit/>
-          </a:bodyPr>
-          <a:lstStyle/>
-          <a:p>
-            <a:pPr algn="ctr">
-              <a:lnSpc>
-                <a:spcPct val="85000"/>
-              </a:lnSpc>
-              <a:buNone/>
-            </a:pPr>
-            <a:r>
-              <a:rPr lang="pt-PT" sz="4800" b="0" strike="noStrike" spc="-52">
-                <a:solidFill>
-                  <a:srgbClr val="404040"/>
-                </a:solidFill>
-                <a:latin typeface="Calibri Light"/>
-              </a:rPr>
-              <a:t>Fundamentação</a:t>
-            </a:r>
-            <a:endParaRPr lang="en-US" sz="4800" b="0" strike="noStrike" spc="-1">
-              <a:solidFill>
-                <a:srgbClr val="000000"/>
-              </a:solidFill>
-              <a:latin typeface="Calibri"/>
-            </a:endParaRPr>
-          </a:p>
-        </p:txBody>
-      </p:sp>
-      <p:sp>
-        <p:nvSpPr>
-          <p:cNvPr id="108" name="PlaceHolder 2"/>
-          <p:cNvSpPr>
-            <a:spLocks noGrp="1"/>
-          </p:cNvSpPr>
-          <p:nvPr>
-            <p:ph/>
-          </p:nvPr>
-        </p:nvSpPr>
-        <p:spPr>
-          <a:xfrm>
-            <a:off x="1097280" y="1845720"/>
-            <a:ext cx="10058040" cy="4023000"/>
-          </a:xfrm>
-          <a:prstGeom prst="rect">
-            <a:avLst/>
-          </a:prstGeom>
-          <a:noFill/>
-          <a:ln w="0">
-            <a:noFill/>
-          </a:ln>
-        </p:spPr>
-        <p:txBody>
-          <a:bodyPr lIns="0" rIns="0" anchor="t">
-            <a:noAutofit/>
-          </a:bodyPr>
-          <a:lstStyle/>
-          <a:p>
-            <a:pPr marL="384120" indent="-182880">
-              <a:lnSpc>
-                <a:spcPct val="90000"/>
-              </a:lnSpc>
-              <a:spcBef>
-                <a:spcPts val="201"/>
-              </a:spcBef>
-              <a:spcAft>
-                <a:spcPts val="400"/>
-              </a:spcAft>
-              <a:buClr>
-                <a:srgbClr val="E48312"/>
-              </a:buClr>
-              <a:buFont typeface="Calibri"/>
-              <a:buChar char="◦"/>
-            </a:pPr>
-            <a:r>
-              <a:rPr lang="en-US" sz="1800" b="0" strike="noStrike" spc="-1" dirty="0">
-                <a:solidFill>
-                  <a:srgbClr val="404040"/>
-                </a:solidFill>
-                <a:latin typeface="Calibri"/>
-              </a:rPr>
-              <a:t>O software </a:t>
-            </a:r>
-            <a:r>
-              <a:rPr lang="en-US" sz="1800" b="0" strike="noStrike" spc="-1" dirty="0" err="1">
-                <a:solidFill>
-                  <a:srgbClr val="404040"/>
-                </a:solidFill>
-                <a:latin typeface="Calibri"/>
-              </a:rPr>
-              <a:t>foi</a:t>
-            </a:r>
-            <a:r>
-              <a:rPr lang="en-US" sz="1800" b="0" strike="noStrike" spc="-1" dirty="0">
-                <a:solidFill>
-                  <a:srgbClr val="404040"/>
-                </a:solidFill>
-                <a:latin typeface="Calibri"/>
-              </a:rPr>
-              <a:t> </a:t>
-            </a:r>
-            <a:r>
-              <a:rPr lang="en-US" sz="1800" b="0" strike="noStrike" spc="-1" dirty="0" err="1">
-                <a:solidFill>
-                  <a:srgbClr val="404040"/>
-                </a:solidFill>
-                <a:latin typeface="Calibri"/>
-              </a:rPr>
-              <a:t>pensado</a:t>
-            </a:r>
-            <a:r>
-              <a:rPr lang="en-US" sz="1800" b="0" strike="noStrike" spc="-1" dirty="0">
-                <a:solidFill>
-                  <a:srgbClr val="404040"/>
-                </a:solidFill>
-                <a:latin typeface="Calibri"/>
-              </a:rPr>
-              <a:t> e </a:t>
-            </a:r>
-            <a:r>
-              <a:rPr lang="en-US" sz="1800" b="0" strike="noStrike" spc="-1" dirty="0" err="1">
-                <a:solidFill>
-                  <a:srgbClr val="404040"/>
-                </a:solidFill>
-                <a:latin typeface="Calibri"/>
-              </a:rPr>
-              <a:t>criado</a:t>
-            </a:r>
-            <a:r>
-              <a:rPr lang="en-US" sz="1800" b="0" strike="noStrike" spc="-1" dirty="0">
-                <a:solidFill>
-                  <a:srgbClr val="404040"/>
-                </a:solidFill>
-                <a:latin typeface="Calibri"/>
-              </a:rPr>
-              <a:t> </a:t>
-            </a:r>
-            <a:r>
-              <a:rPr lang="en-US" sz="1800" b="0" strike="noStrike" spc="-1" dirty="0" err="1">
-                <a:solidFill>
-                  <a:srgbClr val="404040"/>
-                </a:solidFill>
-                <a:latin typeface="Calibri"/>
-              </a:rPr>
-              <a:t>numa</a:t>
-            </a:r>
-            <a:r>
-              <a:rPr lang="en-US" sz="1800" b="0" strike="noStrike" spc="-1" dirty="0">
-                <a:solidFill>
-                  <a:srgbClr val="404040"/>
-                </a:solidFill>
-                <a:latin typeface="Calibri"/>
-              </a:rPr>
-              <a:t> </a:t>
-            </a:r>
-            <a:r>
-              <a:rPr lang="en-US" sz="1800" b="0" strike="noStrike" spc="-1" dirty="0" err="1">
-                <a:solidFill>
-                  <a:srgbClr val="404040"/>
-                </a:solidFill>
-                <a:latin typeface="Calibri"/>
-              </a:rPr>
-              <a:t>situação</a:t>
-            </a:r>
-            <a:r>
-              <a:rPr lang="en-US" sz="1800" b="0" strike="noStrike" spc="-1" dirty="0">
-                <a:solidFill>
-                  <a:srgbClr val="404040"/>
-                </a:solidFill>
-                <a:latin typeface="Calibri"/>
-              </a:rPr>
-              <a:t> </a:t>
-            </a:r>
-            <a:r>
-              <a:rPr lang="en-US" sz="1800" b="0" strike="noStrike" spc="-1" dirty="0" err="1">
-                <a:solidFill>
-                  <a:srgbClr val="404040"/>
-                </a:solidFill>
-                <a:latin typeface="Calibri"/>
-              </a:rPr>
-              <a:t>pandémica</a:t>
-            </a:r>
-            <a:r>
-              <a:rPr lang="en-US" sz="1800" b="0" strike="noStrike" spc="-1" dirty="0">
-                <a:solidFill>
-                  <a:srgbClr val="404040"/>
-                </a:solidFill>
-                <a:latin typeface="Calibri"/>
-              </a:rPr>
-              <a:t>, de modo a </a:t>
-            </a:r>
-            <a:r>
-              <a:rPr lang="en-US" sz="1800" b="0" strike="noStrike" spc="-1" dirty="0" err="1">
-                <a:solidFill>
-                  <a:srgbClr val="404040"/>
-                </a:solidFill>
-                <a:latin typeface="Calibri"/>
-              </a:rPr>
-              <a:t>permitir</a:t>
-            </a:r>
-            <a:r>
-              <a:rPr lang="en-US" sz="1800" b="0" strike="noStrike" spc="-1" dirty="0">
-                <a:solidFill>
-                  <a:srgbClr val="404040"/>
-                </a:solidFill>
-                <a:latin typeface="Calibri"/>
-              </a:rPr>
-              <a:t> um </a:t>
-            </a:r>
-            <a:r>
-              <a:rPr lang="en-US" sz="1800" b="0" strike="noStrike" spc="-1" dirty="0" err="1">
-                <a:solidFill>
-                  <a:srgbClr val="404040"/>
-                </a:solidFill>
-                <a:latin typeface="Calibri"/>
-              </a:rPr>
-              <a:t>maior</a:t>
-            </a:r>
-            <a:r>
-              <a:rPr lang="en-US" sz="1800" b="0" strike="noStrike" spc="-1" dirty="0">
-                <a:solidFill>
-                  <a:srgbClr val="404040"/>
-                </a:solidFill>
-                <a:latin typeface="Calibri"/>
-              </a:rPr>
-              <a:t> </a:t>
-            </a:r>
-            <a:r>
-              <a:rPr lang="en-US" sz="1800" b="0" strike="noStrike" spc="-1" dirty="0" err="1">
-                <a:solidFill>
-                  <a:srgbClr val="404040"/>
-                </a:solidFill>
-                <a:latin typeface="Calibri"/>
-              </a:rPr>
-              <a:t>alcance</a:t>
-            </a:r>
-            <a:r>
-              <a:rPr lang="en-US" sz="1800" b="0" strike="noStrike" spc="-1" dirty="0">
-                <a:solidFill>
-                  <a:srgbClr val="404040"/>
-                </a:solidFill>
-                <a:latin typeface="Calibri"/>
-              </a:rPr>
-              <a:t> e </a:t>
-            </a:r>
-            <a:r>
-              <a:rPr lang="en-US" sz="1800" b="0" strike="noStrike" spc="-1" dirty="0" err="1">
-                <a:solidFill>
-                  <a:srgbClr val="404040"/>
-                </a:solidFill>
-                <a:latin typeface="Calibri"/>
-              </a:rPr>
-              <a:t>facilidade</a:t>
-            </a:r>
-            <a:r>
-              <a:rPr lang="en-US" sz="1800" b="0" strike="noStrike" spc="-1" dirty="0">
-                <a:solidFill>
-                  <a:srgbClr val="404040"/>
-                </a:solidFill>
-                <a:latin typeface="Calibri"/>
-              </a:rPr>
-              <a:t> de </a:t>
-            </a:r>
-            <a:r>
-              <a:rPr lang="en-US" sz="1800" b="0" strike="noStrike" spc="-1" dirty="0" err="1">
-                <a:solidFill>
-                  <a:srgbClr val="404040"/>
-                </a:solidFill>
-                <a:latin typeface="Calibri"/>
-              </a:rPr>
-              <a:t>vendas</a:t>
-            </a:r>
-            <a:r>
-              <a:rPr lang="en-US" sz="1800" b="0" strike="noStrike" spc="-1" dirty="0">
-                <a:solidFill>
-                  <a:srgbClr val="404040"/>
-                </a:solidFill>
-                <a:latin typeface="Calibri"/>
-              </a:rPr>
-              <a:t> </a:t>
-            </a:r>
-            <a:r>
-              <a:rPr lang="en-US" sz="1800" b="0" strike="noStrike" spc="-1" dirty="0" err="1">
-                <a:solidFill>
-                  <a:srgbClr val="404040"/>
-                </a:solidFill>
-                <a:latin typeface="Calibri"/>
-              </a:rPr>
-              <a:t>durante</a:t>
-            </a:r>
-            <a:r>
-              <a:rPr lang="en-US" sz="1800" b="0" strike="noStrike" spc="-1" dirty="0">
-                <a:solidFill>
-                  <a:srgbClr val="404040"/>
-                </a:solidFill>
-                <a:latin typeface="Calibri"/>
-              </a:rPr>
-              <a:t> o </a:t>
-            </a:r>
-            <a:r>
-              <a:rPr lang="en-US" sz="1800" b="0" strike="noStrike" spc="-1" dirty="0" err="1">
-                <a:solidFill>
-                  <a:srgbClr val="404040"/>
-                </a:solidFill>
-                <a:latin typeface="Calibri"/>
-              </a:rPr>
-              <a:t>período</a:t>
-            </a:r>
-            <a:r>
-              <a:rPr lang="en-US" sz="1800" b="0" strike="noStrike" spc="-1" dirty="0">
-                <a:solidFill>
-                  <a:srgbClr val="404040"/>
-                </a:solidFill>
-                <a:latin typeface="Calibri"/>
-              </a:rPr>
-              <a:t> de </a:t>
-            </a:r>
-            <a:r>
-              <a:rPr lang="en-US" sz="1800" b="0" strike="noStrike" spc="-1" dirty="0" err="1">
-                <a:solidFill>
-                  <a:srgbClr val="404040"/>
-                </a:solidFill>
-                <a:latin typeface="Calibri"/>
-              </a:rPr>
-              <a:t>confinamento</a:t>
-            </a:r>
-            <a:r>
-              <a:rPr lang="en-US" sz="1800" b="0" strike="noStrike" spc="-1" dirty="0">
-                <a:solidFill>
-                  <a:srgbClr val="404040"/>
-                </a:solidFill>
-                <a:latin typeface="Calibri"/>
-              </a:rPr>
-              <a:t>. </a:t>
-            </a:r>
-          </a:p>
-          <a:p>
-            <a:pPr marL="384120" indent="-182880">
-              <a:lnSpc>
-                <a:spcPct val="90000"/>
-              </a:lnSpc>
-              <a:spcBef>
-                <a:spcPts val="201"/>
-              </a:spcBef>
-              <a:spcAft>
-                <a:spcPts val="400"/>
-              </a:spcAft>
-              <a:buClr>
-                <a:srgbClr val="E48312"/>
-              </a:buClr>
-              <a:buFont typeface="Calibri"/>
-              <a:buChar char="◦"/>
-            </a:pPr>
-            <a:endParaRPr lang="en-US" sz="1800" b="0" strike="noStrike" spc="-1" dirty="0">
-              <a:solidFill>
-                <a:srgbClr val="404040"/>
-              </a:solidFill>
-              <a:latin typeface="Calibri"/>
-            </a:endParaRPr>
-          </a:p>
-          <a:p>
-            <a:pPr marL="384120" indent="-182880">
-              <a:lnSpc>
-                <a:spcPct val="90000"/>
-              </a:lnSpc>
-              <a:spcBef>
-                <a:spcPts val="201"/>
-              </a:spcBef>
-              <a:spcAft>
-                <a:spcPts val="400"/>
-              </a:spcAft>
-              <a:buClr>
-                <a:srgbClr val="E48312"/>
-              </a:buClr>
-              <a:buFont typeface="Calibri"/>
-              <a:buChar char="◦"/>
-            </a:pPr>
-            <a:r>
-              <a:rPr lang="pt-PT" sz="1800" b="0" strike="noStrike" spc="-1" dirty="0">
-                <a:solidFill>
-                  <a:srgbClr val="404040"/>
-                </a:solidFill>
-                <a:latin typeface="Calibri"/>
-              </a:rPr>
-              <a:t>Alternativa mais credível em relação às opções que os comerciantes dispõem.</a:t>
-            </a:r>
-            <a:endParaRPr lang="en-US" sz="1800" b="0" strike="noStrike" spc="-1" dirty="0">
-              <a:solidFill>
-                <a:srgbClr val="404040"/>
-              </a:solidFill>
-              <a:latin typeface="Calibri"/>
-            </a:endParaRPr>
-          </a:p>
-          <a:p>
-            <a:pPr marL="384120" indent="-182880">
-              <a:lnSpc>
-                <a:spcPct val="90000"/>
-              </a:lnSpc>
-              <a:spcBef>
-                <a:spcPts val="201"/>
-              </a:spcBef>
-              <a:spcAft>
-                <a:spcPts val="400"/>
-              </a:spcAft>
-              <a:buClr>
-                <a:srgbClr val="E48312"/>
-              </a:buClr>
-              <a:buFont typeface="Calibri"/>
-              <a:buChar char="◦"/>
-            </a:pPr>
-            <a:endParaRPr lang="en-US" sz="1800" b="0" strike="noStrike" spc="-1" dirty="0">
-              <a:solidFill>
-                <a:srgbClr val="404040"/>
-              </a:solidFill>
-              <a:latin typeface="Calibri"/>
-            </a:endParaRPr>
-          </a:p>
-          <a:p>
-            <a:pPr marL="384120" indent="-182880">
-              <a:lnSpc>
-                <a:spcPct val="90000"/>
-              </a:lnSpc>
-              <a:spcBef>
-                <a:spcPts val="201"/>
-              </a:spcBef>
-              <a:spcAft>
-                <a:spcPts val="400"/>
-              </a:spcAft>
-              <a:buClr>
-                <a:srgbClr val="E48312"/>
-              </a:buClr>
-              <a:buFont typeface="Calibri"/>
-              <a:buChar char="◦"/>
-            </a:pPr>
-            <a:r>
-              <a:rPr lang="en-US" sz="1800" spc="-1" dirty="0">
-                <a:solidFill>
-                  <a:srgbClr val="404040"/>
-                </a:solidFill>
-                <a:latin typeface="Calibri"/>
-              </a:rPr>
-              <a:t>A</a:t>
-            </a:r>
-            <a:r>
-              <a:rPr lang="en-US" sz="1800" b="0" strike="noStrike" spc="-1" dirty="0">
-                <a:solidFill>
-                  <a:srgbClr val="404040"/>
-                </a:solidFill>
-                <a:latin typeface="Calibri"/>
-              </a:rPr>
-              <a:t> </a:t>
-            </a:r>
-            <a:r>
-              <a:rPr lang="en-US" sz="1800" b="0" strike="noStrike" spc="-1" dirty="0" err="1">
-                <a:solidFill>
-                  <a:srgbClr val="404040"/>
-                </a:solidFill>
-                <a:latin typeface="Calibri"/>
-              </a:rPr>
-              <a:t>aplicação</a:t>
-            </a:r>
-            <a:r>
-              <a:rPr lang="en-US" sz="1800" b="0" strike="noStrike" spc="-1" dirty="0">
-                <a:solidFill>
-                  <a:srgbClr val="404040"/>
-                </a:solidFill>
-                <a:latin typeface="Calibri"/>
-              </a:rPr>
-              <a:t> </a:t>
-            </a:r>
-            <a:r>
-              <a:rPr lang="en-US" sz="1800" b="0" strike="noStrike" spc="-1" dirty="0" err="1">
-                <a:solidFill>
-                  <a:srgbClr val="404040"/>
-                </a:solidFill>
-                <a:latin typeface="Calibri"/>
-              </a:rPr>
-              <a:t>insere</a:t>
-            </a:r>
-            <a:r>
-              <a:rPr lang="en-US" sz="1800" b="0" strike="noStrike" spc="-1" dirty="0">
-                <a:solidFill>
-                  <a:srgbClr val="404040"/>
-                </a:solidFill>
-                <a:latin typeface="Calibri"/>
-              </a:rPr>
-              <a:t>-se </a:t>
-            </a:r>
-            <a:r>
-              <a:rPr lang="en-US" sz="1800" b="0" strike="noStrike" spc="-1" dirty="0" err="1">
-                <a:solidFill>
-                  <a:srgbClr val="404040"/>
-                </a:solidFill>
-                <a:latin typeface="Calibri"/>
-              </a:rPr>
-              <a:t>numa</a:t>
-            </a:r>
-            <a:r>
-              <a:rPr lang="en-US" sz="1800" b="0" strike="noStrike" spc="-1" dirty="0">
-                <a:solidFill>
-                  <a:srgbClr val="404040"/>
-                </a:solidFill>
-                <a:latin typeface="Calibri"/>
-              </a:rPr>
-              <a:t> nova </a:t>
-            </a:r>
-            <a:r>
-              <a:rPr lang="en-US" sz="1800" spc="-1" dirty="0">
-                <a:solidFill>
-                  <a:srgbClr val="404040"/>
-                </a:solidFill>
-                <a:latin typeface="Calibri"/>
-              </a:rPr>
-              <a:t>“</a:t>
-            </a:r>
-            <a:r>
-              <a:rPr lang="en-US" sz="1800" b="0" strike="noStrike" spc="-1" dirty="0">
-                <a:solidFill>
-                  <a:srgbClr val="404040"/>
-                </a:solidFill>
-                <a:latin typeface="Calibri"/>
-              </a:rPr>
-              <a:t>era</a:t>
-            </a:r>
-            <a:r>
-              <a:rPr lang="en-US" sz="1800" spc="-1" dirty="0">
-                <a:solidFill>
-                  <a:srgbClr val="404040"/>
-                </a:solidFill>
-                <a:latin typeface="Calibri"/>
-              </a:rPr>
-              <a:t>”</a:t>
-            </a:r>
-            <a:r>
-              <a:rPr lang="en-US" sz="1800" b="0" strike="noStrike" spc="-1" dirty="0">
-                <a:solidFill>
-                  <a:srgbClr val="404040"/>
-                </a:solidFill>
-                <a:latin typeface="Calibri"/>
-              </a:rPr>
-              <a:t>, e </a:t>
-            </a:r>
-            <a:r>
-              <a:rPr lang="en-US" sz="1800" b="0" strike="noStrike" spc="-1" dirty="0" err="1">
-                <a:solidFill>
-                  <a:srgbClr val="404040"/>
-                </a:solidFill>
-                <a:latin typeface="Calibri"/>
-              </a:rPr>
-              <a:t>traz</a:t>
-            </a:r>
-            <a:r>
-              <a:rPr lang="en-US" sz="1800" b="0" strike="noStrike" spc="-1" dirty="0">
-                <a:solidFill>
-                  <a:srgbClr val="404040"/>
-                </a:solidFill>
-                <a:latin typeface="Calibri"/>
-              </a:rPr>
-              <a:t> as </a:t>
-            </a:r>
-            <a:r>
-              <a:rPr lang="en-US" sz="1800" b="0" strike="noStrike" spc="-1" dirty="0" err="1">
-                <a:solidFill>
-                  <a:srgbClr val="404040"/>
-                </a:solidFill>
-                <a:latin typeface="Calibri"/>
-              </a:rPr>
-              <a:t>feiras</a:t>
-            </a:r>
-            <a:r>
-              <a:rPr lang="en-US" sz="1800" b="0" strike="noStrike" spc="-1" dirty="0">
-                <a:solidFill>
-                  <a:srgbClr val="404040"/>
-                </a:solidFill>
-                <a:latin typeface="Calibri"/>
-              </a:rPr>
-              <a:t> para a </a:t>
-            </a:r>
-            <a:r>
-              <a:rPr lang="en-US" sz="1800" b="0" strike="noStrike" spc="-1" dirty="0" err="1">
-                <a:solidFill>
-                  <a:srgbClr val="404040"/>
-                </a:solidFill>
-                <a:latin typeface="Calibri"/>
-              </a:rPr>
-              <a:t>atualidade</a:t>
-            </a:r>
-            <a:r>
-              <a:rPr lang="en-US" sz="1800" b="0" strike="noStrike" spc="-1" dirty="0">
-                <a:solidFill>
-                  <a:srgbClr val="404040"/>
-                </a:solidFill>
-                <a:latin typeface="Calibri"/>
-              </a:rPr>
-              <a:t>.</a:t>
-            </a:r>
-          </a:p>
-        </p:txBody>
-      </p:sp>
-      <p:pic>
-        <p:nvPicPr>
-          <p:cNvPr id="109" name="Picture 4"/>
-          <p:cNvPicPr/>
-          <p:nvPr/>
-        </p:nvPicPr>
-        <p:blipFill>
-          <a:blip r:embed="rId2"/>
-          <a:stretch/>
-        </p:blipFill>
-        <p:spPr>
-          <a:xfrm>
-            <a:off x="163440" y="140400"/>
-            <a:ext cx="1247760" cy="621720"/>
-          </a:xfrm>
-          <a:prstGeom prst="rect">
-            <a:avLst/>
-          </a:prstGeom>
-          <a:ln w="0">
-            <a:noFill/>
-          </a:ln>
-        </p:spPr>
-      </p:pic>
-      <p:sp>
-        <p:nvSpPr>
-          <p:cNvPr id="110" name="TextBox 5"/>
-          <p:cNvSpPr/>
-          <p:nvPr/>
-        </p:nvSpPr>
-        <p:spPr>
-          <a:xfrm>
-            <a:off x="1411560" y="177480"/>
-            <a:ext cx="3071160" cy="521766"/>
-          </a:xfrm>
-          <a:prstGeom prst="rect">
-            <a:avLst/>
-          </a:prstGeom>
-          <a:noFill/>
-          <a:ln w="0">
-            <a:noFill/>
-          </a:ln>
-        </p:spPr>
-        <p:style>
-          <a:lnRef idx="0">
-            <a:scrgbClr r="0" g="0" b="0"/>
-          </a:lnRef>
-          <a:fillRef idx="0">
-            <a:scrgbClr r="0" g="0" b="0"/>
-          </a:fillRef>
-          <a:effectRef idx="0">
-            <a:scrgbClr r="0" g="0" b="0"/>
-          </a:effectRef>
-          <a:fontRef idx="minor"/>
-        </p:style>
-        <p:txBody>
-          <a:bodyPr lIns="90000" tIns="45000" rIns="90000" bIns="45000" anchor="t">
-            <a:spAutoFit/>
-          </a:bodyPr>
-          <a:lstStyle/>
-          <a:p>
-            <a:pPr>
-              <a:lnSpc>
-                <a:spcPct val="100000"/>
-              </a:lnSpc>
-              <a:buNone/>
-            </a:pPr>
-            <a:r>
-              <a:rPr lang="pt-PT" sz="1400" b="0" strike="noStrike" spc="-1" dirty="0">
-                <a:solidFill>
-                  <a:srgbClr val="000000"/>
-                </a:solidFill>
-                <a:latin typeface="Calibri Light"/>
-              </a:rPr>
-              <a:t>Laboratórios de Informática IV </a:t>
-            </a:r>
-            <a:endParaRPr lang="pt-PT" sz="1400" b="0" strike="noStrike" spc="-1" dirty="0">
-              <a:latin typeface="Arial"/>
-            </a:endParaRPr>
-          </a:p>
-          <a:p>
-            <a:pPr>
-              <a:lnSpc>
-                <a:spcPct val="100000"/>
-              </a:lnSpc>
-              <a:buNone/>
-            </a:pPr>
-            <a:r>
-              <a:rPr lang="pt-PT" sz="1400" b="0" strike="noStrike" spc="-1" dirty="0">
-                <a:solidFill>
-                  <a:srgbClr val="000000"/>
-                </a:solidFill>
-                <a:latin typeface="Calibri Light"/>
-              </a:rPr>
-              <a:t>Ano letivo 2022/2023</a:t>
-            </a:r>
-            <a:endParaRPr lang="pt-PT" sz="1400" b="0" strike="noStrike" spc="-1" dirty="0">
-              <a:latin typeface="Arial"/>
-            </a:endParaRPr>
-          </a:p>
-        </p:txBody>
-      </p:sp>
-      <p:sp>
-        <p:nvSpPr>
-          <p:cNvPr id="4" name="PlaceHolder 3"/>
-          <p:cNvSpPr>
-            <a:spLocks noGrp="1"/>
-          </p:cNvSpPr>
-          <p:nvPr>
-            <p:ph type="sldNum" idx="6"/>
-          </p:nvPr>
-        </p:nvSpPr>
-        <p:spPr/>
-        <p:txBody>
-          <a:bodyPr/>
-          <a:lstStyle/>
-          <a:p>
-            <a:fld id="{38F60C9F-F776-4FE2-9C41-FEA2BEF5A0F7}" type="slidenum">
-              <a:rPr/>
-              <a:t>5</a:t>
-            </a:fld>
-            <a:endParaRPr/>
-          </a:p>
-        </p:txBody>
-      </p:sp>
-    </p:spTree>
-  </p:cSld>
-  <p:clrMapOvr>
-    <a:masterClrMapping/>
-  </p:clrMapOvr>
-  <mc:AlternateContent xmlns:mc="http://schemas.openxmlformats.org/markup-compatibility/2006" xmlns:p14="http://schemas.microsoft.com/office/powerpoint/2010/main">
-    <mc:Choice Requires="p14">
-      <p:transition spd="med" p14:dur="700">
-        <p:fade/>
-      </p:transition>
-    </mc:Choice>
-    <mc:Fallback xmlns="" xmlns:p15="http://schemas.microsoft.com/office/powerpoint/2012/main">
-      <p:transition spd="med">
-        <p:fade/>
-      </p:transition>
-    </mc:Fallback>
-  </mc:AlternateContent>
-</p:sld>
-</file>
-
-<file path=ppt/slides/slide6.xml><?xml version="1.0" encoding="utf-8"?>
-<p:sld xmlns:a="http://schemas.openxmlformats.org/drawingml/2006/main" xmlns:r="http://schemas.openxmlformats.org/officeDocument/2006/relationships" xmlns:p="http://schemas.openxmlformats.org/presentationml/2006/main">
-  <p:cSld>
-    <p:spTree>
-      <p:nvGrpSpPr>
-        <p:cNvPr id="1" name=""/>
-        <p:cNvGrpSpPr/>
-        <p:nvPr/>
-      </p:nvGrpSpPr>
-      <p:grpSpPr>
-        <a:xfrm>
-          <a:off x="0" y="0"/>
-          <a:ext cx="0" cy="0"/>
-          <a:chOff x="0" y="0"/>
-          <a:chExt cx="0" cy="0"/>
-        </a:xfrm>
-      </p:grpSpPr>
-      <p:sp>
-        <p:nvSpPr>
-          <p:cNvPr id="111" name="PlaceHolder 1"/>
-          <p:cNvSpPr>
-            <a:spLocks noGrp="1"/>
-          </p:cNvSpPr>
-          <p:nvPr>
-            <p:ph type="title"/>
-          </p:nvPr>
-        </p:nvSpPr>
-        <p:spPr>
-          <a:xfrm>
-            <a:off x="1097280" y="286560"/>
-            <a:ext cx="10058040" cy="1450440"/>
-          </a:xfrm>
-          <a:prstGeom prst="rect">
-            <a:avLst/>
-          </a:prstGeom>
-          <a:noFill/>
-          <a:ln w="0">
-            <a:noFill/>
-          </a:ln>
-        </p:spPr>
-        <p:txBody>
-          <a:bodyPr anchor="b">
-            <a:noAutofit/>
-          </a:bodyPr>
-          <a:lstStyle/>
-          <a:p>
-            <a:pPr algn="ctr">
-              <a:lnSpc>
-                <a:spcPct val="85000"/>
-              </a:lnSpc>
-              <a:buNone/>
-            </a:pPr>
-            <a:r>
-              <a:rPr lang="pt-PT" sz="4800" b="0" strike="noStrike" spc="-52">
-                <a:solidFill>
-                  <a:srgbClr val="404040"/>
-                </a:solidFill>
-                <a:latin typeface="Calibri Light"/>
-              </a:rPr>
-              <a:t>Objetivos</a:t>
-            </a:r>
-            <a:endParaRPr lang="en-US" sz="4800" b="0" strike="noStrike" spc="-1">
-              <a:solidFill>
-                <a:srgbClr val="000000"/>
-              </a:solidFill>
-              <a:latin typeface="Calibri"/>
-            </a:endParaRPr>
-          </a:p>
-        </p:txBody>
-      </p:sp>
-      <p:sp>
-        <p:nvSpPr>
-          <p:cNvPr id="112" name="PlaceHolder 2"/>
-          <p:cNvSpPr>
-            <a:spLocks noGrp="1"/>
-          </p:cNvSpPr>
-          <p:nvPr>
-            <p:ph/>
-          </p:nvPr>
-        </p:nvSpPr>
-        <p:spPr>
-          <a:xfrm>
-            <a:off x="1097280" y="1845720"/>
-            <a:ext cx="10058040" cy="4023000"/>
-          </a:xfrm>
-          <a:prstGeom prst="rect">
-            <a:avLst/>
-          </a:prstGeom>
-          <a:noFill/>
-          <a:ln w="0">
-            <a:noFill/>
-          </a:ln>
-        </p:spPr>
-        <p:txBody>
-          <a:bodyPr lIns="0" rIns="0" anchor="t">
-            <a:noAutofit/>
-          </a:bodyPr>
-          <a:lstStyle/>
-          <a:p>
-            <a:pPr marL="864000" lvl="1" indent="-324000">
-              <a:lnSpc>
-                <a:spcPct val="90000"/>
-              </a:lnSpc>
-              <a:spcBef>
-                <a:spcPts val="1134"/>
-              </a:spcBef>
-              <a:buClr>
-                <a:schemeClr val="accent1"/>
-              </a:buClr>
-              <a:buSzPct val="75000"/>
-              <a:buFont typeface="Wingdings" panose="05000000000000000000" pitchFamily="2" charset="2"/>
-              <a:buChar char="Ø"/>
-            </a:pPr>
-            <a:endParaRPr lang="en-US" sz="1800" b="0" strike="noStrike" spc="-1" dirty="0">
-              <a:solidFill>
-                <a:srgbClr val="404040"/>
-              </a:solidFill>
-              <a:latin typeface="Calibri"/>
-            </a:endParaRPr>
-          </a:p>
-          <a:p>
-            <a:pPr marL="864000" lvl="1" indent="-324000">
-              <a:lnSpc>
-                <a:spcPct val="90000"/>
-              </a:lnSpc>
-              <a:spcBef>
-                <a:spcPts val="1134"/>
-              </a:spcBef>
-              <a:buClr>
-                <a:schemeClr val="accent1"/>
-              </a:buClr>
-              <a:buSzPct val="75000"/>
-              <a:buFont typeface="Wingdings" panose="05000000000000000000" pitchFamily="2" charset="2"/>
-              <a:buChar char="Ø"/>
-            </a:pPr>
-            <a:r>
-              <a:rPr lang="en-US" sz="1800" b="0" strike="noStrike" spc="-1" dirty="0">
-                <a:solidFill>
-                  <a:srgbClr val="404040"/>
-                </a:solidFill>
-                <a:latin typeface="Calibri"/>
-              </a:rPr>
-              <a:t>remover a </a:t>
-            </a:r>
-            <a:r>
-              <a:rPr lang="en-US" sz="1800" b="0" strike="noStrike" spc="-1" dirty="0" err="1">
-                <a:solidFill>
-                  <a:srgbClr val="404040"/>
-                </a:solidFill>
-                <a:latin typeface="Calibri"/>
-              </a:rPr>
-              <a:t>necessidade</a:t>
-            </a:r>
-            <a:r>
-              <a:rPr lang="en-US" sz="1800" b="0" strike="noStrike" spc="-1" dirty="0">
-                <a:solidFill>
-                  <a:srgbClr val="404040"/>
-                </a:solidFill>
-                <a:latin typeface="Calibri"/>
-              </a:rPr>
-              <a:t> do </a:t>
-            </a:r>
-            <a:r>
-              <a:rPr lang="en-US" sz="1800" b="0" strike="noStrike" spc="-1" dirty="0" err="1">
-                <a:solidFill>
-                  <a:srgbClr val="404040"/>
-                </a:solidFill>
-                <a:latin typeface="Calibri"/>
-              </a:rPr>
-              <a:t>utilizador</a:t>
-            </a:r>
-            <a:r>
-              <a:rPr lang="en-US" sz="1800" b="0" strike="noStrike" spc="-1" dirty="0">
-                <a:solidFill>
-                  <a:srgbClr val="404040"/>
-                </a:solidFill>
-                <a:latin typeface="Calibri"/>
-              </a:rPr>
-              <a:t> </a:t>
-            </a:r>
-            <a:r>
-              <a:rPr lang="en-US" sz="1800" b="0" strike="noStrike" spc="-1" dirty="0" err="1">
-                <a:solidFill>
-                  <a:srgbClr val="404040"/>
-                </a:solidFill>
-                <a:latin typeface="Calibri"/>
-              </a:rPr>
-              <a:t>procurar</a:t>
-            </a:r>
-            <a:r>
-              <a:rPr lang="en-US" sz="1800" b="0" strike="noStrike" spc="-1" dirty="0">
-                <a:solidFill>
-                  <a:srgbClr val="404040"/>
-                </a:solidFill>
-                <a:latin typeface="Calibri"/>
-              </a:rPr>
-              <a:t> </a:t>
-            </a:r>
-            <a:r>
-              <a:rPr lang="en-US" sz="1800" b="0" strike="noStrike" spc="-1" dirty="0" err="1">
-                <a:solidFill>
-                  <a:srgbClr val="404040"/>
-                </a:solidFill>
-                <a:latin typeface="Calibri"/>
-              </a:rPr>
-              <a:t>certames</a:t>
-            </a:r>
-            <a:r>
-              <a:rPr lang="en-US" sz="1800" b="0" strike="noStrike" spc="-1" dirty="0">
-                <a:solidFill>
-                  <a:srgbClr val="404040"/>
-                </a:solidFill>
-                <a:latin typeface="Calibri"/>
-              </a:rPr>
-              <a:t> </a:t>
-            </a:r>
-            <a:r>
-              <a:rPr lang="en-US" sz="1800" b="0" strike="noStrike" spc="-1" dirty="0" err="1">
-                <a:solidFill>
-                  <a:srgbClr val="404040"/>
-                </a:solidFill>
-                <a:latin typeface="Calibri"/>
-              </a:rPr>
-              <a:t>comercias</a:t>
-            </a:r>
-            <a:r>
-              <a:rPr lang="en-US" sz="1800" b="0" strike="noStrike" spc="-1" dirty="0">
-                <a:solidFill>
-                  <a:srgbClr val="404040"/>
-                </a:solidFill>
-                <a:latin typeface="Calibri"/>
-              </a:rPr>
-              <a:t> </a:t>
-            </a:r>
-            <a:r>
-              <a:rPr lang="en-US" sz="1800" b="0" strike="noStrike" spc="-1" dirty="0" err="1">
-                <a:solidFill>
-                  <a:srgbClr val="404040"/>
-                </a:solidFill>
-                <a:latin typeface="Calibri"/>
-              </a:rPr>
-              <a:t>em</a:t>
-            </a:r>
-            <a:r>
-              <a:rPr lang="en-US" sz="1800" b="0" strike="noStrike" spc="-1" dirty="0">
-                <a:solidFill>
-                  <a:srgbClr val="404040"/>
-                </a:solidFill>
-                <a:latin typeface="Calibri"/>
-              </a:rPr>
-              <a:t> </a:t>
-            </a:r>
-            <a:r>
-              <a:rPr lang="en-US" sz="1800" b="0" strike="noStrike" spc="-1" dirty="0" err="1">
-                <a:solidFill>
-                  <a:srgbClr val="404040"/>
-                </a:solidFill>
-                <a:latin typeface="Calibri"/>
-              </a:rPr>
-              <a:t>sistemas</a:t>
-            </a:r>
-            <a:r>
-              <a:rPr lang="en-US" sz="1800" b="0" strike="noStrike" spc="-1" dirty="0">
-                <a:solidFill>
-                  <a:srgbClr val="404040"/>
-                </a:solidFill>
-                <a:latin typeface="Calibri"/>
-              </a:rPr>
-              <a:t> </a:t>
-            </a:r>
-            <a:r>
-              <a:rPr lang="en-US" sz="1800" b="0" strike="noStrike" spc="-1" dirty="0" err="1">
-                <a:solidFill>
-                  <a:srgbClr val="404040"/>
-                </a:solidFill>
-                <a:latin typeface="Calibri"/>
-              </a:rPr>
-              <a:t>individuais</a:t>
-            </a:r>
-            <a:r>
-              <a:rPr lang="en-US" sz="1800" b="0" strike="noStrike" spc="-1" dirty="0">
-                <a:solidFill>
-                  <a:srgbClr val="404040"/>
-                </a:solidFill>
-                <a:latin typeface="Calibri"/>
-              </a:rPr>
-              <a:t>;</a:t>
-            </a:r>
-          </a:p>
-          <a:p>
-            <a:pPr marL="864000" lvl="1" indent="-324000">
-              <a:lnSpc>
-                <a:spcPct val="90000"/>
-              </a:lnSpc>
-              <a:spcBef>
-                <a:spcPts val="1134"/>
-              </a:spcBef>
-              <a:buClr>
-                <a:schemeClr val="accent1"/>
-              </a:buClr>
-              <a:buSzPct val="75000"/>
-              <a:buFont typeface="Wingdings" panose="05000000000000000000" pitchFamily="2" charset="2"/>
-              <a:buChar char="Ø"/>
-            </a:pPr>
-            <a:r>
-              <a:rPr lang="en-US" sz="1800" b="0" strike="noStrike" spc="-1" dirty="0">
-                <a:solidFill>
-                  <a:srgbClr val="404040"/>
-                </a:solidFill>
-                <a:latin typeface="Calibri"/>
-              </a:rPr>
-              <a:t>remover </a:t>
-            </a:r>
-            <a:r>
-              <a:rPr lang="en-US" sz="1800" b="0" strike="noStrike" spc="-1" dirty="0" err="1">
-                <a:solidFill>
-                  <a:srgbClr val="404040"/>
-                </a:solidFill>
-                <a:latin typeface="Calibri"/>
-              </a:rPr>
-              <a:t>desperdício</a:t>
-            </a:r>
-            <a:r>
-              <a:rPr lang="en-US" sz="1800" b="0" strike="noStrike" spc="-1" dirty="0">
-                <a:solidFill>
-                  <a:srgbClr val="404040"/>
-                </a:solidFill>
-                <a:latin typeface="Calibri"/>
-              </a:rPr>
-              <a:t> de tempo </a:t>
-            </a:r>
-            <a:r>
-              <a:rPr lang="en-US" sz="1800" b="0" strike="noStrike" spc="-1" dirty="0" err="1">
-                <a:solidFill>
-                  <a:srgbClr val="404040"/>
-                </a:solidFill>
-                <a:latin typeface="Calibri"/>
-              </a:rPr>
-              <a:t>na</a:t>
-            </a:r>
-            <a:r>
-              <a:rPr lang="en-US" sz="1800" b="0" strike="noStrike" spc="-1" dirty="0">
-                <a:solidFill>
-                  <a:srgbClr val="404040"/>
-                </a:solidFill>
-                <a:latin typeface="Calibri"/>
-              </a:rPr>
-              <a:t> </a:t>
-            </a:r>
-            <a:r>
-              <a:rPr lang="en-US" sz="1800" b="0" strike="noStrike" spc="-1" dirty="0" err="1">
-                <a:solidFill>
-                  <a:srgbClr val="404040"/>
-                </a:solidFill>
-                <a:latin typeface="Calibri"/>
-              </a:rPr>
-              <a:t>procura</a:t>
-            </a:r>
-            <a:r>
-              <a:rPr lang="en-US" sz="1800" b="0" strike="noStrike" spc="-1" dirty="0">
-                <a:solidFill>
-                  <a:srgbClr val="404040"/>
-                </a:solidFill>
-                <a:latin typeface="Calibri"/>
-              </a:rPr>
-              <a:t> de </a:t>
-            </a:r>
-            <a:r>
-              <a:rPr lang="en-US" sz="1800" b="0" strike="noStrike" spc="-1" dirty="0" err="1">
-                <a:solidFill>
-                  <a:srgbClr val="404040"/>
-                </a:solidFill>
-                <a:latin typeface="Calibri"/>
-              </a:rPr>
-              <a:t>feiras</a:t>
-            </a:r>
-            <a:r>
-              <a:rPr lang="en-US" sz="1800" b="0" strike="noStrike" spc="-1" dirty="0">
-                <a:solidFill>
-                  <a:srgbClr val="404040"/>
-                </a:solidFill>
-                <a:latin typeface="Calibri"/>
-              </a:rPr>
-              <a:t> </a:t>
-            </a:r>
-            <a:r>
-              <a:rPr lang="en-US" sz="1800" b="0" strike="noStrike" spc="-1" dirty="0" err="1">
-                <a:solidFill>
-                  <a:srgbClr val="404040"/>
-                </a:solidFill>
-                <a:latin typeface="Calibri"/>
-              </a:rPr>
-              <a:t>especificas</a:t>
-            </a:r>
-            <a:r>
-              <a:rPr lang="en-US" sz="1800" b="0" strike="noStrike" spc="-1" dirty="0">
-                <a:solidFill>
-                  <a:srgbClr val="404040"/>
-                </a:solidFill>
-                <a:latin typeface="Calibri"/>
-              </a:rPr>
-              <a:t> </a:t>
-            </a:r>
-            <a:r>
-              <a:rPr lang="en-US" sz="1800" b="0" strike="noStrike" spc="-1" dirty="0" err="1">
-                <a:solidFill>
-                  <a:srgbClr val="404040"/>
-                </a:solidFill>
-                <a:latin typeface="Calibri"/>
-              </a:rPr>
-              <a:t>ao</a:t>
-            </a:r>
-            <a:r>
-              <a:rPr lang="en-US" sz="1800" b="0" strike="noStrike" spc="-1" dirty="0">
-                <a:solidFill>
-                  <a:srgbClr val="404040"/>
-                </a:solidFill>
-                <a:latin typeface="Calibri"/>
-              </a:rPr>
-              <a:t> </a:t>
-            </a:r>
-            <a:r>
-              <a:rPr lang="en-US" sz="1800" b="0" strike="noStrike" spc="-1" dirty="0" err="1">
-                <a:solidFill>
-                  <a:srgbClr val="404040"/>
-                </a:solidFill>
-                <a:latin typeface="Calibri"/>
-              </a:rPr>
-              <a:t>associar</a:t>
-            </a:r>
-            <a:r>
-              <a:rPr lang="en-US" sz="1800" b="0" strike="noStrike" spc="-1" dirty="0">
-                <a:solidFill>
-                  <a:srgbClr val="404040"/>
-                </a:solidFill>
-                <a:latin typeface="Calibri"/>
-              </a:rPr>
-              <a:t> um </a:t>
-            </a:r>
-            <a:r>
-              <a:rPr lang="en-US" sz="1800" b="0" strike="noStrike" spc="-1" dirty="0" err="1">
-                <a:solidFill>
-                  <a:srgbClr val="404040"/>
-                </a:solidFill>
-                <a:latin typeface="Calibri"/>
-              </a:rPr>
-              <a:t>objetivo</a:t>
-            </a:r>
-            <a:r>
-              <a:rPr lang="en-US" sz="1800" b="0" strike="noStrike" spc="-1" dirty="0">
-                <a:solidFill>
-                  <a:srgbClr val="404040"/>
-                </a:solidFill>
-                <a:latin typeface="Calibri"/>
-              </a:rPr>
-              <a:t> a </a:t>
-            </a:r>
-            <a:r>
-              <a:rPr lang="en-US" sz="1800" b="0" strike="noStrike" spc="-1" dirty="0" err="1">
-                <a:solidFill>
-                  <a:srgbClr val="404040"/>
-                </a:solidFill>
-                <a:latin typeface="Calibri"/>
-              </a:rPr>
-              <a:t>cada</a:t>
-            </a:r>
-            <a:r>
-              <a:rPr lang="en-US" sz="1800" b="0" strike="noStrike" spc="-1" dirty="0">
-                <a:solidFill>
-                  <a:srgbClr val="404040"/>
-                </a:solidFill>
-                <a:latin typeface="Calibri"/>
-              </a:rPr>
-              <a:t> </a:t>
-            </a:r>
-            <a:r>
-              <a:rPr lang="en-US" sz="1800" b="0" strike="noStrike" spc="-1" dirty="0" err="1">
-                <a:solidFill>
-                  <a:srgbClr val="404040"/>
-                </a:solidFill>
-                <a:latin typeface="Calibri"/>
-              </a:rPr>
-              <a:t>uma</a:t>
-            </a:r>
-            <a:r>
-              <a:rPr lang="en-US" sz="1800" b="0" strike="noStrike" spc="-1" dirty="0">
-                <a:solidFill>
-                  <a:srgbClr val="404040"/>
-                </a:solidFill>
-                <a:latin typeface="Calibri"/>
-              </a:rPr>
-              <a:t>;</a:t>
-            </a:r>
-          </a:p>
-          <a:p>
-            <a:pPr marL="864000" lvl="1" indent="-324000">
-              <a:lnSpc>
-                <a:spcPct val="90000"/>
-              </a:lnSpc>
-              <a:spcBef>
-                <a:spcPts val="1134"/>
-              </a:spcBef>
-              <a:buClr>
-                <a:schemeClr val="accent1"/>
-              </a:buClr>
-              <a:buSzPct val="75000"/>
-              <a:buFont typeface="Wingdings" panose="05000000000000000000" pitchFamily="2" charset="2"/>
-              <a:buChar char="Ø"/>
-            </a:pPr>
-            <a:r>
-              <a:rPr lang="en-US" sz="1800" b="0" strike="noStrike" spc="-1" dirty="0" err="1">
-                <a:solidFill>
-                  <a:srgbClr val="404040"/>
-                </a:solidFill>
-                <a:latin typeface="Calibri"/>
-              </a:rPr>
-              <a:t>permitir</a:t>
-            </a:r>
-            <a:r>
-              <a:rPr lang="en-US" sz="1800" b="0" strike="noStrike" spc="-1" dirty="0">
-                <a:solidFill>
-                  <a:srgbClr val="404040"/>
-                </a:solidFill>
-                <a:latin typeface="Calibri"/>
-              </a:rPr>
-              <a:t> </a:t>
-            </a:r>
-            <a:r>
-              <a:rPr lang="en-US" sz="1800" b="0" strike="noStrike" spc="-1" dirty="0" err="1">
-                <a:solidFill>
-                  <a:srgbClr val="404040"/>
-                </a:solidFill>
-                <a:latin typeface="Calibri"/>
-              </a:rPr>
-              <a:t>fácil</a:t>
-            </a:r>
-            <a:r>
-              <a:rPr lang="en-US" sz="1800" b="0" strike="noStrike" spc="-1" dirty="0">
-                <a:solidFill>
-                  <a:srgbClr val="404040"/>
-                </a:solidFill>
-                <a:latin typeface="Calibri"/>
-              </a:rPr>
-              <a:t> </a:t>
-            </a:r>
-            <a:r>
-              <a:rPr lang="en-US" sz="1800" b="0" strike="noStrike" spc="-1" dirty="0" err="1">
-                <a:solidFill>
-                  <a:srgbClr val="404040"/>
-                </a:solidFill>
-                <a:latin typeface="Calibri"/>
-              </a:rPr>
-              <a:t>procura</a:t>
-            </a:r>
-            <a:r>
-              <a:rPr lang="en-US" sz="1800" b="0" strike="noStrike" spc="-1" dirty="0">
-                <a:solidFill>
-                  <a:srgbClr val="404040"/>
-                </a:solidFill>
-                <a:latin typeface="Calibri"/>
-              </a:rPr>
-              <a:t> de </a:t>
-            </a:r>
-            <a:r>
-              <a:rPr lang="en-US" sz="1800" b="0" strike="noStrike" spc="-1" dirty="0" err="1">
-                <a:solidFill>
-                  <a:srgbClr val="404040"/>
-                </a:solidFill>
-                <a:latin typeface="Calibri"/>
-              </a:rPr>
-              <a:t>produtos</a:t>
-            </a:r>
-            <a:r>
-              <a:rPr lang="en-US" sz="1800" b="0" strike="noStrike" spc="-1" dirty="0">
-                <a:solidFill>
-                  <a:srgbClr val="404040"/>
-                </a:solidFill>
-                <a:latin typeface="Calibri"/>
-              </a:rPr>
-              <a:t>;</a:t>
-            </a:r>
-          </a:p>
-          <a:p>
-            <a:pPr marL="864000" lvl="1" indent="-324000">
-              <a:lnSpc>
-                <a:spcPct val="90000"/>
-              </a:lnSpc>
-              <a:spcBef>
-                <a:spcPts val="1134"/>
-              </a:spcBef>
-              <a:buClr>
-                <a:schemeClr val="accent1"/>
-              </a:buClr>
-              <a:buSzPct val="75000"/>
-              <a:buFont typeface="Wingdings" panose="05000000000000000000" pitchFamily="2" charset="2"/>
-              <a:buChar char="Ø"/>
-            </a:pPr>
-            <a:r>
-              <a:rPr lang="en-US" sz="1800" b="0" strike="noStrike" spc="-1" dirty="0" err="1">
-                <a:solidFill>
-                  <a:srgbClr val="404040"/>
-                </a:solidFill>
-                <a:latin typeface="Calibri"/>
-              </a:rPr>
-              <a:t>listar</a:t>
-            </a:r>
-            <a:r>
-              <a:rPr lang="en-US" sz="1800" b="0" strike="noStrike" spc="-1" dirty="0">
-                <a:solidFill>
-                  <a:srgbClr val="404040"/>
-                </a:solidFill>
-                <a:latin typeface="Calibri"/>
-              </a:rPr>
-              <a:t> </a:t>
-            </a:r>
-            <a:r>
-              <a:rPr lang="en-US" sz="1800" b="0" strike="noStrike" spc="-1" dirty="0" err="1">
-                <a:solidFill>
-                  <a:srgbClr val="404040"/>
-                </a:solidFill>
-                <a:latin typeface="Calibri"/>
-              </a:rPr>
-              <a:t>os</a:t>
-            </a:r>
-            <a:r>
-              <a:rPr lang="en-US" sz="1800" b="0" strike="noStrike" spc="-1" dirty="0">
-                <a:solidFill>
-                  <a:srgbClr val="404040"/>
-                </a:solidFill>
-                <a:latin typeface="Calibri"/>
-              </a:rPr>
-              <a:t> </a:t>
-            </a:r>
-            <a:r>
-              <a:rPr lang="en-US" sz="1800" b="0" strike="noStrike" spc="-1" dirty="0" err="1">
-                <a:solidFill>
-                  <a:srgbClr val="404040"/>
-                </a:solidFill>
-                <a:latin typeface="Calibri"/>
-              </a:rPr>
-              <a:t>diversos</a:t>
-            </a:r>
-            <a:r>
-              <a:rPr lang="en-US" sz="1800" b="0" strike="noStrike" spc="-1" dirty="0">
-                <a:solidFill>
-                  <a:srgbClr val="404040"/>
-                </a:solidFill>
-                <a:latin typeface="Calibri"/>
-              </a:rPr>
-              <a:t> stands de </a:t>
-            </a:r>
-            <a:r>
-              <a:rPr lang="en-US" sz="1800" b="0" strike="noStrike" spc="-1" dirty="0" err="1">
-                <a:solidFill>
-                  <a:srgbClr val="404040"/>
-                </a:solidFill>
-                <a:latin typeface="Calibri"/>
-              </a:rPr>
-              <a:t>venda</a:t>
-            </a:r>
-            <a:r>
-              <a:rPr lang="en-US" sz="1800" b="0" strike="noStrike" spc="-1" dirty="0">
-                <a:solidFill>
-                  <a:srgbClr val="404040"/>
-                </a:solidFill>
-                <a:latin typeface="Calibri"/>
-              </a:rPr>
-              <a:t> e </a:t>
-            </a:r>
-            <a:r>
-              <a:rPr lang="en-US" sz="1800" b="0" strike="noStrike" spc="-1" dirty="0" err="1">
-                <a:solidFill>
-                  <a:srgbClr val="404040"/>
-                </a:solidFill>
-                <a:latin typeface="Calibri"/>
-              </a:rPr>
-              <a:t>empresas</a:t>
-            </a:r>
-            <a:r>
-              <a:rPr lang="en-US" sz="1800" b="0" strike="noStrike" spc="-1" dirty="0">
-                <a:solidFill>
-                  <a:srgbClr val="404040"/>
-                </a:solidFill>
-                <a:latin typeface="Calibri"/>
-              </a:rPr>
-              <a:t> </a:t>
-            </a:r>
-            <a:r>
-              <a:rPr lang="en-US" sz="1800" b="0" strike="noStrike" spc="-1" dirty="0" err="1">
-                <a:solidFill>
-                  <a:srgbClr val="404040"/>
-                </a:solidFill>
-                <a:latin typeface="Calibri"/>
-              </a:rPr>
-              <a:t>associadas</a:t>
-            </a:r>
-            <a:r>
-              <a:rPr lang="en-US" sz="1800" b="0" strike="noStrike" spc="-1" dirty="0">
-                <a:solidFill>
-                  <a:srgbClr val="404040"/>
-                </a:solidFill>
-                <a:latin typeface="Calibri"/>
-              </a:rPr>
-              <a:t>, </a:t>
-            </a:r>
-            <a:r>
-              <a:rPr lang="en-US" sz="1800" b="0" strike="noStrike" spc="-1" dirty="0" err="1">
-                <a:solidFill>
-                  <a:srgbClr val="404040"/>
-                </a:solidFill>
-                <a:latin typeface="Calibri"/>
-              </a:rPr>
-              <a:t>assim</a:t>
-            </a:r>
-            <a:r>
-              <a:rPr lang="en-US" sz="1800" b="0" strike="noStrike" spc="-1" dirty="0">
-                <a:solidFill>
-                  <a:srgbClr val="404040"/>
-                </a:solidFill>
-                <a:latin typeface="Calibri"/>
-              </a:rPr>
-              <a:t> </a:t>
-            </a:r>
-            <a:r>
-              <a:rPr lang="en-US" sz="1800" b="0" strike="noStrike" spc="-1" dirty="0" err="1">
-                <a:solidFill>
-                  <a:srgbClr val="404040"/>
-                </a:solidFill>
-                <a:latin typeface="Calibri"/>
-              </a:rPr>
-              <a:t>como</a:t>
-            </a:r>
-            <a:r>
-              <a:rPr lang="en-US" sz="1800" b="0" strike="noStrike" spc="-1" dirty="0">
-                <a:solidFill>
-                  <a:srgbClr val="404040"/>
-                </a:solidFill>
-                <a:latin typeface="Calibri"/>
-              </a:rPr>
-              <a:t>, </a:t>
-            </a:r>
-            <a:r>
-              <a:rPr lang="en-US" sz="1800" b="0" strike="noStrike" spc="-1" dirty="0" err="1">
-                <a:solidFill>
-                  <a:srgbClr val="404040"/>
-                </a:solidFill>
-                <a:latin typeface="Calibri"/>
-              </a:rPr>
-              <a:t>os</a:t>
-            </a:r>
-            <a:r>
-              <a:rPr lang="en-US" sz="1800" b="0" strike="noStrike" spc="-1" dirty="0">
-                <a:solidFill>
-                  <a:srgbClr val="404040"/>
-                </a:solidFill>
-                <a:latin typeface="Calibri"/>
-              </a:rPr>
-              <a:t> bens e </a:t>
-            </a:r>
-            <a:r>
-              <a:rPr lang="en-US" sz="1800" b="0" strike="noStrike" spc="-1" dirty="0" err="1">
-                <a:solidFill>
-                  <a:srgbClr val="404040"/>
-                </a:solidFill>
-                <a:latin typeface="Calibri"/>
-              </a:rPr>
-              <a:t>serviços</a:t>
-            </a:r>
-            <a:r>
-              <a:rPr lang="en-US" sz="1800" b="0" strike="noStrike" spc="-1" dirty="0">
-                <a:solidFill>
-                  <a:srgbClr val="404040"/>
-                </a:solidFill>
-                <a:latin typeface="Calibri"/>
-              </a:rPr>
-              <a:t> </a:t>
-            </a:r>
-            <a:r>
-              <a:rPr lang="en-US" sz="1800" b="0" strike="noStrike" spc="-1" dirty="0" err="1">
-                <a:solidFill>
-                  <a:srgbClr val="404040"/>
-                </a:solidFill>
-                <a:latin typeface="Calibri"/>
-              </a:rPr>
-              <a:t>comercializados</a:t>
-            </a:r>
-            <a:r>
-              <a:rPr lang="en-US" sz="1800" b="0" strike="noStrike" spc="-1" dirty="0">
-                <a:solidFill>
-                  <a:srgbClr val="404040"/>
-                </a:solidFill>
-                <a:latin typeface="Calibri"/>
-              </a:rPr>
-              <a:t> </a:t>
-            </a:r>
-            <a:r>
-              <a:rPr lang="en-US" sz="1800" b="0" strike="noStrike" spc="-1" dirty="0" err="1">
-                <a:solidFill>
-                  <a:srgbClr val="404040"/>
-                </a:solidFill>
-                <a:latin typeface="Calibri"/>
-              </a:rPr>
-              <a:t>em</a:t>
-            </a:r>
-            <a:r>
-              <a:rPr lang="en-US" sz="1800" b="0" strike="noStrike" spc="-1" dirty="0">
-                <a:solidFill>
-                  <a:srgbClr val="404040"/>
-                </a:solidFill>
-                <a:latin typeface="Calibri"/>
-              </a:rPr>
-              <a:t> </a:t>
-            </a:r>
-            <a:r>
-              <a:rPr lang="en-US" sz="1800" b="0" strike="noStrike" spc="-1" dirty="0" err="1">
-                <a:solidFill>
-                  <a:srgbClr val="404040"/>
-                </a:solidFill>
-                <a:latin typeface="Calibri"/>
-              </a:rPr>
-              <a:t>cada</a:t>
-            </a:r>
-            <a:r>
-              <a:rPr lang="en-US" sz="1800" b="0" strike="noStrike" spc="-1" dirty="0">
-                <a:solidFill>
-                  <a:srgbClr val="404040"/>
-                </a:solidFill>
-                <a:latin typeface="Calibri"/>
-              </a:rPr>
-              <a:t> stand;</a:t>
-            </a:r>
-          </a:p>
-          <a:p>
-            <a:pPr marL="864000" lvl="1" indent="-324000">
-              <a:lnSpc>
-                <a:spcPct val="90000"/>
-              </a:lnSpc>
-              <a:spcBef>
-                <a:spcPts val="1134"/>
-              </a:spcBef>
-              <a:buClr>
-                <a:schemeClr val="accent1"/>
-              </a:buClr>
-              <a:buSzPct val="75000"/>
-              <a:buFont typeface="Wingdings" panose="05000000000000000000" pitchFamily="2" charset="2"/>
-              <a:buChar char="Ø"/>
-            </a:pPr>
-            <a:r>
-              <a:rPr lang="en-US" sz="1800" b="0" strike="noStrike" spc="-1" dirty="0" err="1">
-                <a:solidFill>
-                  <a:srgbClr val="404040"/>
-                </a:solidFill>
-                <a:latin typeface="Calibri"/>
-              </a:rPr>
-              <a:t>permitir</a:t>
-            </a:r>
-            <a:r>
-              <a:rPr lang="en-US" sz="1800" b="0" strike="noStrike" spc="-1" dirty="0">
-                <a:solidFill>
-                  <a:srgbClr val="404040"/>
-                </a:solidFill>
-                <a:latin typeface="Calibri"/>
-              </a:rPr>
-              <a:t> </a:t>
-            </a:r>
-            <a:r>
-              <a:rPr lang="en-US" sz="1800" b="0" strike="noStrike" spc="-1" dirty="0" err="1">
-                <a:solidFill>
-                  <a:srgbClr val="404040"/>
-                </a:solidFill>
-                <a:latin typeface="Calibri"/>
-              </a:rPr>
-              <a:t>aos</a:t>
-            </a:r>
-            <a:r>
-              <a:rPr lang="en-US" sz="1800" b="0" strike="noStrike" spc="-1" dirty="0">
-                <a:solidFill>
-                  <a:srgbClr val="404040"/>
-                </a:solidFill>
-                <a:latin typeface="Calibri"/>
-              </a:rPr>
-              <a:t> </a:t>
-            </a:r>
-            <a:r>
-              <a:rPr lang="en-US" sz="1800" b="0" strike="noStrike" spc="-1" dirty="0" err="1">
-                <a:solidFill>
-                  <a:srgbClr val="404040"/>
-                </a:solidFill>
-                <a:latin typeface="Calibri"/>
-              </a:rPr>
-              <a:t>utilizadores</a:t>
-            </a:r>
-            <a:r>
-              <a:rPr lang="en-US" sz="1800" b="0" strike="noStrike" spc="-1" dirty="0">
-                <a:solidFill>
-                  <a:srgbClr val="404040"/>
-                </a:solidFill>
-                <a:latin typeface="Calibri"/>
-              </a:rPr>
-              <a:t> </a:t>
-            </a:r>
-            <a:r>
-              <a:rPr lang="en-US" sz="1800" b="0" strike="noStrike" spc="-1" dirty="0" err="1">
-                <a:solidFill>
-                  <a:srgbClr val="404040"/>
-                </a:solidFill>
-                <a:latin typeface="Calibri"/>
-              </a:rPr>
-              <a:t>fazer</a:t>
-            </a:r>
-            <a:r>
-              <a:rPr lang="en-US" sz="1800" b="0" strike="noStrike" spc="-1" dirty="0">
-                <a:solidFill>
-                  <a:srgbClr val="404040"/>
-                </a:solidFill>
-                <a:latin typeface="Calibri"/>
-              </a:rPr>
-              <a:t> as </a:t>
-            </a:r>
-            <a:r>
-              <a:rPr lang="en-US" sz="1800" b="0" strike="noStrike" spc="-1" dirty="0" err="1">
-                <a:solidFill>
-                  <a:srgbClr val="404040"/>
-                </a:solidFill>
-                <a:latin typeface="Calibri"/>
-              </a:rPr>
-              <a:t>suas</a:t>
-            </a:r>
-            <a:r>
-              <a:rPr lang="en-US" sz="1800" b="0" strike="noStrike" spc="-1" dirty="0">
-                <a:solidFill>
-                  <a:srgbClr val="404040"/>
-                </a:solidFill>
-                <a:latin typeface="Calibri"/>
-              </a:rPr>
-              <a:t> </a:t>
-            </a:r>
-            <a:r>
-              <a:rPr lang="en-US" sz="1800" b="0" strike="noStrike" spc="-1" dirty="0" err="1">
-                <a:solidFill>
-                  <a:srgbClr val="404040"/>
-                </a:solidFill>
-                <a:latin typeface="Calibri"/>
-              </a:rPr>
-              <a:t>visitas</a:t>
-            </a:r>
-            <a:r>
-              <a:rPr lang="en-US" sz="1800" b="0" strike="noStrike" spc="-1" dirty="0">
-                <a:solidFill>
-                  <a:srgbClr val="404040"/>
-                </a:solidFill>
-                <a:latin typeface="Calibri"/>
-              </a:rPr>
-              <a:t> e </a:t>
-            </a:r>
-            <a:r>
-              <a:rPr lang="en-US" sz="1800" b="0" strike="noStrike" spc="-1" dirty="0" err="1">
-                <a:solidFill>
-                  <a:srgbClr val="404040"/>
-                </a:solidFill>
-                <a:latin typeface="Calibri"/>
-              </a:rPr>
-              <a:t>compras</a:t>
-            </a:r>
-            <a:r>
-              <a:rPr lang="en-US" sz="1800" b="0" strike="noStrike" spc="-1" dirty="0">
-                <a:solidFill>
-                  <a:srgbClr val="404040"/>
-                </a:solidFill>
-                <a:latin typeface="Calibri"/>
-              </a:rPr>
-              <a:t> de </a:t>
-            </a:r>
-            <a:r>
-              <a:rPr lang="en-US" sz="1800" b="0" strike="noStrike" spc="-1" dirty="0" err="1">
-                <a:solidFill>
-                  <a:srgbClr val="404040"/>
-                </a:solidFill>
-                <a:latin typeface="Calibri"/>
-              </a:rPr>
-              <a:t>acordo</a:t>
-            </a:r>
-            <a:r>
-              <a:rPr lang="en-US" sz="1800" b="0" strike="noStrike" spc="-1" dirty="0">
-                <a:solidFill>
-                  <a:srgbClr val="404040"/>
-                </a:solidFill>
-                <a:latin typeface="Calibri"/>
-              </a:rPr>
-              <a:t> com as </a:t>
-            </a:r>
-            <a:r>
-              <a:rPr lang="en-US" sz="1800" b="0" strike="noStrike" spc="-1" dirty="0" err="1">
-                <a:solidFill>
-                  <a:srgbClr val="404040"/>
-                </a:solidFill>
-                <a:latin typeface="Calibri"/>
-              </a:rPr>
-              <a:t>suas</a:t>
-            </a:r>
-            <a:r>
-              <a:rPr lang="en-US" sz="1800" b="0" strike="noStrike" spc="-1" dirty="0">
-                <a:solidFill>
-                  <a:srgbClr val="404040"/>
-                </a:solidFill>
-                <a:latin typeface="Calibri"/>
-              </a:rPr>
-              <a:t> </a:t>
-            </a:r>
-            <a:r>
-              <a:rPr lang="en-US" sz="1800" b="0" strike="noStrike" spc="-1" dirty="0" err="1">
-                <a:solidFill>
-                  <a:srgbClr val="404040"/>
-                </a:solidFill>
-                <a:latin typeface="Calibri"/>
-              </a:rPr>
-              <a:t>necessidades</a:t>
-            </a:r>
-            <a:r>
-              <a:rPr lang="en-US" sz="1800" b="0" strike="noStrike" spc="-1" dirty="0">
-                <a:solidFill>
-                  <a:srgbClr val="404040"/>
-                </a:solidFill>
-                <a:latin typeface="Calibri"/>
-              </a:rPr>
-              <a:t> e </a:t>
-            </a:r>
-            <a:r>
-              <a:rPr lang="en-US" sz="1800" b="0" strike="noStrike" spc="-1" dirty="0" err="1">
-                <a:solidFill>
-                  <a:srgbClr val="404040"/>
-                </a:solidFill>
-                <a:latin typeface="Calibri"/>
-              </a:rPr>
-              <a:t>preferências</a:t>
-            </a:r>
-            <a:r>
-              <a:rPr lang="en-US" sz="1800" b="0" strike="noStrike" spc="-1" dirty="0">
-                <a:solidFill>
-                  <a:srgbClr val="404040"/>
-                </a:solidFill>
-                <a:latin typeface="Calibri"/>
-              </a:rPr>
-              <a:t>;</a:t>
-            </a:r>
-          </a:p>
-        </p:txBody>
-      </p:sp>
-      <p:pic>
-        <p:nvPicPr>
-          <p:cNvPr id="113" name="Picture 4"/>
-          <p:cNvPicPr/>
-          <p:nvPr/>
-        </p:nvPicPr>
-        <p:blipFill>
-          <a:blip r:embed="rId2"/>
-          <a:stretch/>
-        </p:blipFill>
-        <p:spPr>
-          <a:xfrm>
-            <a:off x="163440" y="140400"/>
-            <a:ext cx="1247760" cy="621720"/>
-          </a:xfrm>
-          <a:prstGeom prst="rect">
-            <a:avLst/>
-          </a:prstGeom>
-          <a:ln w="0">
-            <a:noFill/>
-          </a:ln>
-        </p:spPr>
-      </p:pic>
-      <p:sp>
-        <p:nvSpPr>
-          <p:cNvPr id="114" name="TextBox 5"/>
-          <p:cNvSpPr/>
-          <p:nvPr/>
-        </p:nvSpPr>
-        <p:spPr>
-          <a:xfrm>
-            <a:off x="1411560" y="177480"/>
-            <a:ext cx="3071160" cy="521766"/>
-          </a:xfrm>
-          <a:prstGeom prst="rect">
-            <a:avLst/>
-          </a:prstGeom>
-          <a:noFill/>
-          <a:ln w="0">
-            <a:noFill/>
-          </a:ln>
-        </p:spPr>
-        <p:style>
-          <a:lnRef idx="0">
-            <a:scrgbClr r="0" g="0" b="0"/>
-          </a:lnRef>
-          <a:fillRef idx="0">
-            <a:scrgbClr r="0" g="0" b="0"/>
-          </a:fillRef>
-          <a:effectRef idx="0">
-            <a:scrgbClr r="0" g="0" b="0"/>
-          </a:effectRef>
-          <a:fontRef idx="minor"/>
-        </p:style>
-        <p:txBody>
-          <a:bodyPr lIns="90000" tIns="45000" rIns="90000" bIns="45000" anchor="t">
-            <a:spAutoFit/>
-          </a:bodyPr>
-          <a:lstStyle/>
-          <a:p>
-            <a:pPr>
-              <a:lnSpc>
-                <a:spcPct val="100000"/>
-              </a:lnSpc>
-              <a:buNone/>
-            </a:pPr>
-            <a:r>
-              <a:rPr lang="pt-PT" sz="1400" b="0" strike="noStrike" spc="-1" dirty="0">
-                <a:solidFill>
-                  <a:srgbClr val="000000"/>
-                </a:solidFill>
-                <a:latin typeface="Calibri Light"/>
-              </a:rPr>
-              <a:t>Laboratórios de Informática IV </a:t>
-            </a:r>
-            <a:endParaRPr lang="pt-PT" sz="1400" b="0" strike="noStrike" spc="-1" dirty="0">
-              <a:latin typeface="Arial"/>
-            </a:endParaRPr>
-          </a:p>
-          <a:p>
-            <a:pPr>
-              <a:lnSpc>
-                <a:spcPct val="100000"/>
-              </a:lnSpc>
-              <a:buNone/>
-            </a:pPr>
-            <a:r>
-              <a:rPr lang="pt-PT" sz="1400" b="0" strike="noStrike" spc="-1" dirty="0">
-                <a:solidFill>
-                  <a:srgbClr val="000000"/>
-                </a:solidFill>
-                <a:latin typeface="Calibri Light"/>
-              </a:rPr>
-              <a:t>Ano letivo 2022/2023</a:t>
-            </a:r>
-            <a:endParaRPr lang="pt-PT" sz="1400" b="0" strike="noStrike" spc="-1" dirty="0">
-              <a:latin typeface="Arial"/>
-            </a:endParaRPr>
-          </a:p>
-        </p:txBody>
-      </p:sp>
-      <p:sp>
-        <p:nvSpPr>
-          <p:cNvPr id="4" name="PlaceHolder 3"/>
-          <p:cNvSpPr>
-            <a:spLocks noGrp="1"/>
-          </p:cNvSpPr>
-          <p:nvPr>
-            <p:ph type="sldNum" idx="6"/>
-          </p:nvPr>
-        </p:nvSpPr>
-        <p:spPr/>
-        <p:txBody>
-          <a:bodyPr/>
-          <a:lstStyle/>
-          <a:p>
-            <a:fld id="{4279A468-6F6B-45CA-AA2F-469F2362FA49}" type="slidenum">
-              <a:rPr/>
-              <a:t>6</a:t>
-            </a:fld>
-            <a:endParaRPr/>
-          </a:p>
-        </p:txBody>
-      </p:sp>
-    </p:spTree>
-  </p:cSld>
-  <p:clrMapOvr>
-    <a:masterClrMapping/>
-  </p:clrMapOvr>
-  <mc:AlternateContent xmlns:mc="http://schemas.openxmlformats.org/markup-compatibility/2006" xmlns:p14="http://schemas.microsoft.com/office/powerpoint/2010/main">
-    <mc:Choice Requires="p14">
-      <p:transition spd="med" p14:dur="700">
-        <p:fade/>
-      </p:transition>
-    </mc:Choice>
-    <mc:Fallback xmlns="" xmlns:p15="http://schemas.microsoft.com/office/powerpoint/2012/main">
-      <p:transition spd="med">
-        <p:fade/>
-      </p:transition>
-    </mc:Fallback>
-  </mc:AlternateContent>
-</p:sld>
-</file>
-
-<file path=ppt/slides/slide7.xml><?xml version="1.0" encoding="utf-8"?>
-<p:sld xmlns:a="http://schemas.openxmlformats.org/drawingml/2006/main" xmlns:r="http://schemas.openxmlformats.org/officeDocument/2006/relationships" xmlns:p="http://schemas.openxmlformats.org/presentationml/2006/main">
-  <p:cSld>
-    <p:spTree>
-      <p:nvGrpSpPr>
-        <p:cNvPr id="1" name=""/>
-        <p:cNvGrpSpPr/>
-        <p:nvPr/>
-      </p:nvGrpSpPr>
-      <p:grpSpPr>
-        <a:xfrm>
-          <a:off x="0" y="0"/>
-          <a:ext cx="0" cy="0"/>
-          <a:chOff x="0" y="0"/>
-          <a:chExt cx="0" cy="0"/>
-        </a:xfrm>
-      </p:grpSpPr>
-      <p:sp>
-        <p:nvSpPr>
-          <p:cNvPr id="115" name="PlaceHolder 1"/>
-          <p:cNvSpPr>
-            <a:spLocks noGrp="1"/>
-          </p:cNvSpPr>
-          <p:nvPr>
-            <p:ph type="title"/>
-          </p:nvPr>
-        </p:nvSpPr>
-        <p:spPr>
-          <a:xfrm>
-            <a:off x="1097280" y="286560"/>
-            <a:ext cx="10058040" cy="1450440"/>
-          </a:xfrm>
-          <a:prstGeom prst="rect">
-            <a:avLst/>
-          </a:prstGeom>
-          <a:noFill/>
-          <a:ln w="0">
-            <a:noFill/>
-          </a:ln>
-        </p:spPr>
-        <p:txBody>
-          <a:bodyPr anchor="b">
-            <a:noAutofit/>
-          </a:bodyPr>
-          <a:lstStyle/>
-          <a:p>
-            <a:pPr algn="ctr">
-              <a:lnSpc>
-                <a:spcPct val="85000"/>
-              </a:lnSpc>
-              <a:buNone/>
-            </a:pPr>
-            <a:r>
-              <a:rPr lang="pt-PT" sz="4800" b="0" strike="noStrike" spc="-52">
-                <a:solidFill>
-                  <a:srgbClr val="404040"/>
-                </a:solidFill>
-                <a:latin typeface="Calibri Light"/>
-              </a:rPr>
-              <a:t>Viabilidade</a:t>
-            </a:r>
-            <a:endParaRPr lang="en-US" sz="4800" b="0" strike="noStrike" spc="-1">
-              <a:solidFill>
-                <a:srgbClr val="000000"/>
-              </a:solidFill>
-              <a:latin typeface="Calibri"/>
-            </a:endParaRPr>
-          </a:p>
-        </p:txBody>
-      </p:sp>
-      <p:sp>
-        <p:nvSpPr>
-          <p:cNvPr id="116" name="PlaceHolder 2"/>
-          <p:cNvSpPr>
-            <a:spLocks noGrp="1"/>
-          </p:cNvSpPr>
-          <p:nvPr>
-            <p:ph/>
-          </p:nvPr>
-        </p:nvSpPr>
-        <p:spPr>
-          <a:xfrm>
-            <a:off x="1097280" y="1845720"/>
-            <a:ext cx="10058040" cy="4023000"/>
-          </a:xfrm>
-          <a:prstGeom prst="rect">
-            <a:avLst/>
-          </a:prstGeom>
-          <a:noFill/>
-          <a:ln w="0">
-            <a:noFill/>
-          </a:ln>
-        </p:spPr>
-        <p:txBody>
-          <a:bodyPr lIns="0" rIns="0" anchor="t">
-            <a:noAutofit/>
-          </a:bodyPr>
-          <a:lstStyle/>
-          <a:p>
-            <a:pPr marL="201240" indent="0">
-              <a:lnSpc>
-                <a:spcPct val="90000"/>
-              </a:lnSpc>
-              <a:spcBef>
-                <a:spcPts val="201"/>
-              </a:spcBef>
-              <a:spcAft>
-                <a:spcPts val="400"/>
-              </a:spcAft>
-              <a:buClr>
-                <a:srgbClr val="E48312"/>
-              </a:buClr>
-              <a:buNone/>
-            </a:pPr>
-            <a:r>
-              <a:rPr lang="pt-PT" sz="2400" b="1" strike="noStrike" spc="-1" dirty="0">
-                <a:solidFill>
-                  <a:schemeClr val="accent1"/>
-                </a:solidFill>
-                <a:latin typeface="Calibri"/>
-              </a:rPr>
-              <a:t>Empresas:</a:t>
-            </a:r>
-          </a:p>
-          <a:p>
-            <a:pPr marL="841320" lvl="1" indent="-182880">
-              <a:spcBef>
-                <a:spcPts val="201"/>
-              </a:spcBef>
-              <a:spcAft>
-                <a:spcPts val="400"/>
-              </a:spcAft>
-              <a:buClr>
-                <a:srgbClr val="E48312"/>
-              </a:buClr>
-              <a:buFont typeface="Calibri"/>
-              <a:buChar char="◦"/>
-            </a:pPr>
-            <a:r>
-              <a:rPr lang="pt-PT" sz="1800" b="0" strike="noStrike" spc="-1" dirty="0">
-                <a:solidFill>
-                  <a:srgbClr val="404040"/>
-                </a:solidFill>
-                <a:latin typeface="Calibri"/>
-              </a:rPr>
-              <a:t>As tecnologias estão cada vez mais populares;</a:t>
-            </a:r>
-          </a:p>
-          <a:p>
-            <a:pPr marL="841320" lvl="1" indent="-182880">
-              <a:spcBef>
-                <a:spcPts val="201"/>
-              </a:spcBef>
-              <a:spcAft>
-                <a:spcPts val="400"/>
-              </a:spcAft>
-              <a:buClr>
-                <a:srgbClr val="E48312"/>
-              </a:buClr>
-              <a:buFont typeface="Calibri"/>
-              <a:buChar char="◦"/>
-            </a:pPr>
-            <a:r>
-              <a:rPr lang="pt-PT" sz="1800" b="0" strike="noStrike" spc="-1" dirty="0">
-                <a:solidFill>
-                  <a:srgbClr val="404040"/>
-                </a:solidFill>
-                <a:latin typeface="Calibri"/>
-              </a:rPr>
-              <a:t>Estamos numa pandemia mundial, que contribuiu para crise nas empresas;</a:t>
-            </a:r>
-          </a:p>
-          <a:p>
-            <a:pPr marL="841320" lvl="1" indent="-182880">
-              <a:spcBef>
-                <a:spcPts val="201"/>
-              </a:spcBef>
-              <a:spcAft>
-                <a:spcPts val="400"/>
-              </a:spcAft>
-              <a:buClr>
-                <a:srgbClr val="E48312"/>
-              </a:buClr>
-              <a:buFont typeface="Calibri"/>
-              <a:buChar char="◦"/>
-            </a:pPr>
-            <a:r>
-              <a:rPr lang="pt-PT" sz="1800" b="0" strike="noStrike" spc="-1" dirty="0">
-                <a:solidFill>
-                  <a:srgbClr val="404040"/>
-                </a:solidFill>
-                <a:latin typeface="Calibri"/>
-              </a:rPr>
-              <a:t>Esta aplicação </a:t>
-            </a:r>
-            <a:r>
-              <a:rPr lang="pt-PT" sz="1800" b="0" strike="noStrike" spc="-1" dirty="0" err="1">
-                <a:solidFill>
-                  <a:srgbClr val="404040"/>
-                </a:solidFill>
-                <a:latin typeface="Calibri"/>
-              </a:rPr>
-              <a:t>tras</a:t>
-            </a:r>
-            <a:r>
-              <a:rPr lang="pt-PT" sz="1800" b="0" strike="noStrike" spc="-1" dirty="0">
-                <a:solidFill>
-                  <a:srgbClr val="404040"/>
-                </a:solidFill>
-                <a:latin typeface="Calibri"/>
-              </a:rPr>
-              <a:t> as feiras para o mundo virtual.</a:t>
-            </a:r>
-          </a:p>
-          <a:p>
-            <a:pPr marL="384120" indent="-182880">
-              <a:lnSpc>
-                <a:spcPct val="90000"/>
-              </a:lnSpc>
-              <a:spcBef>
-                <a:spcPts val="201"/>
-              </a:spcBef>
-              <a:spcAft>
-                <a:spcPts val="400"/>
-              </a:spcAft>
-              <a:buClr>
-                <a:srgbClr val="E48312"/>
-              </a:buClr>
-              <a:buFont typeface="Calibri"/>
-              <a:buChar char="◦"/>
-            </a:pPr>
-            <a:endParaRPr lang="pt-PT" sz="1800" b="0" strike="noStrike" spc="-1" dirty="0">
-              <a:solidFill>
-                <a:srgbClr val="404040"/>
-              </a:solidFill>
-              <a:latin typeface="Calibri"/>
-            </a:endParaRPr>
-          </a:p>
-          <a:p>
-            <a:pPr marL="201240" indent="0">
-              <a:lnSpc>
-                <a:spcPct val="90000"/>
-              </a:lnSpc>
-              <a:spcBef>
-                <a:spcPts val="201"/>
-              </a:spcBef>
-              <a:spcAft>
-                <a:spcPts val="400"/>
-              </a:spcAft>
-              <a:buClr>
-                <a:srgbClr val="E48312"/>
-              </a:buClr>
-              <a:buNone/>
-            </a:pPr>
-            <a:r>
-              <a:rPr lang="pt-PT" sz="2400" b="1" strike="noStrike" spc="-1" dirty="0">
-                <a:solidFill>
-                  <a:schemeClr val="accent1"/>
-                </a:solidFill>
-                <a:latin typeface="Calibri"/>
-              </a:rPr>
-              <a:t>Utilizadores:</a:t>
-            </a:r>
-          </a:p>
-          <a:p>
-            <a:pPr marL="841320" lvl="1" indent="-182880">
-              <a:spcBef>
-                <a:spcPts val="201"/>
-              </a:spcBef>
-              <a:spcAft>
-                <a:spcPts val="400"/>
-              </a:spcAft>
-              <a:buClr>
-                <a:srgbClr val="E48312"/>
-              </a:buClr>
-              <a:buFont typeface="Calibri"/>
-              <a:buChar char="◦"/>
-            </a:pPr>
-            <a:r>
-              <a:rPr lang="pt-PT" sz="1800" b="0" strike="noStrike" spc="-1" dirty="0">
-                <a:solidFill>
-                  <a:srgbClr val="404040"/>
-                </a:solidFill>
-                <a:latin typeface="Calibri"/>
-              </a:rPr>
-              <a:t>Poderão usufruir dos certames na comodidade das suas residências;</a:t>
-            </a:r>
-          </a:p>
-          <a:p>
-            <a:pPr marL="841320" lvl="1" indent="-182880">
-              <a:spcBef>
-                <a:spcPts val="201"/>
-              </a:spcBef>
-              <a:spcAft>
-                <a:spcPts val="400"/>
-              </a:spcAft>
-              <a:buClr>
-                <a:srgbClr val="E48312"/>
-              </a:buClr>
-              <a:buFont typeface="Calibri"/>
-              <a:buChar char="◦"/>
-            </a:pPr>
-            <a:r>
-              <a:rPr lang="pt-PT" sz="1800" b="0" strike="noStrike" spc="-1" dirty="0">
-                <a:solidFill>
-                  <a:srgbClr val="404040"/>
-                </a:solidFill>
-                <a:latin typeface="Calibri"/>
-              </a:rPr>
-              <a:t>Redução nos custos, especialmente de transporte.</a:t>
-            </a:r>
-            <a:endParaRPr lang="en-US" sz="1800" b="0" strike="noStrike" spc="-1" dirty="0">
-              <a:solidFill>
-                <a:srgbClr val="404040"/>
-              </a:solidFill>
-              <a:latin typeface="Calibri"/>
-            </a:endParaRPr>
-          </a:p>
-        </p:txBody>
-      </p:sp>
-      <p:pic>
-        <p:nvPicPr>
-          <p:cNvPr id="117" name="Picture 4"/>
-          <p:cNvPicPr/>
-          <p:nvPr/>
-        </p:nvPicPr>
-        <p:blipFill>
-          <a:blip r:embed="rId2"/>
-          <a:stretch/>
-        </p:blipFill>
-        <p:spPr>
-          <a:xfrm>
-            <a:off x="163440" y="140400"/>
-            <a:ext cx="1247760" cy="621720"/>
-          </a:xfrm>
-          <a:prstGeom prst="rect">
-            <a:avLst/>
-          </a:prstGeom>
-          <a:ln w="0">
-            <a:noFill/>
-          </a:ln>
-        </p:spPr>
-      </p:pic>
-      <p:sp>
-        <p:nvSpPr>
-          <p:cNvPr id="118" name="TextBox 5"/>
-          <p:cNvSpPr/>
-          <p:nvPr/>
-        </p:nvSpPr>
-        <p:spPr>
-          <a:xfrm>
-            <a:off x="1411560" y="177480"/>
-            <a:ext cx="3071160" cy="521766"/>
-          </a:xfrm>
-          <a:prstGeom prst="rect">
-            <a:avLst/>
-          </a:prstGeom>
-          <a:noFill/>
-          <a:ln w="0">
-            <a:noFill/>
-          </a:ln>
-        </p:spPr>
-        <p:style>
-          <a:lnRef idx="0">
-            <a:scrgbClr r="0" g="0" b="0"/>
-          </a:lnRef>
-          <a:fillRef idx="0">
-            <a:scrgbClr r="0" g="0" b="0"/>
-          </a:fillRef>
-          <a:effectRef idx="0">
-            <a:scrgbClr r="0" g="0" b="0"/>
-          </a:effectRef>
-          <a:fontRef idx="minor"/>
-        </p:style>
-        <p:txBody>
-          <a:bodyPr lIns="90000" tIns="45000" rIns="90000" bIns="45000" anchor="t">
-            <a:spAutoFit/>
-          </a:bodyPr>
-          <a:lstStyle/>
-          <a:p>
-            <a:pPr>
-              <a:lnSpc>
-                <a:spcPct val="100000"/>
-              </a:lnSpc>
-              <a:buNone/>
-            </a:pPr>
-            <a:r>
-              <a:rPr lang="pt-PT" sz="1400" b="0" strike="noStrike" spc="-1" dirty="0">
-                <a:solidFill>
-                  <a:srgbClr val="000000"/>
-                </a:solidFill>
-                <a:latin typeface="Calibri Light"/>
-              </a:rPr>
-              <a:t>Laboratórios de Informática IV </a:t>
-            </a:r>
-            <a:endParaRPr lang="pt-PT" sz="1400" b="0" strike="noStrike" spc="-1" dirty="0">
-              <a:latin typeface="Arial"/>
-            </a:endParaRPr>
-          </a:p>
-          <a:p>
-            <a:pPr>
-              <a:lnSpc>
-                <a:spcPct val="100000"/>
-              </a:lnSpc>
-              <a:buNone/>
-            </a:pPr>
-            <a:r>
-              <a:rPr lang="pt-PT" sz="1400" b="0" strike="noStrike" spc="-1" dirty="0">
-                <a:solidFill>
-                  <a:srgbClr val="000000"/>
-                </a:solidFill>
-                <a:latin typeface="Calibri Light"/>
-              </a:rPr>
-              <a:t>Ano letivo 2022/2023</a:t>
-            </a:r>
-            <a:endParaRPr lang="pt-PT" sz="1400" b="0" strike="noStrike" spc="-1" dirty="0">
-              <a:latin typeface="Arial"/>
-            </a:endParaRPr>
-          </a:p>
-        </p:txBody>
-      </p:sp>
-      <p:sp>
-        <p:nvSpPr>
-          <p:cNvPr id="4" name="PlaceHolder 3"/>
-          <p:cNvSpPr>
-            <a:spLocks noGrp="1"/>
-          </p:cNvSpPr>
-          <p:nvPr>
-            <p:ph type="sldNum" idx="6"/>
-          </p:nvPr>
-        </p:nvSpPr>
-        <p:spPr/>
-        <p:txBody>
-          <a:bodyPr/>
-          <a:lstStyle/>
-          <a:p>
-            <a:fld id="{C0314447-0824-408D-969C-1098601B827C}" type="slidenum">
-              <a:rPr/>
-              <a:t>7</a:t>
-            </a:fld>
-            <a:endParaRPr/>
-          </a:p>
-        </p:txBody>
-      </p:sp>
-    </p:spTree>
-  </p:cSld>
-  <p:clrMapOvr>
-    <a:masterClrMapping/>
-  </p:clrMapOvr>
-  <mc:AlternateContent xmlns:mc="http://schemas.openxmlformats.org/markup-compatibility/2006" xmlns:p14="http://schemas.microsoft.com/office/powerpoint/2010/main">
-    <mc:Choice Requires="p14">
-      <p:transition spd="med" p14:dur="700">
-        <p:fade/>
-      </p:transition>
-    </mc:Choice>
-    <mc:Fallback xmlns="" xmlns:p15="http://schemas.microsoft.com/office/powerpoint/2012/main">
-      <p:transition spd="med">
-        <p:fade/>
-      </p:transition>
-    </mc:Fallback>
-  </mc:AlternateContent>
-</p:sld>
-</file>
-
-<file path=ppt/slides/slide8.xml><?xml version="1.0" encoding="utf-8"?>
-<p:sld xmlns:a="http://schemas.openxmlformats.org/drawingml/2006/main" xmlns:r="http://schemas.openxmlformats.org/officeDocument/2006/relationships" xmlns:p="http://schemas.openxmlformats.org/presentationml/2006/main">
-  <p:cSld>
-    <p:spTree>
-      <p:nvGrpSpPr>
-        <p:cNvPr id="1" name=""/>
-        <p:cNvGrpSpPr/>
-        <p:nvPr/>
-      </p:nvGrpSpPr>
-      <p:grpSpPr>
-        <a:xfrm>
-          <a:off x="0" y="0"/>
-          <a:ext cx="0" cy="0"/>
-          <a:chOff x="0" y="0"/>
-          <a:chExt cx="0" cy="0"/>
-        </a:xfrm>
-      </p:grpSpPr>
-      <p:sp>
-        <p:nvSpPr>
-          <p:cNvPr id="119" name="PlaceHolder 1"/>
-          <p:cNvSpPr>
-            <a:spLocks noGrp="1"/>
-          </p:cNvSpPr>
-          <p:nvPr>
-            <p:ph type="title"/>
-          </p:nvPr>
-        </p:nvSpPr>
-        <p:spPr>
-          <a:xfrm>
-            <a:off x="1097280" y="286560"/>
-            <a:ext cx="10058040" cy="1450440"/>
-          </a:xfrm>
-          <a:prstGeom prst="rect">
-            <a:avLst/>
-          </a:prstGeom>
-          <a:noFill/>
-          <a:ln w="0">
-            <a:noFill/>
-          </a:ln>
-        </p:spPr>
-        <p:txBody>
-          <a:bodyPr anchor="b">
-            <a:noAutofit/>
-          </a:bodyPr>
-          <a:lstStyle/>
-          <a:p>
-            <a:pPr algn="ctr">
-              <a:lnSpc>
-                <a:spcPct val="85000"/>
-              </a:lnSpc>
-              <a:buNone/>
-            </a:pPr>
-            <a:r>
-              <a:rPr lang="pt-PT" sz="4800" b="0" strike="noStrike" spc="-52">
-                <a:solidFill>
-                  <a:srgbClr val="404040"/>
-                </a:solidFill>
-                <a:latin typeface="Calibri Light"/>
-              </a:rPr>
-              <a:t>Recursos a utilizar</a:t>
-            </a:r>
-            <a:endParaRPr lang="en-US" sz="4800" b="0" strike="noStrike" spc="-1">
-              <a:solidFill>
-                <a:srgbClr val="000000"/>
-              </a:solidFill>
-              <a:latin typeface="Calibri"/>
-            </a:endParaRPr>
-          </a:p>
-        </p:txBody>
-      </p:sp>
-      <p:sp>
-        <p:nvSpPr>
-          <p:cNvPr id="120" name="PlaceHolder 2"/>
-          <p:cNvSpPr>
-            <a:spLocks noGrp="1"/>
-          </p:cNvSpPr>
-          <p:nvPr>
-            <p:ph/>
-          </p:nvPr>
-        </p:nvSpPr>
-        <p:spPr>
-          <a:xfrm>
-            <a:off x="1097280" y="1845720"/>
-            <a:ext cx="10058040" cy="4023000"/>
-          </a:xfrm>
-          <a:prstGeom prst="rect">
-            <a:avLst/>
-          </a:prstGeom>
-          <a:noFill/>
-          <a:ln w="0">
-            <a:noFill/>
-          </a:ln>
-        </p:spPr>
-        <p:txBody>
-          <a:bodyPr lIns="0" rIns="0" anchor="t">
-            <a:noAutofit/>
-          </a:bodyPr>
-          <a:lstStyle/>
-          <a:p>
-            <a:pPr marL="201240" indent="0">
-              <a:lnSpc>
-                <a:spcPct val="90000"/>
-              </a:lnSpc>
-              <a:spcBef>
-                <a:spcPts val="201"/>
-              </a:spcBef>
-              <a:spcAft>
-                <a:spcPts val="400"/>
-              </a:spcAft>
-              <a:buClr>
-                <a:srgbClr val="E48312"/>
-              </a:buClr>
-              <a:buNone/>
-            </a:pPr>
-            <a:r>
-              <a:rPr lang="en-US" sz="2400" b="1" strike="noStrike" spc="-1" dirty="0">
-                <a:solidFill>
-                  <a:schemeClr val="accent1"/>
-                </a:solidFill>
-                <a:latin typeface="Calibri"/>
-              </a:rPr>
-              <a:t>Hardware:</a:t>
-            </a:r>
-          </a:p>
-          <a:p>
-            <a:pPr marL="384120" indent="-182880">
-              <a:lnSpc>
-                <a:spcPct val="90000"/>
-              </a:lnSpc>
-              <a:spcBef>
-                <a:spcPts val="201"/>
-              </a:spcBef>
-              <a:spcAft>
-                <a:spcPts val="400"/>
-              </a:spcAft>
-              <a:buClr>
-                <a:srgbClr val="E48312"/>
-              </a:buClr>
-              <a:buFont typeface="Calibri"/>
-              <a:buChar char="◦"/>
-            </a:pPr>
-            <a:r>
-              <a:rPr lang="en-US" sz="1800" b="0" strike="noStrike" spc="-1" dirty="0">
-                <a:solidFill>
-                  <a:srgbClr val="404040"/>
-                </a:solidFill>
-                <a:latin typeface="Calibri"/>
-              </a:rPr>
-              <a:t>O </a:t>
-            </a:r>
-            <a:r>
-              <a:rPr lang="en-US" sz="1800" b="0" strike="noStrike" spc="-1" dirty="0" err="1">
-                <a:solidFill>
-                  <a:srgbClr val="404040"/>
-                </a:solidFill>
-                <a:latin typeface="Calibri"/>
-              </a:rPr>
-              <a:t>único</a:t>
-            </a:r>
-            <a:r>
-              <a:rPr lang="en-US" sz="1800" b="0" strike="noStrike" spc="-1" dirty="0">
-                <a:solidFill>
-                  <a:srgbClr val="404040"/>
-                </a:solidFill>
-                <a:latin typeface="Calibri"/>
-              </a:rPr>
-              <a:t> </a:t>
-            </a:r>
-            <a:r>
-              <a:rPr lang="en-US" sz="1800" b="0" strike="noStrike" spc="-1" dirty="0" err="1">
-                <a:solidFill>
-                  <a:srgbClr val="404040"/>
-                </a:solidFill>
-                <a:latin typeface="Calibri"/>
-              </a:rPr>
-              <a:t>recurso</a:t>
-            </a:r>
-            <a:r>
-              <a:rPr lang="en-US" sz="1800" b="0" strike="noStrike" spc="-1" dirty="0">
-                <a:solidFill>
-                  <a:srgbClr val="404040"/>
-                </a:solidFill>
-                <a:latin typeface="Calibri"/>
-              </a:rPr>
-              <a:t> </a:t>
-            </a:r>
-            <a:r>
-              <a:rPr lang="en-US" sz="1800" b="0" strike="noStrike" spc="-1" dirty="0" err="1">
-                <a:solidFill>
-                  <a:srgbClr val="404040"/>
-                </a:solidFill>
-                <a:latin typeface="Calibri"/>
-              </a:rPr>
-              <a:t>necessário</a:t>
-            </a:r>
-            <a:r>
-              <a:rPr lang="en-US" sz="1800" b="0" strike="noStrike" spc="-1" dirty="0">
-                <a:solidFill>
-                  <a:srgbClr val="404040"/>
-                </a:solidFill>
-                <a:latin typeface="Calibri"/>
-              </a:rPr>
-              <a:t>, tanto para o </a:t>
-            </a:r>
-            <a:r>
-              <a:rPr lang="en-US" sz="1800" b="0" strike="noStrike" spc="-1" dirty="0" err="1">
-                <a:solidFill>
-                  <a:srgbClr val="404040"/>
-                </a:solidFill>
-                <a:latin typeface="Calibri"/>
-              </a:rPr>
-              <a:t>feirante</a:t>
-            </a:r>
-            <a:r>
-              <a:rPr lang="en-US" sz="1800" b="0" strike="noStrike" spc="-1" dirty="0">
-                <a:solidFill>
-                  <a:srgbClr val="404040"/>
-                </a:solidFill>
-                <a:latin typeface="Calibri"/>
-              </a:rPr>
-              <a:t>, </a:t>
-            </a:r>
-            <a:r>
-              <a:rPr lang="en-US" sz="1800" b="0" strike="noStrike" spc="-1" dirty="0" err="1">
-                <a:solidFill>
-                  <a:srgbClr val="404040"/>
-                </a:solidFill>
-                <a:latin typeface="Calibri"/>
-              </a:rPr>
-              <a:t>quanto</a:t>
-            </a:r>
-            <a:r>
-              <a:rPr lang="en-US" sz="1800" b="0" strike="noStrike" spc="-1" dirty="0">
-                <a:solidFill>
-                  <a:srgbClr val="404040"/>
-                </a:solidFill>
-                <a:latin typeface="Calibri"/>
-              </a:rPr>
-              <a:t> para o </a:t>
-            </a:r>
-            <a:r>
-              <a:rPr lang="en-US" sz="1800" b="0" strike="noStrike" spc="-1" dirty="0" err="1">
-                <a:solidFill>
-                  <a:srgbClr val="404040"/>
-                </a:solidFill>
-                <a:latin typeface="Calibri"/>
-              </a:rPr>
-              <a:t>cliente</a:t>
-            </a:r>
-            <a:r>
-              <a:rPr lang="en-US" sz="1800" b="0" strike="noStrike" spc="-1" dirty="0">
-                <a:solidFill>
-                  <a:srgbClr val="404040"/>
-                </a:solidFill>
-                <a:latin typeface="Calibri"/>
-              </a:rPr>
-              <a:t>, </a:t>
-            </a:r>
-            <a:r>
-              <a:rPr lang="en-US" sz="1800" b="0" strike="noStrike" spc="-1" dirty="0" err="1">
-                <a:solidFill>
-                  <a:srgbClr val="404040"/>
-                </a:solidFill>
-                <a:latin typeface="Calibri"/>
-              </a:rPr>
-              <a:t>seria</a:t>
-            </a:r>
-            <a:r>
-              <a:rPr lang="en-US" sz="1800" b="0" strike="noStrike" spc="-1" dirty="0">
-                <a:solidFill>
-                  <a:srgbClr val="404040"/>
-                </a:solidFill>
-                <a:latin typeface="Calibri"/>
-              </a:rPr>
-              <a:t> um </a:t>
-            </a:r>
-            <a:r>
-              <a:rPr lang="en-US" sz="1800" b="0" strike="noStrike" spc="-1" dirty="0" err="1">
-                <a:solidFill>
-                  <a:srgbClr val="404040"/>
-                </a:solidFill>
-                <a:latin typeface="Calibri"/>
-              </a:rPr>
-              <a:t>dispositivo</a:t>
-            </a:r>
-            <a:r>
-              <a:rPr lang="en-US" sz="1800" b="0" strike="noStrike" spc="-1" dirty="0">
-                <a:solidFill>
-                  <a:srgbClr val="404040"/>
-                </a:solidFill>
-                <a:latin typeface="Calibri"/>
-              </a:rPr>
-              <a:t> com </a:t>
-            </a:r>
-            <a:r>
-              <a:rPr lang="en-US" sz="1800" b="0" strike="noStrike" spc="-1" dirty="0" err="1">
-                <a:solidFill>
-                  <a:srgbClr val="404040"/>
-                </a:solidFill>
-                <a:latin typeface="Calibri"/>
-              </a:rPr>
-              <a:t>acesso</a:t>
-            </a:r>
-            <a:r>
-              <a:rPr lang="en-US" sz="1800" b="0" strike="noStrike" spc="-1" dirty="0">
-                <a:solidFill>
-                  <a:srgbClr val="404040"/>
-                </a:solidFill>
-                <a:latin typeface="Calibri"/>
-              </a:rPr>
-              <a:t> à Internet.</a:t>
-            </a:r>
-          </a:p>
-          <a:p>
-            <a:pPr marL="201240" indent="0">
-              <a:lnSpc>
-                <a:spcPct val="90000"/>
-              </a:lnSpc>
-              <a:spcBef>
-                <a:spcPts val="201"/>
-              </a:spcBef>
-              <a:spcAft>
-                <a:spcPts val="400"/>
-              </a:spcAft>
-              <a:buClr>
-                <a:srgbClr val="E48312"/>
-              </a:buClr>
-              <a:buNone/>
-            </a:pPr>
-            <a:endParaRPr lang="en-US" sz="2400" b="1" strike="noStrike" spc="-1" dirty="0">
-              <a:solidFill>
-                <a:srgbClr val="404040"/>
-              </a:solidFill>
-              <a:latin typeface="Calibri"/>
-            </a:endParaRPr>
-          </a:p>
-          <a:p>
-            <a:pPr marL="201240" indent="0">
-              <a:lnSpc>
-                <a:spcPct val="90000"/>
-              </a:lnSpc>
-              <a:spcBef>
-                <a:spcPts val="201"/>
-              </a:spcBef>
-              <a:spcAft>
-                <a:spcPts val="400"/>
-              </a:spcAft>
-              <a:buClr>
-                <a:srgbClr val="E48312"/>
-              </a:buClr>
-              <a:buNone/>
-            </a:pPr>
-            <a:r>
-              <a:rPr lang="en-US" sz="2400" b="1" strike="noStrike" spc="-1" dirty="0">
-                <a:solidFill>
-                  <a:schemeClr val="accent1"/>
-                </a:solidFill>
-                <a:latin typeface="Calibri"/>
-              </a:rPr>
-              <a:t>Software:</a:t>
-            </a:r>
-          </a:p>
-          <a:p>
-            <a:pPr marL="384120" indent="-182880">
-              <a:lnSpc>
-                <a:spcPct val="90000"/>
-              </a:lnSpc>
-              <a:spcBef>
-                <a:spcPts val="201"/>
-              </a:spcBef>
-              <a:spcAft>
-                <a:spcPts val="400"/>
-              </a:spcAft>
-              <a:buClr>
-                <a:srgbClr val="E48312"/>
-              </a:buClr>
-              <a:buFont typeface="Calibri"/>
-              <a:buChar char="◦"/>
-            </a:pPr>
-            <a:r>
-              <a:rPr lang="en-US" sz="1800" b="0" strike="noStrike" spc="-1" dirty="0">
-                <a:solidFill>
-                  <a:srgbClr val="404040"/>
-                </a:solidFill>
-                <a:latin typeface="Calibri"/>
-              </a:rPr>
-              <a:t>A </a:t>
-            </a:r>
-            <a:r>
-              <a:rPr lang="en-US" sz="1800" b="0" strike="noStrike" spc="-1" dirty="0" err="1">
-                <a:solidFill>
-                  <a:srgbClr val="404040"/>
-                </a:solidFill>
-                <a:latin typeface="Calibri"/>
-              </a:rPr>
-              <a:t>aplicação</a:t>
-            </a:r>
-            <a:r>
-              <a:rPr lang="en-US" sz="1800" b="0" strike="noStrike" spc="-1" dirty="0">
-                <a:solidFill>
-                  <a:srgbClr val="404040"/>
-                </a:solidFill>
-                <a:latin typeface="Calibri"/>
-              </a:rPr>
-              <a:t> </a:t>
-            </a:r>
-            <a:r>
-              <a:rPr lang="en-US" sz="1800" b="0" strike="noStrike" spc="-1" dirty="0" err="1">
-                <a:solidFill>
-                  <a:srgbClr val="404040"/>
-                </a:solidFill>
-                <a:latin typeface="Calibri"/>
-              </a:rPr>
-              <a:t>em</a:t>
-            </a:r>
-            <a:r>
-              <a:rPr lang="en-US" sz="1800" b="0" strike="noStrike" spc="-1" dirty="0">
-                <a:solidFill>
-                  <a:srgbClr val="404040"/>
-                </a:solidFill>
-                <a:latin typeface="Calibri"/>
-              </a:rPr>
-              <a:t> </a:t>
-            </a:r>
-            <a:r>
-              <a:rPr lang="en-US" sz="1800" b="0" strike="noStrike" spc="-1" dirty="0" err="1">
-                <a:solidFill>
-                  <a:srgbClr val="404040"/>
-                </a:solidFill>
-                <a:latin typeface="Calibri"/>
-              </a:rPr>
-              <a:t>si</a:t>
-            </a:r>
-            <a:r>
-              <a:rPr lang="en-US" sz="1800" b="0" strike="noStrike" spc="-1" dirty="0">
-                <a:solidFill>
-                  <a:srgbClr val="404040"/>
-                </a:solidFill>
-                <a:latin typeface="Calibri"/>
-              </a:rPr>
-              <a:t> que se </a:t>
-            </a:r>
-            <a:r>
-              <a:rPr lang="en-US" sz="1800" b="0" strike="noStrike" spc="-1" dirty="0" err="1">
-                <a:solidFill>
-                  <a:srgbClr val="404040"/>
-                </a:solidFill>
-                <a:latin typeface="Calibri"/>
-              </a:rPr>
-              <a:t>serviu</a:t>
-            </a:r>
-            <a:r>
-              <a:rPr lang="en-US" sz="1800" b="0" strike="noStrike" spc="-1" dirty="0">
-                <a:solidFill>
-                  <a:srgbClr val="404040"/>
-                </a:solidFill>
-                <a:latin typeface="Calibri"/>
-              </a:rPr>
-              <a:t> das </a:t>
-            </a:r>
-            <a:r>
-              <a:rPr lang="en-US" sz="1800" b="0" strike="noStrike" spc="-1" dirty="0" err="1">
-                <a:solidFill>
-                  <a:srgbClr val="404040"/>
-                </a:solidFill>
-                <a:latin typeface="Calibri"/>
-              </a:rPr>
-              <a:t>seguintes</a:t>
-            </a:r>
-            <a:r>
-              <a:rPr lang="en-US" sz="1800" b="0" strike="noStrike" spc="-1" dirty="0">
-                <a:solidFill>
-                  <a:srgbClr val="404040"/>
-                </a:solidFill>
-                <a:latin typeface="Calibri"/>
-              </a:rPr>
-              <a:t> ferramentas para ser </a:t>
-            </a:r>
-            <a:r>
-              <a:rPr lang="en-US" sz="1800" b="0" strike="noStrike" spc="-1" dirty="0" err="1">
-                <a:solidFill>
-                  <a:srgbClr val="404040"/>
-                </a:solidFill>
-                <a:latin typeface="Calibri"/>
-              </a:rPr>
-              <a:t>desenvolvida</a:t>
-            </a:r>
-            <a:r>
-              <a:rPr lang="en-US" sz="1800" b="0" strike="noStrike" spc="-1" dirty="0">
-                <a:solidFill>
-                  <a:srgbClr val="404040"/>
-                </a:solidFill>
-                <a:latin typeface="Calibri"/>
-              </a:rPr>
-              <a:t>: Microsoft Visual Studio, Microsoft SQL Server, (Microsoft .NET C\# ?). </a:t>
-            </a:r>
-          </a:p>
-          <a:p>
-            <a:pPr marL="201240" indent="0">
-              <a:lnSpc>
-                <a:spcPct val="90000"/>
-              </a:lnSpc>
-              <a:spcBef>
-                <a:spcPts val="201"/>
-              </a:spcBef>
-              <a:spcAft>
-                <a:spcPts val="400"/>
-              </a:spcAft>
-              <a:buClr>
-                <a:srgbClr val="E48312"/>
-              </a:buClr>
-              <a:buNone/>
-            </a:pPr>
-            <a:endParaRPr lang="en-US" sz="1800" b="0" strike="noStrike" spc="-1" dirty="0">
-              <a:solidFill>
-                <a:srgbClr val="404040"/>
-              </a:solidFill>
-              <a:latin typeface="Calibri"/>
-            </a:endParaRPr>
-          </a:p>
-          <a:p>
-            <a:pPr marL="201240" indent="0">
-              <a:lnSpc>
-                <a:spcPct val="90000"/>
-              </a:lnSpc>
-              <a:spcBef>
-                <a:spcPts val="201"/>
-              </a:spcBef>
-              <a:spcAft>
-                <a:spcPts val="400"/>
-              </a:spcAft>
-              <a:buClr>
-                <a:srgbClr val="E48312"/>
-              </a:buClr>
-              <a:buNone/>
-            </a:pPr>
-            <a:r>
-              <a:rPr lang="en-US" sz="2400" b="1" strike="noStrike" spc="-1" dirty="0">
-                <a:solidFill>
-                  <a:schemeClr val="accent1"/>
-                </a:solidFill>
-                <a:latin typeface="Calibri"/>
-              </a:rPr>
-              <a:t>Humanos:</a:t>
-            </a:r>
-          </a:p>
-          <a:p>
-            <a:pPr marL="384120" indent="-182880">
-              <a:lnSpc>
-                <a:spcPct val="90000"/>
-              </a:lnSpc>
-              <a:spcBef>
-                <a:spcPts val="201"/>
-              </a:spcBef>
-              <a:spcAft>
-                <a:spcPts val="400"/>
-              </a:spcAft>
-              <a:buClr>
-                <a:srgbClr val="E48312"/>
-              </a:buClr>
-              <a:buFont typeface="Calibri"/>
-              <a:buChar char="◦"/>
-            </a:pPr>
-            <a:r>
-              <a:rPr lang="en-US" sz="1800" b="0" strike="noStrike" spc="-1" dirty="0">
-                <a:solidFill>
-                  <a:srgbClr val="404040"/>
-                </a:solidFill>
-                <a:latin typeface="Calibri"/>
-              </a:rPr>
-              <a:t>Para a </a:t>
-            </a:r>
-            <a:r>
-              <a:rPr lang="en-US" sz="1800" b="0" strike="noStrike" spc="-1" dirty="0" err="1">
-                <a:solidFill>
-                  <a:srgbClr val="404040"/>
-                </a:solidFill>
-                <a:latin typeface="Calibri"/>
-              </a:rPr>
-              <a:t>aplicação</a:t>
-            </a:r>
-            <a:r>
-              <a:rPr lang="en-US" sz="1800" b="0" strike="noStrike" spc="-1" dirty="0">
-                <a:solidFill>
-                  <a:srgbClr val="404040"/>
-                </a:solidFill>
-                <a:latin typeface="Calibri"/>
-              </a:rPr>
-              <a:t> </a:t>
-            </a:r>
-            <a:r>
-              <a:rPr lang="en-US" sz="1800" b="0" strike="noStrike" spc="-1" dirty="0" err="1">
-                <a:solidFill>
-                  <a:srgbClr val="404040"/>
-                </a:solidFill>
-                <a:latin typeface="Calibri"/>
-              </a:rPr>
-              <a:t>funcionar</a:t>
-            </a:r>
-            <a:r>
-              <a:rPr lang="en-US" sz="1800" b="0" strike="noStrike" spc="-1" dirty="0">
-                <a:solidFill>
-                  <a:srgbClr val="404040"/>
-                </a:solidFill>
-                <a:latin typeface="Calibri"/>
-              </a:rPr>
-              <a:t>, </a:t>
-            </a:r>
-            <a:r>
-              <a:rPr lang="en-US" sz="1800" b="0" strike="noStrike" spc="-1" dirty="0" err="1">
-                <a:solidFill>
-                  <a:srgbClr val="404040"/>
-                </a:solidFill>
-                <a:latin typeface="Calibri"/>
-              </a:rPr>
-              <a:t>foi</a:t>
-            </a:r>
-            <a:r>
-              <a:rPr lang="en-US" sz="1800" b="0" strike="noStrike" spc="-1" dirty="0">
-                <a:solidFill>
-                  <a:srgbClr val="404040"/>
-                </a:solidFill>
-                <a:latin typeface="Calibri"/>
-              </a:rPr>
-              <a:t> </a:t>
-            </a:r>
-            <a:r>
-              <a:rPr lang="en-US" sz="1800" b="0" strike="noStrike" spc="-1" dirty="0" err="1">
-                <a:solidFill>
-                  <a:srgbClr val="404040"/>
-                </a:solidFill>
-                <a:latin typeface="Calibri"/>
-              </a:rPr>
-              <a:t>necessária</a:t>
-            </a:r>
-            <a:r>
-              <a:rPr lang="en-US" sz="1800" b="0" strike="noStrike" spc="-1" dirty="0">
-                <a:solidFill>
-                  <a:srgbClr val="404040"/>
-                </a:solidFill>
-                <a:latin typeface="Calibri"/>
-              </a:rPr>
-              <a:t> </a:t>
-            </a:r>
-            <a:r>
-              <a:rPr lang="en-US" sz="1800" b="0" strike="noStrike" spc="-1" dirty="0" err="1">
-                <a:solidFill>
-                  <a:srgbClr val="404040"/>
-                </a:solidFill>
-                <a:latin typeface="Calibri"/>
-              </a:rPr>
-              <a:t>uma</a:t>
-            </a:r>
-            <a:r>
-              <a:rPr lang="en-US" sz="1800" b="0" strike="noStrike" spc="-1" dirty="0">
-                <a:solidFill>
-                  <a:srgbClr val="404040"/>
-                </a:solidFill>
-                <a:latin typeface="Calibri"/>
-              </a:rPr>
-              <a:t> </a:t>
-            </a:r>
-            <a:r>
-              <a:rPr lang="en-US" sz="1800" b="0" strike="noStrike" spc="-1" dirty="0" err="1">
-                <a:solidFill>
-                  <a:srgbClr val="404040"/>
-                </a:solidFill>
-                <a:latin typeface="Calibri"/>
-              </a:rPr>
-              <a:t>equipa</a:t>
-            </a:r>
-            <a:r>
-              <a:rPr lang="en-US" sz="1800" b="0" strike="noStrike" spc="-1" dirty="0">
-                <a:solidFill>
-                  <a:srgbClr val="404040"/>
-                </a:solidFill>
-                <a:latin typeface="Calibri"/>
-              </a:rPr>
-              <a:t> de 4 </a:t>
-            </a:r>
-            <a:r>
-              <a:rPr lang="en-US" sz="1800" b="0" strike="noStrike" spc="-1" dirty="0" err="1">
-                <a:solidFill>
-                  <a:srgbClr val="404040"/>
-                </a:solidFill>
-                <a:latin typeface="Calibri"/>
-              </a:rPr>
-              <a:t>elementos</a:t>
-            </a:r>
-            <a:r>
-              <a:rPr lang="en-US" sz="1800" b="0" strike="noStrike" spc="-1" dirty="0">
-                <a:solidFill>
-                  <a:srgbClr val="404040"/>
-                </a:solidFill>
-                <a:latin typeface="Calibri"/>
-              </a:rPr>
-              <a:t> para a </a:t>
-            </a:r>
-            <a:r>
-              <a:rPr lang="en-US" sz="1800" b="0" strike="noStrike" spc="-1" dirty="0" err="1">
-                <a:solidFill>
-                  <a:srgbClr val="404040"/>
-                </a:solidFill>
-                <a:latin typeface="Calibri"/>
-              </a:rPr>
-              <a:t>idealizar</a:t>
-            </a:r>
-            <a:r>
-              <a:rPr lang="en-US" sz="1800" b="0" strike="noStrike" spc="-1" dirty="0">
-                <a:solidFill>
-                  <a:srgbClr val="404040"/>
-                </a:solidFill>
-                <a:latin typeface="Calibri"/>
-              </a:rPr>
-              <a:t> e </a:t>
-            </a:r>
-            <a:r>
-              <a:rPr lang="en-US" sz="1800" b="0" strike="noStrike" spc="-1" dirty="0" err="1">
-                <a:solidFill>
-                  <a:srgbClr val="404040"/>
-                </a:solidFill>
-                <a:latin typeface="Calibri"/>
-              </a:rPr>
-              <a:t>desenvolver</a:t>
-            </a:r>
-            <a:r>
-              <a:rPr lang="en-US" sz="1800" b="0" strike="noStrike" spc="-1" dirty="0">
-                <a:solidFill>
-                  <a:srgbClr val="404040"/>
-                </a:solidFill>
-                <a:latin typeface="Calibri"/>
-              </a:rPr>
-              <a:t>. Para </a:t>
-            </a:r>
-            <a:r>
-              <a:rPr lang="en-US" sz="1800" b="0" strike="noStrike" spc="-1" dirty="0" err="1">
-                <a:solidFill>
-                  <a:srgbClr val="404040"/>
-                </a:solidFill>
-                <a:latin typeface="Calibri"/>
-              </a:rPr>
-              <a:t>além</a:t>
-            </a:r>
-            <a:r>
-              <a:rPr lang="en-US" sz="1800" b="0" strike="noStrike" spc="-1" dirty="0">
-                <a:solidFill>
-                  <a:srgbClr val="404040"/>
-                </a:solidFill>
-                <a:latin typeface="Calibri"/>
-              </a:rPr>
-              <a:t> </a:t>
-            </a:r>
-            <a:r>
-              <a:rPr lang="en-US" sz="1800" b="0" strike="noStrike" spc="-1" dirty="0" err="1">
-                <a:solidFill>
-                  <a:srgbClr val="404040"/>
-                </a:solidFill>
-                <a:latin typeface="Calibri"/>
-              </a:rPr>
-              <a:t>disso</a:t>
-            </a:r>
-            <a:r>
-              <a:rPr lang="en-US" sz="1800" b="0" strike="noStrike" spc="-1" dirty="0">
-                <a:solidFill>
-                  <a:srgbClr val="404040"/>
-                </a:solidFill>
-                <a:latin typeface="Calibri"/>
-              </a:rPr>
-              <a:t>, </a:t>
-            </a:r>
-            <a:r>
-              <a:rPr lang="en-US" sz="1800" b="0" strike="noStrike" spc="-1" dirty="0" err="1">
-                <a:solidFill>
-                  <a:srgbClr val="404040"/>
-                </a:solidFill>
-                <a:latin typeface="Calibri"/>
-              </a:rPr>
-              <a:t>os</a:t>
-            </a:r>
-            <a:r>
-              <a:rPr lang="en-US" sz="1800" b="0" strike="noStrike" spc="-1" dirty="0">
-                <a:solidFill>
-                  <a:srgbClr val="404040"/>
-                </a:solidFill>
-                <a:latin typeface="Calibri"/>
-              </a:rPr>
-              <a:t> </a:t>
-            </a:r>
-            <a:r>
-              <a:rPr lang="en-US" sz="1800" b="0" strike="noStrike" spc="-1" dirty="0" err="1">
-                <a:solidFill>
-                  <a:srgbClr val="404040"/>
-                </a:solidFill>
-                <a:latin typeface="Calibri"/>
-              </a:rPr>
-              <a:t>utilizadores</a:t>
-            </a:r>
-            <a:r>
-              <a:rPr lang="en-US" sz="1800" b="0" strike="noStrike" spc="-1" dirty="0">
-                <a:solidFill>
-                  <a:srgbClr val="404040"/>
-                </a:solidFill>
-                <a:latin typeface="Calibri"/>
-              </a:rPr>
-              <a:t>, tanto </a:t>
-            </a:r>
-            <a:r>
-              <a:rPr lang="en-US" sz="1800" b="0" strike="noStrike" spc="-1" dirty="0" err="1">
-                <a:solidFill>
-                  <a:srgbClr val="404040"/>
-                </a:solidFill>
-                <a:latin typeface="Calibri"/>
-              </a:rPr>
-              <a:t>clientes</a:t>
-            </a:r>
-            <a:r>
-              <a:rPr lang="en-US" sz="1800" b="0" strike="noStrike" spc="-1" dirty="0">
-                <a:solidFill>
-                  <a:srgbClr val="404040"/>
-                </a:solidFill>
-                <a:latin typeface="Calibri"/>
-              </a:rPr>
-              <a:t> </a:t>
-            </a:r>
-            <a:r>
-              <a:rPr lang="en-US" sz="1800" b="0" strike="noStrike" spc="-1" dirty="0" err="1">
-                <a:solidFill>
-                  <a:srgbClr val="404040"/>
-                </a:solidFill>
-                <a:latin typeface="Calibri"/>
-              </a:rPr>
-              <a:t>como</a:t>
-            </a:r>
-            <a:r>
-              <a:rPr lang="en-US" sz="1800" b="0" strike="noStrike" spc="-1" dirty="0">
-                <a:solidFill>
-                  <a:srgbClr val="404040"/>
-                </a:solidFill>
-                <a:latin typeface="Calibri"/>
-              </a:rPr>
-              <a:t> </a:t>
-            </a:r>
-            <a:r>
-              <a:rPr lang="en-US" sz="1800" b="0" strike="noStrike" spc="-1" dirty="0" err="1">
-                <a:solidFill>
-                  <a:srgbClr val="404040"/>
-                </a:solidFill>
-                <a:latin typeface="Calibri"/>
-              </a:rPr>
-              <a:t>feirantes</a:t>
-            </a:r>
-            <a:r>
-              <a:rPr lang="en-US" sz="1800" b="0" strike="noStrike" spc="-1" dirty="0">
-                <a:solidFill>
-                  <a:srgbClr val="404040"/>
-                </a:solidFill>
-                <a:latin typeface="Calibri"/>
-              </a:rPr>
-              <a:t>, </a:t>
-            </a:r>
-            <a:r>
-              <a:rPr lang="en-US" sz="1800" b="0" strike="noStrike" spc="-1" dirty="0" err="1">
-                <a:solidFill>
-                  <a:srgbClr val="404040"/>
-                </a:solidFill>
-                <a:latin typeface="Calibri"/>
-              </a:rPr>
-              <a:t>são</a:t>
-            </a:r>
-            <a:r>
-              <a:rPr lang="en-US" sz="1800" b="0" strike="noStrike" spc="-1" dirty="0">
-                <a:solidFill>
-                  <a:srgbClr val="404040"/>
-                </a:solidFill>
-                <a:latin typeface="Calibri"/>
-              </a:rPr>
-              <a:t> </a:t>
-            </a:r>
-            <a:r>
-              <a:rPr lang="en-US" sz="1800" b="0" strike="noStrike" spc="-1" dirty="0" err="1">
-                <a:solidFill>
-                  <a:srgbClr val="404040"/>
-                </a:solidFill>
-                <a:latin typeface="Calibri"/>
-              </a:rPr>
-              <a:t>fulcrais</a:t>
-            </a:r>
-            <a:r>
-              <a:rPr lang="en-US" sz="1800" b="0" strike="noStrike" spc="-1" dirty="0">
-                <a:solidFill>
-                  <a:srgbClr val="404040"/>
-                </a:solidFill>
-                <a:latin typeface="Calibri"/>
-              </a:rPr>
-              <a:t> para o </a:t>
-            </a:r>
-            <a:r>
-              <a:rPr lang="en-US" sz="1800" b="0" strike="noStrike" spc="-1" dirty="0" err="1">
-                <a:solidFill>
-                  <a:srgbClr val="404040"/>
-                </a:solidFill>
-                <a:latin typeface="Calibri"/>
-              </a:rPr>
-              <a:t>funcionamento</a:t>
-            </a:r>
-            <a:r>
-              <a:rPr lang="en-US" sz="1800" b="0" strike="noStrike" spc="-1" dirty="0">
-                <a:solidFill>
-                  <a:srgbClr val="404040"/>
-                </a:solidFill>
-                <a:latin typeface="Calibri"/>
-              </a:rPr>
-              <a:t> da </a:t>
-            </a:r>
-            <a:r>
-              <a:rPr lang="en-US" sz="1800" b="0" strike="noStrike" spc="-1" dirty="0" err="1">
-                <a:solidFill>
-                  <a:srgbClr val="404040"/>
-                </a:solidFill>
-                <a:latin typeface="Calibri"/>
-              </a:rPr>
-              <a:t>mesma</a:t>
-            </a:r>
-            <a:r>
-              <a:rPr lang="en-US" sz="1800" b="0" strike="noStrike" spc="-1" dirty="0">
-                <a:solidFill>
-                  <a:srgbClr val="404040"/>
-                </a:solidFill>
-                <a:latin typeface="Calibri"/>
-              </a:rPr>
-              <a:t>. </a:t>
-            </a:r>
-          </a:p>
-        </p:txBody>
-      </p:sp>
-      <p:pic>
-        <p:nvPicPr>
-          <p:cNvPr id="121" name="Picture 4"/>
-          <p:cNvPicPr/>
-          <p:nvPr/>
-        </p:nvPicPr>
-        <p:blipFill>
-          <a:blip r:embed="rId2"/>
-          <a:stretch/>
-        </p:blipFill>
-        <p:spPr>
-          <a:xfrm>
-            <a:off x="163440" y="140400"/>
-            <a:ext cx="1247760" cy="621720"/>
-          </a:xfrm>
-          <a:prstGeom prst="rect">
-            <a:avLst/>
-          </a:prstGeom>
-          <a:ln w="0">
-            <a:noFill/>
-          </a:ln>
-        </p:spPr>
-      </p:pic>
-      <p:sp>
-        <p:nvSpPr>
-          <p:cNvPr id="122" name="TextBox 5"/>
-          <p:cNvSpPr/>
-          <p:nvPr/>
-        </p:nvSpPr>
-        <p:spPr>
-          <a:xfrm>
-            <a:off x="1411560" y="177480"/>
-            <a:ext cx="3071160" cy="521766"/>
-          </a:xfrm>
-          <a:prstGeom prst="rect">
-            <a:avLst/>
-          </a:prstGeom>
-          <a:noFill/>
-          <a:ln w="0">
-            <a:noFill/>
-          </a:ln>
-        </p:spPr>
-        <p:style>
-          <a:lnRef idx="0">
-            <a:scrgbClr r="0" g="0" b="0"/>
-          </a:lnRef>
-          <a:fillRef idx="0">
-            <a:scrgbClr r="0" g="0" b="0"/>
-          </a:fillRef>
-          <a:effectRef idx="0">
-            <a:scrgbClr r="0" g="0" b="0"/>
-          </a:effectRef>
-          <a:fontRef idx="minor"/>
-        </p:style>
-        <p:txBody>
-          <a:bodyPr lIns="90000" tIns="45000" rIns="90000" bIns="45000" anchor="t">
-            <a:spAutoFit/>
-          </a:bodyPr>
-          <a:lstStyle/>
-          <a:p>
-            <a:pPr>
-              <a:lnSpc>
-                <a:spcPct val="100000"/>
-              </a:lnSpc>
-              <a:buNone/>
-            </a:pPr>
-            <a:r>
-              <a:rPr lang="pt-PT" sz="1400" b="0" strike="noStrike" spc="-1" dirty="0">
-                <a:solidFill>
-                  <a:srgbClr val="000000"/>
-                </a:solidFill>
-                <a:latin typeface="Calibri Light"/>
-              </a:rPr>
-              <a:t>Laboratórios de Informática IV </a:t>
-            </a:r>
-            <a:endParaRPr lang="pt-PT" sz="1400" b="0" strike="noStrike" spc="-1" dirty="0">
-              <a:latin typeface="Arial"/>
-            </a:endParaRPr>
-          </a:p>
-          <a:p>
-            <a:pPr>
-              <a:lnSpc>
-                <a:spcPct val="100000"/>
-              </a:lnSpc>
-              <a:buNone/>
-            </a:pPr>
-            <a:r>
-              <a:rPr lang="pt-PT" sz="1400" b="0" strike="noStrike" spc="-1" dirty="0">
-                <a:solidFill>
-                  <a:srgbClr val="000000"/>
-                </a:solidFill>
-                <a:latin typeface="Calibri Light"/>
-              </a:rPr>
-              <a:t>Ano letivo 2022/2023</a:t>
-            </a:r>
-            <a:endParaRPr lang="pt-PT" sz="1400" b="0" strike="noStrike" spc="-1" dirty="0">
-              <a:latin typeface="Arial"/>
-            </a:endParaRPr>
-          </a:p>
-        </p:txBody>
-      </p:sp>
-      <p:sp>
-        <p:nvSpPr>
-          <p:cNvPr id="4" name="PlaceHolder 3"/>
-          <p:cNvSpPr>
-            <a:spLocks noGrp="1"/>
-          </p:cNvSpPr>
-          <p:nvPr>
-            <p:ph type="sldNum" idx="6"/>
-          </p:nvPr>
-        </p:nvSpPr>
-        <p:spPr/>
-        <p:txBody>
-          <a:bodyPr/>
-          <a:lstStyle/>
-          <a:p>
-            <a:fld id="{D361D6E8-603E-4931-97F3-418BFB11E6B6}" type="slidenum">
-              <a:rPr/>
-              <a:t>8</a:t>
-            </a:fld>
-            <a:endParaRPr/>
-          </a:p>
-        </p:txBody>
-      </p:sp>
-    </p:spTree>
-  </p:cSld>
-  <p:clrMapOvr>
-    <a:masterClrMapping/>
-  </p:clrMapOvr>
-  <mc:AlternateContent xmlns:mc="http://schemas.openxmlformats.org/markup-compatibility/2006" xmlns:p14="http://schemas.microsoft.com/office/powerpoint/2010/main">
-    <mc:Choice Requires="p14">
-      <p:transition spd="med" p14:dur="700">
-        <p:fade/>
-      </p:transition>
-    </mc:Choice>
-    <mc:Fallback xmlns="" xmlns:p15="http://schemas.microsoft.com/office/powerpoint/2012/main">
-      <p:transition spd="med">
-        <p:fade/>
-      </p:transition>
-    </mc:Fallback>
-  </mc:AlternateContent>
-</p:sld>
-</file>
-
-<file path=ppt/slides/slide9.xml><?xml version="1.0" encoding="utf-8"?>
-<p:sld xmlns:a="http://schemas.openxmlformats.org/drawingml/2006/main" xmlns:r="http://schemas.openxmlformats.org/officeDocument/2006/relationships" xmlns:p="http://schemas.openxmlformats.org/presentationml/2006/main">
-  <p:cSld>
-    <p:spTree>
-      <p:nvGrpSpPr>
-        <p:cNvPr id="1" name=""/>
-        <p:cNvGrpSpPr/>
-        <p:nvPr/>
-      </p:nvGrpSpPr>
-      <p:grpSpPr>
-        <a:xfrm>
-          <a:off x="0" y="0"/>
-          <a:ext cx="0" cy="0"/>
-          <a:chOff x="0" y="0"/>
-          <a:chExt cx="0" cy="0"/>
-        </a:xfrm>
-      </p:grpSpPr>
-      <p:sp>
-        <p:nvSpPr>
-          <p:cNvPr id="123" name="PlaceHolder 1"/>
-          <p:cNvSpPr>
-            <a:spLocks noGrp="1"/>
-          </p:cNvSpPr>
-          <p:nvPr>
-            <p:ph type="title"/>
-          </p:nvPr>
-        </p:nvSpPr>
-        <p:spPr>
-          <a:xfrm>
-            <a:off x="1097280" y="286560"/>
-            <a:ext cx="10058040" cy="1450440"/>
-          </a:xfrm>
-          <a:prstGeom prst="rect">
-            <a:avLst/>
-          </a:prstGeom>
-          <a:noFill/>
-          <a:ln w="0">
-            <a:noFill/>
-          </a:ln>
-        </p:spPr>
-        <p:txBody>
-          <a:bodyPr anchor="b">
-            <a:noAutofit/>
-          </a:bodyPr>
-          <a:lstStyle/>
-          <a:p>
-            <a:pPr algn="ctr">
-              <a:lnSpc>
-                <a:spcPct val="85000"/>
-              </a:lnSpc>
-              <a:buNone/>
-            </a:pPr>
-            <a:r>
-              <a:rPr lang="pt-PT" sz="4800" b="0" strike="noStrike" spc="-52" dirty="0">
-                <a:solidFill>
-                  <a:srgbClr val="404040"/>
-                </a:solidFill>
-                <a:latin typeface="Calibri Light"/>
-              </a:rPr>
-              <a:t>Equipa de trabalho</a:t>
-            </a:r>
-            <a:endParaRPr lang="en-US" sz="4800" b="0" strike="noStrike" spc="-1" dirty="0">
-              <a:solidFill>
-                <a:srgbClr val="000000"/>
-              </a:solidFill>
-              <a:latin typeface="Calibri"/>
-            </a:endParaRPr>
-          </a:p>
-        </p:txBody>
-      </p:sp>
-      <p:sp>
-        <p:nvSpPr>
-          <p:cNvPr id="124" name="PlaceHolder 2"/>
-          <p:cNvSpPr>
-            <a:spLocks noGrp="1"/>
-          </p:cNvSpPr>
-          <p:nvPr>
-            <p:ph/>
-          </p:nvPr>
-        </p:nvSpPr>
-        <p:spPr>
-          <a:xfrm>
-            <a:off x="1097280" y="1845720"/>
-            <a:ext cx="10058040" cy="4023000"/>
-          </a:xfrm>
-          <a:prstGeom prst="rect">
-            <a:avLst/>
-          </a:prstGeom>
-          <a:noFill/>
-          <a:ln w="0">
-            <a:noFill/>
-          </a:ln>
-        </p:spPr>
-        <p:txBody>
-          <a:bodyPr lIns="0" rIns="0" anchor="t">
-            <a:noAutofit/>
-          </a:bodyPr>
-          <a:lstStyle/>
-          <a:p>
-            <a:pPr marL="450900" indent="-342900">
-              <a:spcBef>
-                <a:spcPts val="1417"/>
-              </a:spcBef>
-              <a:buClr>
-                <a:schemeClr val="accent1"/>
-              </a:buClr>
-              <a:buSzPct val="45000"/>
-              <a:buFont typeface="Courier New" panose="02070309020205020404" pitchFamily="49" charset="0"/>
-              <a:buChar char="o"/>
-            </a:pPr>
-            <a:r>
-              <a:rPr lang="en-US" sz="2000" b="0" strike="noStrike" spc="-1" dirty="0">
-                <a:solidFill>
-                  <a:srgbClr val="404040"/>
-                </a:solidFill>
-                <a:latin typeface="Calibri"/>
-              </a:rPr>
-              <a:t>A </a:t>
-            </a:r>
-            <a:r>
-              <a:rPr lang="en-US" sz="2000" b="0" strike="noStrike" spc="-1" dirty="0" err="1">
-                <a:solidFill>
-                  <a:srgbClr val="404040"/>
-                </a:solidFill>
-                <a:latin typeface="Calibri"/>
-              </a:rPr>
-              <a:t>equipa</a:t>
-            </a:r>
-            <a:r>
-              <a:rPr lang="en-US" sz="2000" b="0" strike="noStrike" spc="-1" dirty="0">
-                <a:solidFill>
-                  <a:srgbClr val="404040"/>
-                </a:solidFill>
-                <a:latin typeface="Calibri"/>
-              </a:rPr>
-              <a:t> de </a:t>
-            </a:r>
-            <a:r>
-              <a:rPr lang="en-US" sz="2000" b="0" strike="noStrike" spc="-1" dirty="0" err="1">
-                <a:solidFill>
-                  <a:srgbClr val="404040"/>
-                </a:solidFill>
-                <a:latin typeface="Calibri"/>
-              </a:rPr>
-              <a:t>trabalho</a:t>
-            </a:r>
-            <a:r>
-              <a:rPr lang="en-US" sz="2000" b="0" strike="noStrike" spc="-1" dirty="0">
-                <a:solidFill>
-                  <a:srgbClr val="404040"/>
-                </a:solidFill>
-                <a:latin typeface="Calibri"/>
-              </a:rPr>
-              <a:t> </a:t>
-            </a:r>
-            <a:r>
-              <a:rPr lang="en-US" sz="2000" b="0" strike="noStrike" spc="-1" dirty="0" err="1">
-                <a:solidFill>
-                  <a:srgbClr val="404040"/>
-                </a:solidFill>
-                <a:latin typeface="Calibri"/>
-              </a:rPr>
-              <a:t>é</a:t>
-            </a:r>
-            <a:r>
-              <a:rPr lang="en-US" sz="2000" b="0" strike="noStrike" spc="-1" dirty="0">
-                <a:solidFill>
-                  <a:srgbClr val="404040"/>
-                </a:solidFill>
-                <a:latin typeface="Calibri"/>
-              </a:rPr>
-              <a:t> </a:t>
-            </a:r>
-            <a:r>
-              <a:rPr lang="en-US" sz="2000" b="0" strike="noStrike" spc="-1" dirty="0" err="1">
-                <a:solidFill>
-                  <a:srgbClr val="404040"/>
-                </a:solidFill>
-                <a:latin typeface="Calibri"/>
-              </a:rPr>
-              <a:t>composta</a:t>
-            </a:r>
-            <a:r>
-              <a:rPr lang="en-US" sz="2000" b="0" strike="noStrike" spc="-1" dirty="0">
-                <a:solidFill>
-                  <a:srgbClr val="404040"/>
-                </a:solidFill>
-                <a:latin typeface="Calibri"/>
-              </a:rPr>
-              <a:t> </a:t>
-            </a:r>
-            <a:r>
-              <a:rPr lang="en-US" sz="2000" b="0" strike="noStrike" spc="-1" dirty="0" err="1">
-                <a:solidFill>
-                  <a:srgbClr val="404040"/>
-                </a:solidFill>
-                <a:latin typeface="Calibri"/>
-              </a:rPr>
-              <a:t>por</a:t>
-            </a:r>
-            <a:r>
-              <a:rPr lang="en-US" sz="2000" b="0" strike="noStrike" spc="-1" dirty="0">
-                <a:solidFill>
-                  <a:srgbClr val="404040"/>
-                </a:solidFill>
-                <a:latin typeface="Calibri"/>
-              </a:rPr>
-              <a:t> </a:t>
-            </a:r>
-            <a:r>
-              <a:rPr lang="en-US" sz="2000" b="0" strike="noStrike" spc="-1" dirty="0" err="1">
-                <a:solidFill>
-                  <a:srgbClr val="404040"/>
-                </a:solidFill>
-                <a:latin typeface="Calibri"/>
-              </a:rPr>
-              <a:t>todos</a:t>
-            </a:r>
-            <a:r>
-              <a:rPr lang="en-US" sz="2000" b="0" strike="noStrike" spc="-1" dirty="0">
-                <a:solidFill>
-                  <a:srgbClr val="404040"/>
-                </a:solidFill>
-                <a:latin typeface="Calibri"/>
-              </a:rPr>
-              <a:t> </a:t>
-            </a:r>
-            <a:r>
-              <a:rPr lang="en-US" sz="2000" b="0" strike="noStrike" spc="-1" dirty="0" err="1">
-                <a:solidFill>
-                  <a:srgbClr val="404040"/>
-                </a:solidFill>
-                <a:latin typeface="Calibri"/>
-              </a:rPr>
-              <a:t>aqueles</a:t>
-            </a:r>
-            <a:r>
-              <a:rPr lang="en-US" sz="2000" b="0" strike="noStrike" spc="-1" dirty="0">
-                <a:solidFill>
-                  <a:srgbClr val="404040"/>
-                </a:solidFill>
-                <a:latin typeface="Calibri"/>
-              </a:rPr>
-              <a:t> que </a:t>
-            </a:r>
-            <a:r>
-              <a:rPr lang="en-US" sz="2000" b="0" strike="noStrike" spc="-1" dirty="0" err="1">
-                <a:solidFill>
-                  <a:srgbClr val="404040"/>
-                </a:solidFill>
-                <a:latin typeface="Calibri"/>
-              </a:rPr>
-              <a:t>trabalham</a:t>
-            </a:r>
-            <a:r>
-              <a:rPr lang="en-US" sz="2000" b="0" strike="noStrike" spc="-1" dirty="0">
-                <a:solidFill>
-                  <a:srgbClr val="404040"/>
-                </a:solidFill>
-                <a:latin typeface="Calibri"/>
-              </a:rPr>
-              <a:t> </a:t>
-            </a:r>
-            <a:r>
-              <a:rPr lang="en-US" sz="2000" b="0" strike="noStrike" spc="-1" dirty="0" err="1">
-                <a:solidFill>
-                  <a:srgbClr val="404040"/>
-                </a:solidFill>
-                <a:latin typeface="Calibri"/>
-              </a:rPr>
-              <a:t>na</a:t>
-            </a:r>
-            <a:r>
-              <a:rPr lang="en-US" sz="2000" b="0" strike="noStrike" spc="-1" dirty="0">
-                <a:solidFill>
-                  <a:srgbClr val="404040"/>
-                </a:solidFill>
-                <a:latin typeface="Calibri"/>
-              </a:rPr>
-              <a:t> </a:t>
-            </a:r>
-            <a:r>
-              <a:rPr lang="en-US" sz="2000" b="0" strike="noStrike" spc="-1" dirty="0" err="1">
-                <a:solidFill>
-                  <a:srgbClr val="404040"/>
-                </a:solidFill>
-                <a:latin typeface="Calibri"/>
-              </a:rPr>
-              <a:t>construção</a:t>
-            </a:r>
-            <a:r>
-              <a:rPr lang="en-US" sz="2000" b="0" strike="noStrike" spc="-1" dirty="0">
-                <a:solidFill>
-                  <a:srgbClr val="404040"/>
-                </a:solidFill>
-                <a:latin typeface="Calibri"/>
-              </a:rPr>
-              <a:t> e </a:t>
-            </a:r>
-            <a:r>
-              <a:rPr lang="en-US" sz="2000" b="0" strike="noStrike" spc="-1" dirty="0" err="1">
-                <a:solidFill>
-                  <a:srgbClr val="404040"/>
-                </a:solidFill>
-                <a:latin typeface="Calibri"/>
-              </a:rPr>
-              <a:t>manutenção</a:t>
-            </a:r>
-            <a:r>
-              <a:rPr lang="en-US" sz="2000" b="0" strike="noStrike" spc="-1" dirty="0">
-                <a:solidFill>
-                  <a:srgbClr val="404040"/>
-                </a:solidFill>
-                <a:latin typeface="Calibri"/>
-              </a:rPr>
-              <a:t> do software, </a:t>
-            </a:r>
-            <a:r>
-              <a:rPr lang="en-US" sz="2000" b="0" strike="noStrike" spc="-1" dirty="0" err="1">
-                <a:solidFill>
-                  <a:srgbClr val="404040"/>
-                </a:solidFill>
-                <a:latin typeface="Calibri"/>
-              </a:rPr>
-              <a:t>como</a:t>
-            </a:r>
-            <a:r>
-              <a:rPr lang="en-US" sz="2000" b="0" strike="noStrike" spc="-1" dirty="0">
-                <a:solidFill>
-                  <a:srgbClr val="404040"/>
-                </a:solidFill>
-                <a:latin typeface="Calibri"/>
-              </a:rPr>
-              <a:t> </a:t>
-            </a:r>
-            <a:r>
-              <a:rPr lang="en-US" sz="2000" b="0" strike="noStrike" spc="-1" dirty="0" err="1">
-                <a:solidFill>
-                  <a:srgbClr val="404040"/>
-                </a:solidFill>
-                <a:latin typeface="Calibri"/>
-              </a:rPr>
-              <a:t>é</a:t>
-            </a:r>
-            <a:r>
-              <a:rPr lang="en-US" sz="2000" b="0" strike="noStrike" spc="-1" dirty="0">
-                <a:solidFill>
-                  <a:srgbClr val="404040"/>
-                </a:solidFill>
-                <a:latin typeface="Calibri"/>
-              </a:rPr>
-              <a:t> o </a:t>
-            </a:r>
-            <a:r>
-              <a:rPr lang="en-US" sz="2000" b="0" strike="noStrike" spc="-1" dirty="0" err="1">
-                <a:solidFill>
-                  <a:srgbClr val="404040"/>
-                </a:solidFill>
-                <a:latin typeface="Calibri"/>
-              </a:rPr>
-              <a:t>caso</a:t>
-            </a:r>
-            <a:r>
-              <a:rPr lang="en-US" sz="2000" b="0" strike="noStrike" spc="-1" dirty="0">
-                <a:solidFill>
-                  <a:srgbClr val="404040"/>
-                </a:solidFill>
-                <a:latin typeface="Calibri"/>
-              </a:rPr>
-              <a:t> dos </a:t>
-            </a:r>
-            <a:r>
-              <a:rPr lang="en-US" sz="2000" b="0" strike="noStrike" spc="-1" dirty="0" err="1">
-                <a:solidFill>
-                  <a:srgbClr val="404040"/>
-                </a:solidFill>
-                <a:latin typeface="Calibri"/>
-              </a:rPr>
-              <a:t>estudantes</a:t>
-            </a:r>
-            <a:r>
-              <a:rPr lang="en-US" sz="2000" b="0" strike="noStrike" spc="-1" dirty="0">
-                <a:solidFill>
-                  <a:srgbClr val="404040"/>
-                </a:solidFill>
-                <a:latin typeface="Calibri"/>
-              </a:rPr>
-              <a:t> da </a:t>
-            </a:r>
-            <a:r>
-              <a:rPr lang="en-US" sz="2000" b="0" strike="noStrike" spc="-1" dirty="0" err="1">
-                <a:solidFill>
-                  <a:srgbClr val="404040"/>
-                </a:solidFill>
-                <a:latin typeface="Calibri"/>
-              </a:rPr>
-              <a:t>Universidade</a:t>
-            </a:r>
-            <a:r>
-              <a:rPr lang="en-US" sz="2000" b="0" strike="noStrike" spc="-1" dirty="0">
-                <a:solidFill>
-                  <a:srgbClr val="404040"/>
-                </a:solidFill>
-                <a:latin typeface="Calibri"/>
-              </a:rPr>
-              <a:t> do Minho que </a:t>
-            </a:r>
-            <a:r>
-              <a:rPr lang="en-US" sz="2000" b="0" strike="noStrike" spc="-1" dirty="0" err="1">
-                <a:solidFill>
-                  <a:srgbClr val="404040"/>
-                </a:solidFill>
-                <a:latin typeface="Calibri"/>
-              </a:rPr>
-              <a:t>desenvolveram</a:t>
-            </a:r>
-            <a:r>
-              <a:rPr lang="en-US" sz="2000" b="0" strike="noStrike" spc="-1" dirty="0">
-                <a:solidFill>
-                  <a:srgbClr val="404040"/>
-                </a:solidFill>
-                <a:latin typeface="Calibri"/>
-              </a:rPr>
-              <a:t> a </a:t>
-            </a:r>
-            <a:r>
-              <a:rPr lang="en-US" sz="2000" b="0" strike="noStrike" spc="-1" dirty="0" err="1">
-                <a:solidFill>
-                  <a:srgbClr val="404040"/>
-                </a:solidFill>
-                <a:latin typeface="Calibri"/>
-              </a:rPr>
-              <a:t>aplicação</a:t>
-            </a:r>
-            <a:r>
-              <a:rPr lang="en-US" sz="2000" b="0" strike="noStrike" spc="-1" dirty="0">
-                <a:solidFill>
-                  <a:srgbClr val="404040"/>
-                </a:solidFill>
-                <a:latin typeface="Calibri"/>
-              </a:rPr>
-              <a:t>, </a:t>
-            </a:r>
-            <a:r>
-              <a:rPr lang="en-US" sz="2000" b="0" strike="noStrike" spc="-1" dirty="0" err="1">
-                <a:solidFill>
-                  <a:srgbClr val="404040"/>
-                </a:solidFill>
-                <a:latin typeface="Calibri"/>
-              </a:rPr>
-              <a:t>desde</a:t>
-            </a:r>
-            <a:r>
-              <a:rPr lang="en-US" sz="2000" b="0" strike="noStrike" spc="-1" dirty="0">
-                <a:solidFill>
-                  <a:srgbClr val="404040"/>
-                </a:solidFill>
-                <a:latin typeface="Calibri"/>
-              </a:rPr>
-              <a:t> o </a:t>
-            </a:r>
-            <a:r>
-              <a:rPr lang="en-US" sz="2000" b="0" strike="noStrike" spc="-1" dirty="0" err="1">
-                <a:solidFill>
-                  <a:srgbClr val="404040"/>
-                </a:solidFill>
-                <a:latin typeface="Calibri"/>
-              </a:rPr>
-              <a:t>levantamento</a:t>
-            </a:r>
-            <a:r>
-              <a:rPr lang="en-US" sz="2000" b="0" strike="noStrike" spc="-1" dirty="0">
-                <a:solidFill>
-                  <a:srgbClr val="404040"/>
-                </a:solidFill>
-                <a:latin typeface="Calibri"/>
-              </a:rPr>
-              <a:t> de </a:t>
-            </a:r>
-            <a:r>
-              <a:rPr lang="en-US" sz="2000" b="0" strike="noStrike" spc="-1" dirty="0" err="1">
-                <a:solidFill>
-                  <a:srgbClr val="404040"/>
-                </a:solidFill>
-                <a:latin typeface="Calibri"/>
-              </a:rPr>
-              <a:t>requisitos</a:t>
-            </a:r>
-            <a:r>
-              <a:rPr lang="en-US" sz="2000" b="0" strike="noStrike" spc="-1" dirty="0">
-                <a:solidFill>
-                  <a:srgbClr val="404040"/>
-                </a:solidFill>
-                <a:latin typeface="Calibri"/>
-              </a:rPr>
-              <a:t>, </a:t>
-            </a:r>
-            <a:r>
-              <a:rPr lang="en-US" sz="2000" b="0" strike="noStrike" spc="-1" dirty="0" err="1">
-                <a:solidFill>
-                  <a:srgbClr val="404040"/>
-                </a:solidFill>
-                <a:latin typeface="Calibri"/>
-              </a:rPr>
-              <a:t>passando</a:t>
-            </a:r>
-            <a:r>
-              <a:rPr lang="en-US" sz="2000" b="0" strike="noStrike" spc="-1" dirty="0">
-                <a:solidFill>
-                  <a:srgbClr val="404040"/>
-                </a:solidFill>
-                <a:latin typeface="Calibri"/>
-              </a:rPr>
-              <a:t> pela </a:t>
-            </a:r>
-            <a:r>
-              <a:rPr lang="en-US" sz="2000" b="0" strike="noStrike" spc="-1" dirty="0" err="1">
-                <a:solidFill>
-                  <a:srgbClr val="404040"/>
-                </a:solidFill>
-                <a:latin typeface="Calibri"/>
-              </a:rPr>
-              <a:t>modelação</a:t>
-            </a:r>
-            <a:r>
-              <a:rPr lang="en-US" sz="2000" b="0" strike="noStrike" spc="-1" dirty="0">
-                <a:solidFill>
-                  <a:srgbClr val="404040"/>
-                </a:solidFill>
-                <a:latin typeface="Calibri"/>
-              </a:rPr>
-              <a:t> do </a:t>
-            </a:r>
-            <a:r>
-              <a:rPr lang="en-US" sz="2000" b="0" strike="noStrike" spc="-1" dirty="0" err="1">
-                <a:solidFill>
-                  <a:srgbClr val="404040"/>
-                </a:solidFill>
-                <a:latin typeface="Calibri"/>
-              </a:rPr>
-              <a:t>sistema</a:t>
-            </a:r>
-            <a:r>
-              <a:rPr lang="en-US" sz="2000" b="0" strike="noStrike" spc="-1" dirty="0">
-                <a:solidFill>
-                  <a:srgbClr val="404040"/>
-                </a:solidFill>
-                <a:latin typeface="Calibri"/>
-              </a:rPr>
-              <a:t> e </a:t>
-            </a:r>
-            <a:r>
-              <a:rPr lang="en-US" sz="2000" b="0" strike="noStrike" spc="-1" dirty="0" err="1">
-                <a:solidFill>
-                  <a:srgbClr val="404040"/>
-                </a:solidFill>
-                <a:latin typeface="Calibri"/>
-              </a:rPr>
-              <a:t>implementação</a:t>
-            </a:r>
-            <a:r>
-              <a:rPr lang="en-US" sz="2000" b="0" strike="noStrike" spc="-1" dirty="0">
-                <a:solidFill>
-                  <a:srgbClr val="404040"/>
-                </a:solidFill>
-                <a:latin typeface="Calibri"/>
-              </a:rPr>
-              <a:t> do </a:t>
-            </a:r>
-            <a:r>
-              <a:rPr lang="en-US" sz="2000" b="0" strike="noStrike" spc="-1" dirty="0" err="1">
-                <a:solidFill>
-                  <a:srgbClr val="404040"/>
-                </a:solidFill>
-                <a:latin typeface="Calibri"/>
-              </a:rPr>
-              <a:t>mesmo</a:t>
-            </a:r>
-            <a:r>
-              <a:rPr lang="en-US" sz="2000" b="0" strike="noStrike" spc="-1" dirty="0">
-                <a:solidFill>
-                  <a:srgbClr val="404040"/>
-                </a:solidFill>
-                <a:latin typeface="Calibri"/>
-              </a:rPr>
-              <a:t>.</a:t>
-            </a:r>
-          </a:p>
-        </p:txBody>
-      </p:sp>
-      <p:pic>
-        <p:nvPicPr>
-          <p:cNvPr id="125" name="Picture 4"/>
-          <p:cNvPicPr/>
-          <p:nvPr/>
-        </p:nvPicPr>
-        <p:blipFill>
-          <a:blip r:embed="rId2"/>
-          <a:stretch/>
-        </p:blipFill>
-        <p:spPr>
-          <a:xfrm>
-            <a:off x="163440" y="140400"/>
-            <a:ext cx="1247760" cy="621720"/>
-          </a:xfrm>
-          <a:prstGeom prst="rect">
-            <a:avLst/>
-          </a:prstGeom>
-          <a:ln w="0">
-            <a:noFill/>
-          </a:ln>
-        </p:spPr>
-      </p:pic>
-      <p:sp>
-        <p:nvSpPr>
-          <p:cNvPr id="126" name="TextBox 5"/>
-          <p:cNvSpPr/>
-          <p:nvPr/>
-        </p:nvSpPr>
-        <p:spPr>
-          <a:xfrm>
-            <a:off x="1411560" y="177480"/>
-            <a:ext cx="3071160" cy="521766"/>
-          </a:xfrm>
-          <a:prstGeom prst="rect">
-            <a:avLst/>
-          </a:prstGeom>
-          <a:noFill/>
-          <a:ln w="0">
-            <a:noFill/>
-          </a:ln>
-        </p:spPr>
-        <p:style>
-          <a:lnRef idx="0">
-            <a:scrgbClr r="0" g="0" b="0"/>
-          </a:lnRef>
-          <a:fillRef idx="0">
-            <a:scrgbClr r="0" g="0" b="0"/>
-          </a:fillRef>
-          <a:effectRef idx="0">
-            <a:scrgbClr r="0" g="0" b="0"/>
-          </a:effectRef>
-          <a:fontRef idx="minor"/>
-        </p:style>
-        <p:txBody>
-          <a:bodyPr lIns="90000" tIns="45000" rIns="90000" bIns="45000" anchor="t">
-            <a:spAutoFit/>
-          </a:bodyPr>
-          <a:lstStyle/>
-          <a:p>
-            <a:pPr>
-              <a:lnSpc>
-                <a:spcPct val="100000"/>
-              </a:lnSpc>
-              <a:buNone/>
-            </a:pPr>
-            <a:r>
-              <a:rPr lang="pt-PT" sz="1400" b="0" strike="noStrike" spc="-1" dirty="0">
-                <a:solidFill>
-                  <a:srgbClr val="000000"/>
-                </a:solidFill>
-                <a:latin typeface="Calibri Light"/>
-              </a:rPr>
-              <a:t>Laboratórios de Informática IV </a:t>
-            </a:r>
-            <a:endParaRPr lang="pt-PT" sz="1400" b="0" strike="noStrike" spc="-1" dirty="0">
-              <a:latin typeface="Arial"/>
-            </a:endParaRPr>
-          </a:p>
-          <a:p>
-            <a:pPr>
-              <a:lnSpc>
-                <a:spcPct val="100000"/>
-              </a:lnSpc>
-              <a:buNone/>
-            </a:pPr>
-            <a:r>
-              <a:rPr lang="pt-PT" sz="1400" b="0" strike="noStrike" spc="-1" dirty="0">
-                <a:solidFill>
-                  <a:srgbClr val="000000"/>
-                </a:solidFill>
-                <a:latin typeface="Calibri Light"/>
-              </a:rPr>
-              <a:t>Ano letivo 2022/2023</a:t>
-            </a:r>
-            <a:endParaRPr lang="pt-PT" sz="1400" b="0" strike="noStrike" spc="-1" dirty="0">
-              <a:latin typeface="Arial"/>
-            </a:endParaRPr>
-          </a:p>
-        </p:txBody>
-      </p:sp>
-      <p:sp>
-        <p:nvSpPr>
-          <p:cNvPr id="4" name="PlaceHolder 3"/>
-          <p:cNvSpPr>
-            <a:spLocks noGrp="1"/>
-          </p:cNvSpPr>
-          <p:nvPr>
-            <p:ph type="sldNum" idx="6"/>
-          </p:nvPr>
-        </p:nvSpPr>
-        <p:spPr/>
-        <p:txBody>
-          <a:bodyPr/>
-          <a:lstStyle/>
-          <a:p>
-            <a:fld id="{56A71680-F06B-4B78-8C22-ED6743CE0BC6}" type="slidenum">
-              <a:rPr/>
-              <a:t>9</a:t>
-            </a:fld>
-            <a:endParaRPr/>
-          </a:p>
-        </p:txBody>
-      </p:sp>
-    </p:spTree>
-  </p:cSld>
-  <p:clrMapOvr>
-    <a:masterClrMapping/>
-  </p:clrMapOvr>
-  <mc:AlternateContent xmlns:mc="http://schemas.openxmlformats.org/markup-compatibility/2006" xmlns:p14="http://schemas.microsoft.com/office/powerpoint/2010/main">
-    <mc:Choice Requires="p14">
-      <p:transition spd="med" p14:dur="700">
-        <p:fade/>
-      </p:transition>
-    </mc:Choice>
-    <mc:Fallback xmlns="" xmlns:p15="http://schemas.microsoft.com/office/powerpoint/2012/main">
-      <p:transition spd="med">
-        <p:fade/>
-      </p:transition>
-    </mc:Fallback>
-  </mc:AlternateContent>
 </p:sld>
 </file>
 
